--- a/files/presentations/Injects_p1.pptx
+++ b/files/presentations/Injects_p1.pptx
@@ -35,7 +35,10 @@
     <p:sldId id="292" r:id="rId29"/>
     <p:sldId id="290" r:id="rId30"/>
     <p:sldId id="288" r:id="rId31"/>
-    <p:sldId id="296" r:id="rId32"/>
+    <p:sldId id="297" r:id="rId32"/>
+    <p:sldId id="298" r:id="rId33"/>
+    <p:sldId id="299" r:id="rId34"/>
+    <p:sldId id="296" r:id="rId35"/>
   </p:sldIdLst>
   <p:sldSz cx="12192000" cy="6858000"/>
   <p:notesSz cx="6858000" cy="9144000"/>
@@ -273,7 +276,7 @@
           <a:p>
             <a:fld id="{846CE7D5-CF57-46EF-B807-FDD0502418D4}" type="datetimeFigureOut">
               <a:rPr lang="en-US" smtClean="0"/>
-              <a:t>1/20/22</a:t>
+              <a:t>1/21/22</a:t>
             </a:fld>
             <a:endParaRPr lang="en-US"/>
           </a:p>
@@ -438,7 +441,7 @@
           <a:p>
             <a:fld id="{846CE7D5-CF57-46EF-B807-FDD0502418D4}" type="datetimeFigureOut">
               <a:rPr lang="en-US" smtClean="0"/>
-              <a:t>1/20/22</a:t>
+              <a:t>1/21/22</a:t>
             </a:fld>
             <a:endParaRPr lang="en-US"/>
           </a:p>
@@ -613,7 +616,7 @@
           <a:p>
             <a:fld id="{846CE7D5-CF57-46EF-B807-FDD0502418D4}" type="datetimeFigureOut">
               <a:rPr lang="en-US" smtClean="0"/>
-              <a:t>1/20/22</a:t>
+              <a:t>1/21/22</a:t>
             </a:fld>
             <a:endParaRPr lang="en-US"/>
           </a:p>
@@ -778,7 +781,7 @@
           <a:p>
             <a:fld id="{846CE7D5-CF57-46EF-B807-FDD0502418D4}" type="datetimeFigureOut">
               <a:rPr lang="en-US" smtClean="0"/>
-              <a:t>1/20/22</a:t>
+              <a:t>1/21/22</a:t>
             </a:fld>
             <a:endParaRPr lang="en-US"/>
           </a:p>
@@ -1019,7 +1022,7 @@
           <a:p>
             <a:fld id="{846CE7D5-CF57-46EF-B807-FDD0502418D4}" type="datetimeFigureOut">
               <a:rPr lang="en-US" smtClean="0"/>
-              <a:t>1/20/22</a:t>
+              <a:t>1/21/22</a:t>
             </a:fld>
             <a:endParaRPr lang="en-US"/>
           </a:p>
@@ -1246,7 +1249,7 @@
           <a:p>
             <a:fld id="{846CE7D5-CF57-46EF-B807-FDD0502418D4}" type="datetimeFigureOut">
               <a:rPr lang="en-US" smtClean="0"/>
-              <a:t>1/20/22</a:t>
+              <a:t>1/21/22</a:t>
             </a:fld>
             <a:endParaRPr lang="en-US"/>
           </a:p>
@@ -1608,7 +1611,7 @@
           <a:p>
             <a:fld id="{846CE7D5-CF57-46EF-B807-FDD0502418D4}" type="datetimeFigureOut">
               <a:rPr lang="en-US" smtClean="0"/>
-              <a:t>1/20/22</a:t>
+              <a:t>1/21/22</a:t>
             </a:fld>
             <a:endParaRPr lang="en-US"/>
           </a:p>
@@ -1721,7 +1724,7 @@
           <a:p>
             <a:fld id="{846CE7D5-CF57-46EF-B807-FDD0502418D4}" type="datetimeFigureOut">
               <a:rPr lang="en-US" smtClean="0"/>
-              <a:t>1/20/22</a:t>
+              <a:t>1/21/22</a:t>
             </a:fld>
             <a:endParaRPr lang="en-US"/>
           </a:p>
@@ -1811,7 +1814,7 @@
           <a:p>
             <a:fld id="{846CE7D5-CF57-46EF-B807-FDD0502418D4}" type="datetimeFigureOut">
               <a:rPr lang="en-US" smtClean="0"/>
-              <a:t>1/20/22</a:t>
+              <a:t>1/21/22</a:t>
             </a:fld>
             <a:endParaRPr lang="en-US"/>
           </a:p>
@@ -2083,7 +2086,7 @@
           <a:p>
             <a:fld id="{846CE7D5-CF57-46EF-B807-FDD0502418D4}" type="datetimeFigureOut">
               <a:rPr lang="en-US" smtClean="0"/>
-              <a:t>1/20/22</a:t>
+              <a:t>1/21/22</a:t>
             </a:fld>
             <a:endParaRPr lang="en-US"/>
           </a:p>
@@ -2335,7 +2338,7 @@
           <a:p>
             <a:fld id="{846CE7D5-CF57-46EF-B807-FDD0502418D4}" type="datetimeFigureOut">
               <a:rPr lang="en-US" smtClean="0"/>
-              <a:t>1/20/22</a:t>
+              <a:t>1/21/22</a:t>
             </a:fld>
             <a:endParaRPr lang="en-US"/>
           </a:p>
@@ -2543,7 +2546,7 @@
           <a:p>
             <a:fld id="{846CE7D5-CF57-46EF-B807-FDD0502418D4}" type="datetimeFigureOut">
               <a:rPr lang="en-US" smtClean="0"/>
-              <a:t>1/20/22</a:t>
+              <a:t>1/21/22</a:t>
             </a:fld>
             <a:endParaRPr lang="en-US"/>
           </a:p>
@@ -6598,12 +6601,17 @@
             </a:pathLst>
           </a:custGeom>
           <a:solidFill>
-            <a:schemeClr val="accent4">
-              <a:lumMod val="20000"/>
-              <a:lumOff val="80000"/>
+            <a:schemeClr val="accent2">
+              <a:lumMod val="60000"/>
+              <a:lumOff val="40000"/>
             </a:schemeClr>
           </a:solidFill>
           <a:ln>
+            <a:solidFill>
+              <a:schemeClr val="accent2">
+                <a:lumMod val="50000"/>
+              </a:schemeClr>
+            </a:solidFill>
             <a:extLst>
               <a:ext uri="{C807C97D-BFC1-408E-A445-0C87EB9F89A2}">
                 <ask:lineSketchStyleProps xmlns:ask="http://schemas.microsoft.com/office/drawing/2018/sketchyshapes" sd="739571147">
@@ -6642,7 +6650,7 @@
             <a:r>
               <a:rPr lang="en-GB" sz="1600" dirty="0" err="1">
                 <a:solidFill>
-                  <a:schemeClr val="accent4">
+                  <a:schemeClr val="accent2">
                     <a:lumMod val="50000"/>
                   </a:schemeClr>
                 </a:solidFill>
@@ -6654,7 +6662,7 @@
             <a:r>
               <a:rPr lang="en-GB" sz="1600" dirty="0">
                 <a:solidFill>
-                  <a:schemeClr val="accent4">
+                  <a:schemeClr val="accent2">
                     <a:lumMod val="50000"/>
                   </a:schemeClr>
                 </a:solidFill>
@@ -6666,7 +6674,7 @@
             <a:r>
               <a:rPr lang="en-GB" sz="1600" dirty="0">
                 <a:solidFill>
-                  <a:schemeClr val="accent4">
+                  <a:schemeClr val="accent2">
                     <a:lumMod val="50000"/>
                   </a:schemeClr>
                 </a:solidFill>
@@ -14290,272 +14298,6 @@
           </a:p>
         </p:txBody>
       </p:sp>
-      <p:sp>
-        <p:nvSpPr>
-          <p:cNvPr id="11" name="TextBox 10"/>
-          <p:cNvSpPr txBox="1"/>
-          <p:nvPr/>
-        </p:nvSpPr>
-        <p:spPr>
-          <a:xfrm>
-            <a:off x="3363889" y="4707558"/>
-            <a:ext cx="2398889" cy="338554"/>
-          </a:xfrm>
-          <a:custGeom>
-            <a:avLst/>
-            <a:gdLst>
-              <a:gd name="connsiteX0" fmla="*/ 0 w 2398889"/>
-              <a:gd name="connsiteY0" fmla="*/ 0 h 338554"/>
-              <a:gd name="connsiteX1" fmla="*/ 647700 w 2398889"/>
-              <a:gd name="connsiteY1" fmla="*/ 0 h 338554"/>
-              <a:gd name="connsiteX2" fmla="*/ 1199445 w 2398889"/>
-              <a:gd name="connsiteY2" fmla="*/ 0 h 338554"/>
-              <a:gd name="connsiteX3" fmla="*/ 1799167 w 2398889"/>
-              <a:gd name="connsiteY3" fmla="*/ 0 h 338554"/>
-              <a:gd name="connsiteX4" fmla="*/ 2398889 w 2398889"/>
-              <a:gd name="connsiteY4" fmla="*/ 0 h 338554"/>
-              <a:gd name="connsiteX5" fmla="*/ 2398889 w 2398889"/>
-              <a:gd name="connsiteY5" fmla="*/ 338554 h 338554"/>
-              <a:gd name="connsiteX6" fmla="*/ 1751189 w 2398889"/>
-              <a:gd name="connsiteY6" fmla="*/ 338554 h 338554"/>
-              <a:gd name="connsiteX7" fmla="*/ 1199445 w 2398889"/>
-              <a:gd name="connsiteY7" fmla="*/ 338554 h 338554"/>
-              <a:gd name="connsiteX8" fmla="*/ 623711 w 2398889"/>
-              <a:gd name="connsiteY8" fmla="*/ 338554 h 338554"/>
-              <a:gd name="connsiteX9" fmla="*/ 0 w 2398889"/>
-              <a:gd name="connsiteY9" fmla="*/ 338554 h 338554"/>
-              <a:gd name="connsiteX10" fmla="*/ 0 w 2398889"/>
-              <a:gd name="connsiteY10" fmla="*/ 0 h 338554"/>
-            </a:gdLst>
-            <a:ahLst/>
-            <a:cxnLst>
-              <a:cxn ang="0">
-                <a:pos x="connsiteX0" y="connsiteY0"/>
-              </a:cxn>
-              <a:cxn ang="0">
-                <a:pos x="connsiteX1" y="connsiteY1"/>
-              </a:cxn>
-              <a:cxn ang="0">
-                <a:pos x="connsiteX2" y="connsiteY2"/>
-              </a:cxn>
-              <a:cxn ang="0">
-                <a:pos x="connsiteX3" y="connsiteY3"/>
-              </a:cxn>
-              <a:cxn ang="0">
-                <a:pos x="connsiteX4" y="connsiteY4"/>
-              </a:cxn>
-              <a:cxn ang="0">
-                <a:pos x="connsiteX5" y="connsiteY5"/>
-              </a:cxn>
-              <a:cxn ang="0">
-                <a:pos x="connsiteX6" y="connsiteY6"/>
-              </a:cxn>
-              <a:cxn ang="0">
-                <a:pos x="connsiteX7" y="connsiteY7"/>
-              </a:cxn>
-              <a:cxn ang="0">
-                <a:pos x="connsiteX8" y="connsiteY8"/>
-              </a:cxn>
-              <a:cxn ang="0">
-                <a:pos x="connsiteX9" y="connsiteY9"/>
-              </a:cxn>
-              <a:cxn ang="0">
-                <a:pos x="connsiteX10" y="connsiteY10"/>
-              </a:cxn>
-            </a:cxnLst>
-            <a:rect l="l" t="t" r="r" b="b"/>
-            <a:pathLst>
-              <a:path w="2398889" h="338554" fill="none" extrusionOk="0">
-                <a:moveTo>
-                  <a:pt x="0" y="0"/>
-                </a:moveTo>
-                <a:cubicBezTo>
-                  <a:pt x="237156" y="-22785"/>
-                  <a:pt x="517220" y="1657"/>
-                  <a:pt x="647700" y="0"/>
-                </a:cubicBezTo>
-                <a:cubicBezTo>
-                  <a:pt x="778180" y="-1657"/>
-                  <a:pt x="991514" y="14040"/>
-                  <a:pt x="1199445" y="0"/>
-                </a:cubicBezTo>
-                <a:cubicBezTo>
-                  <a:pt x="1407376" y="-14040"/>
-                  <a:pt x="1666425" y="-27409"/>
-                  <a:pt x="1799167" y="0"/>
-                </a:cubicBezTo>
-                <a:cubicBezTo>
-                  <a:pt x="1931909" y="27409"/>
-                  <a:pt x="2220884" y="24554"/>
-                  <a:pt x="2398889" y="0"/>
-                </a:cubicBezTo>
-                <a:cubicBezTo>
-                  <a:pt x="2395548" y="144080"/>
-                  <a:pt x="2384319" y="218237"/>
-                  <a:pt x="2398889" y="338554"/>
-                </a:cubicBezTo>
-                <a:cubicBezTo>
-                  <a:pt x="2230513" y="323471"/>
-                  <a:pt x="1885185" y="367377"/>
-                  <a:pt x="1751189" y="338554"/>
-                </a:cubicBezTo>
-                <a:cubicBezTo>
-                  <a:pt x="1617193" y="309731"/>
-                  <a:pt x="1380413" y="329113"/>
-                  <a:pt x="1199445" y="338554"/>
-                </a:cubicBezTo>
-                <a:cubicBezTo>
-                  <a:pt x="1018477" y="347995"/>
-                  <a:pt x="851193" y="322695"/>
-                  <a:pt x="623711" y="338554"/>
-                </a:cubicBezTo>
-                <a:cubicBezTo>
-                  <a:pt x="396229" y="354413"/>
-                  <a:pt x="148686" y="339800"/>
-                  <a:pt x="0" y="338554"/>
-                </a:cubicBezTo>
-                <a:cubicBezTo>
-                  <a:pt x="-4949" y="175563"/>
-                  <a:pt x="-12902" y="101088"/>
-                  <a:pt x="0" y="0"/>
-                </a:cubicBezTo>
-                <a:close/>
-              </a:path>
-              <a:path w="2398889" h="338554" stroke="0" extrusionOk="0">
-                <a:moveTo>
-                  <a:pt x="0" y="0"/>
-                </a:moveTo>
-                <a:cubicBezTo>
-                  <a:pt x="192625" y="4871"/>
-                  <a:pt x="460357" y="24541"/>
-                  <a:pt x="599722" y="0"/>
-                </a:cubicBezTo>
-                <a:cubicBezTo>
-                  <a:pt x="739087" y="-24541"/>
-                  <a:pt x="1023304" y="22638"/>
-                  <a:pt x="1247422" y="0"/>
-                </a:cubicBezTo>
-                <a:cubicBezTo>
-                  <a:pt x="1471540" y="-22638"/>
-                  <a:pt x="2106048" y="-49054"/>
-                  <a:pt x="2398889" y="0"/>
-                </a:cubicBezTo>
-                <a:cubicBezTo>
-                  <a:pt x="2412464" y="92276"/>
-                  <a:pt x="2409971" y="224386"/>
-                  <a:pt x="2398889" y="338554"/>
-                </a:cubicBezTo>
-                <a:cubicBezTo>
-                  <a:pt x="2128793" y="359964"/>
-                  <a:pt x="1960780" y="365295"/>
-                  <a:pt x="1823156" y="338554"/>
-                </a:cubicBezTo>
-                <a:cubicBezTo>
-                  <a:pt x="1685532" y="311813"/>
-                  <a:pt x="1416761" y="330654"/>
-                  <a:pt x="1247422" y="338554"/>
-                </a:cubicBezTo>
-                <a:cubicBezTo>
-                  <a:pt x="1078083" y="346454"/>
-                  <a:pt x="912517" y="350817"/>
-                  <a:pt x="671689" y="338554"/>
-                </a:cubicBezTo>
-                <a:cubicBezTo>
-                  <a:pt x="430861" y="326291"/>
-                  <a:pt x="270790" y="322509"/>
-                  <a:pt x="0" y="338554"/>
-                </a:cubicBezTo>
-                <a:cubicBezTo>
-                  <a:pt x="-220" y="240826"/>
-                  <a:pt x="-2298" y="93511"/>
-                  <a:pt x="0" y="0"/>
-                </a:cubicBezTo>
-                <a:close/>
-              </a:path>
-            </a:pathLst>
-          </a:custGeom>
-          <a:solidFill>
-            <a:schemeClr val="accent4">
-              <a:lumMod val="20000"/>
-              <a:lumOff val="80000"/>
-            </a:schemeClr>
-          </a:solidFill>
-          <a:ln>
-            <a:extLst>
-              <a:ext uri="{C807C97D-BFC1-408E-A445-0C87EB9F89A2}">
-                <ask:lineSketchStyleProps xmlns:ask="http://schemas.microsoft.com/office/drawing/2018/sketchyshapes" sd="1446915122">
-                  <a:prstGeom prst="rect">
-                    <a:avLst/>
-                  </a:prstGeom>
-                  <ask:type>
-                    <ask:lineSketchFreehand/>
-                  </ask:type>
-                </ask:lineSketchStyleProps>
-              </a:ext>
-            </a:extLst>
-          </a:ln>
-        </p:spPr>
-        <p:style>
-          <a:lnRef idx="2">
-            <a:schemeClr val="accent4"/>
-          </a:lnRef>
-          <a:fillRef idx="1">
-            <a:schemeClr val="lt1"/>
-          </a:fillRef>
-          <a:effectRef idx="0">
-            <a:schemeClr val="accent4"/>
-          </a:effectRef>
-          <a:fontRef idx="minor">
-            <a:schemeClr val="dk1"/>
-          </a:fontRef>
-        </p:style>
-        <p:txBody>
-          <a:bodyPr rot="0" spcFirstLastPara="0" vertOverflow="overflow" horzOverflow="overflow" vert="horz" wrap="square" lIns="91440" tIns="45720" rIns="91440" bIns="45720" numCol="1" spcCol="0" rtlCol="0" fromWordArt="0" anchor="t" anchorCtr="0" forceAA="0" compatLnSpc="1">
-            <a:spAutoFit/>
-          </a:bodyPr>
-          <a:lstStyle/>
-          <a:p>
-            <a:pPr algn="ctr"/>
-            <a:r>
-              <a:rPr lang="en-GB" sz="1600" dirty="0" err="1">
-                <a:solidFill>
-                  <a:schemeClr val="accent4">
-                    <a:lumMod val="50000"/>
-                  </a:schemeClr>
-                </a:solidFill>
-                <a:latin typeface="Inconsolata" pitchFamily="49" charset="77"/>
-                <a:ea typeface="Inconsolata" pitchFamily="49" charset="77"/>
-              </a:rPr>
-              <a:t>WriteProcessMemory</a:t>
-            </a:r>
-            <a:r>
-              <a:rPr lang="en-GB" sz="1600" dirty="0">
-                <a:solidFill>
-                  <a:schemeClr val="accent4">
-                    <a:lumMod val="50000"/>
-                  </a:schemeClr>
-                </a:solidFill>
-                <a:latin typeface="Inconsolata" pitchFamily="49" charset="77"/>
-                <a:ea typeface="Inconsolata" pitchFamily="49" charset="77"/>
-              </a:rPr>
-              <a:t>()</a:t>
-            </a:r>
-            <a:r>
-              <a:rPr lang="en-GB" sz="1600" dirty="0">
-                <a:solidFill>
-                  <a:schemeClr val="accent4">
-                    <a:lumMod val="50000"/>
-                  </a:schemeClr>
-                </a:solidFill>
-                <a:latin typeface="Inconsolata" pitchFamily="49" charset="77"/>
-                <a:ea typeface="Inconsolata" pitchFamily="49" charset="77"/>
-                <a:cs typeface="Calibri" panose="020F0502020204030204"/>
-              </a:rPr>
-              <a:t>​</a:t>
-            </a:r>
-          </a:p>
-        </p:txBody>
-      </p:sp>
       <p:cxnSp>
         <p:nvCxnSpPr>
           <p:cNvPr id="15" name="Straight Arrow Connector 14"/>
@@ -15640,7 +15382,6 @@
           <p:cNvCxnSpPr>
             <a:cxnSpLocks/>
             <a:stCxn id="10" idx="2"/>
-            <a:endCxn id="11" idx="0"/>
           </p:cNvCxnSpPr>
           <p:nvPr/>
         </p:nvCxnSpPr>
@@ -15948,7 +15689,6 @@
           <p:cNvPr id="39" name="Straight Arrow Connector 38"/>
           <p:cNvCxnSpPr>
             <a:cxnSpLocks/>
-            <a:stCxn id="11" idx="2"/>
             <a:endCxn id="38" idx="0"/>
           </p:cNvCxnSpPr>
           <p:nvPr/>
@@ -17318,6 +17058,288 @@
           </a:fontRef>
         </p:style>
       </p:cxnSp>
+      <p:sp>
+        <p:nvSpPr>
+          <p:cNvPr id="44" name="TextBox 43">
+            <a:extLst>
+              <a:ext uri="{FF2B5EF4-FFF2-40B4-BE49-F238E27FC236}">
+                <a16:creationId xmlns:a16="http://schemas.microsoft.com/office/drawing/2014/main" id="{B3D06BA8-FF5D-0349-BAA1-40490321ED5F}"/>
+              </a:ext>
+            </a:extLst>
+          </p:cNvPr>
+          <p:cNvSpPr txBox="1"/>
+          <p:nvPr/>
+        </p:nvSpPr>
+        <p:spPr>
+          <a:xfrm>
+            <a:off x="3087857" y="4747646"/>
+            <a:ext cx="2398889" cy="338554"/>
+          </a:xfrm>
+          <a:custGeom>
+            <a:avLst/>
+            <a:gdLst>
+              <a:gd name="connsiteX0" fmla="*/ 0 w 2398889"/>
+              <a:gd name="connsiteY0" fmla="*/ 0 h 338554"/>
+              <a:gd name="connsiteX1" fmla="*/ 575733 w 2398889"/>
+              <a:gd name="connsiteY1" fmla="*/ 0 h 338554"/>
+              <a:gd name="connsiteX2" fmla="*/ 1127478 w 2398889"/>
+              <a:gd name="connsiteY2" fmla="*/ 0 h 338554"/>
+              <a:gd name="connsiteX3" fmla="*/ 1751189 w 2398889"/>
+              <a:gd name="connsiteY3" fmla="*/ 0 h 338554"/>
+              <a:gd name="connsiteX4" fmla="*/ 2398889 w 2398889"/>
+              <a:gd name="connsiteY4" fmla="*/ 0 h 338554"/>
+              <a:gd name="connsiteX5" fmla="*/ 2398889 w 2398889"/>
+              <a:gd name="connsiteY5" fmla="*/ 338554 h 338554"/>
+              <a:gd name="connsiteX6" fmla="*/ 1799167 w 2398889"/>
+              <a:gd name="connsiteY6" fmla="*/ 338554 h 338554"/>
+              <a:gd name="connsiteX7" fmla="*/ 1151467 w 2398889"/>
+              <a:gd name="connsiteY7" fmla="*/ 338554 h 338554"/>
+              <a:gd name="connsiteX8" fmla="*/ 551744 w 2398889"/>
+              <a:gd name="connsiteY8" fmla="*/ 338554 h 338554"/>
+              <a:gd name="connsiteX9" fmla="*/ 0 w 2398889"/>
+              <a:gd name="connsiteY9" fmla="*/ 338554 h 338554"/>
+              <a:gd name="connsiteX10" fmla="*/ 0 w 2398889"/>
+              <a:gd name="connsiteY10" fmla="*/ 0 h 338554"/>
+            </a:gdLst>
+            <a:ahLst/>
+            <a:cxnLst>
+              <a:cxn ang="0">
+                <a:pos x="connsiteX0" y="connsiteY0"/>
+              </a:cxn>
+              <a:cxn ang="0">
+                <a:pos x="connsiteX1" y="connsiteY1"/>
+              </a:cxn>
+              <a:cxn ang="0">
+                <a:pos x="connsiteX2" y="connsiteY2"/>
+              </a:cxn>
+              <a:cxn ang="0">
+                <a:pos x="connsiteX3" y="connsiteY3"/>
+              </a:cxn>
+              <a:cxn ang="0">
+                <a:pos x="connsiteX4" y="connsiteY4"/>
+              </a:cxn>
+              <a:cxn ang="0">
+                <a:pos x="connsiteX5" y="connsiteY5"/>
+              </a:cxn>
+              <a:cxn ang="0">
+                <a:pos x="connsiteX6" y="connsiteY6"/>
+              </a:cxn>
+              <a:cxn ang="0">
+                <a:pos x="connsiteX7" y="connsiteY7"/>
+              </a:cxn>
+              <a:cxn ang="0">
+                <a:pos x="connsiteX8" y="connsiteY8"/>
+              </a:cxn>
+              <a:cxn ang="0">
+                <a:pos x="connsiteX9" y="connsiteY9"/>
+              </a:cxn>
+              <a:cxn ang="0">
+                <a:pos x="connsiteX10" y="connsiteY10"/>
+              </a:cxn>
+            </a:cxnLst>
+            <a:rect l="l" t="t" r="r" b="b"/>
+            <a:pathLst>
+              <a:path w="2398889" h="338554" fill="none" extrusionOk="0">
+                <a:moveTo>
+                  <a:pt x="0" y="0"/>
+                </a:moveTo>
+                <a:cubicBezTo>
+                  <a:pt x="115340" y="27462"/>
+                  <a:pt x="341855" y="2569"/>
+                  <a:pt x="575733" y="0"/>
+                </a:cubicBezTo>
+                <a:cubicBezTo>
+                  <a:pt x="809611" y="-2569"/>
+                  <a:pt x="950814" y="13907"/>
+                  <a:pt x="1127478" y="0"/>
+                </a:cubicBezTo>
+                <a:cubicBezTo>
+                  <a:pt x="1304142" y="-13907"/>
+                  <a:pt x="1615121" y="-4535"/>
+                  <a:pt x="1751189" y="0"/>
+                </a:cubicBezTo>
+                <a:cubicBezTo>
+                  <a:pt x="1887257" y="4535"/>
+                  <a:pt x="2221923" y="28225"/>
+                  <a:pt x="2398889" y="0"/>
+                </a:cubicBezTo>
+                <a:cubicBezTo>
+                  <a:pt x="2382366" y="158023"/>
+                  <a:pt x="2410399" y="170391"/>
+                  <a:pt x="2398889" y="338554"/>
+                </a:cubicBezTo>
+                <a:cubicBezTo>
+                  <a:pt x="2276401" y="367897"/>
+                  <a:pt x="2057761" y="360831"/>
+                  <a:pt x="1799167" y="338554"/>
+                </a:cubicBezTo>
+                <a:cubicBezTo>
+                  <a:pt x="1540573" y="316277"/>
+                  <a:pt x="1417090" y="334103"/>
+                  <a:pt x="1151467" y="338554"/>
+                </a:cubicBezTo>
+                <a:cubicBezTo>
+                  <a:pt x="885844" y="343005"/>
+                  <a:pt x="787305" y="339237"/>
+                  <a:pt x="551744" y="338554"/>
+                </a:cubicBezTo>
+                <a:cubicBezTo>
+                  <a:pt x="316183" y="337871"/>
+                  <a:pt x="146361" y="337909"/>
+                  <a:pt x="0" y="338554"/>
+                </a:cubicBezTo>
+                <a:cubicBezTo>
+                  <a:pt x="-9181" y="193503"/>
+                  <a:pt x="1312" y="133034"/>
+                  <a:pt x="0" y="0"/>
+                </a:cubicBezTo>
+                <a:close/>
+              </a:path>
+              <a:path w="2398889" h="338554" stroke="0" extrusionOk="0">
+                <a:moveTo>
+                  <a:pt x="0" y="0"/>
+                </a:moveTo>
+                <a:cubicBezTo>
+                  <a:pt x="218546" y="697"/>
+                  <a:pt x="406076" y="-9427"/>
+                  <a:pt x="551744" y="0"/>
+                </a:cubicBezTo>
+                <a:cubicBezTo>
+                  <a:pt x="697412" y="9427"/>
+                  <a:pt x="952994" y="-17719"/>
+                  <a:pt x="1151467" y="0"/>
+                </a:cubicBezTo>
+                <a:cubicBezTo>
+                  <a:pt x="1349940" y="17719"/>
+                  <a:pt x="1441208" y="5394"/>
+                  <a:pt x="1727200" y="0"/>
+                </a:cubicBezTo>
+                <a:cubicBezTo>
+                  <a:pt x="2013192" y="-5394"/>
+                  <a:pt x="2104036" y="7085"/>
+                  <a:pt x="2398889" y="0"/>
+                </a:cubicBezTo>
+                <a:cubicBezTo>
+                  <a:pt x="2384952" y="154362"/>
+                  <a:pt x="2399565" y="262574"/>
+                  <a:pt x="2398889" y="338554"/>
+                </a:cubicBezTo>
+                <a:cubicBezTo>
+                  <a:pt x="2214995" y="318044"/>
+                  <a:pt x="2060140" y="320720"/>
+                  <a:pt x="1751189" y="338554"/>
+                </a:cubicBezTo>
+                <a:cubicBezTo>
+                  <a:pt x="1442238" y="356388"/>
+                  <a:pt x="1379838" y="334216"/>
+                  <a:pt x="1223433" y="338554"/>
+                </a:cubicBezTo>
+                <a:cubicBezTo>
+                  <a:pt x="1067028" y="342892"/>
+                  <a:pt x="849980" y="341971"/>
+                  <a:pt x="647700" y="338554"/>
+                </a:cubicBezTo>
+                <a:cubicBezTo>
+                  <a:pt x="445420" y="335137"/>
+                  <a:pt x="192887" y="348315"/>
+                  <a:pt x="0" y="338554"/>
+                </a:cubicBezTo>
+                <a:cubicBezTo>
+                  <a:pt x="6430" y="253532"/>
+                  <a:pt x="7855" y="73285"/>
+                  <a:pt x="0" y="0"/>
+                </a:cubicBezTo>
+                <a:close/>
+              </a:path>
+            </a:pathLst>
+          </a:custGeom>
+          <a:solidFill>
+            <a:schemeClr val="accent2">
+              <a:lumMod val="60000"/>
+              <a:lumOff val="40000"/>
+            </a:schemeClr>
+          </a:solidFill>
+          <a:ln>
+            <a:solidFill>
+              <a:schemeClr val="accent2">
+                <a:lumMod val="50000"/>
+              </a:schemeClr>
+            </a:solidFill>
+            <a:extLst>
+              <a:ext uri="{C807C97D-BFC1-408E-A445-0C87EB9F89A2}">
+                <ask:lineSketchStyleProps xmlns:ask="http://schemas.microsoft.com/office/drawing/2018/sketchyshapes" sd="739571147">
+                  <a:prstGeom prst="rect">
+                    <a:avLst/>
+                  </a:prstGeom>
+                  <ask:type>
+                    <ask:lineSketchFreehand/>
+                  </ask:type>
+                </ask:lineSketchStyleProps>
+              </a:ext>
+            </a:extLst>
+          </a:ln>
+        </p:spPr>
+        <p:style>
+          <a:lnRef idx="2">
+            <a:schemeClr val="accent4"/>
+          </a:lnRef>
+          <a:fillRef idx="1">
+            <a:schemeClr val="lt1"/>
+          </a:fillRef>
+          <a:effectRef idx="0">
+            <a:schemeClr val="accent4"/>
+          </a:effectRef>
+          <a:fontRef idx="minor">
+            <a:schemeClr val="dk1"/>
+          </a:fontRef>
+        </p:style>
+        <p:txBody>
+          <a:bodyPr rot="0" spcFirstLastPara="0" vertOverflow="overflow" horzOverflow="overflow" vert="horz" wrap="square" lIns="91440" tIns="45720" rIns="91440" bIns="45720" numCol="1" spcCol="0" rtlCol="0" fromWordArt="0" anchor="t" anchorCtr="0" forceAA="0" compatLnSpc="1">
+            <a:spAutoFit/>
+          </a:bodyPr>
+          <a:lstStyle/>
+          <a:p>
+            <a:pPr algn="ctr"/>
+            <a:r>
+              <a:rPr lang="en-GB" sz="1600" dirty="0" err="1">
+                <a:solidFill>
+                  <a:schemeClr val="accent2">
+                    <a:lumMod val="50000"/>
+                  </a:schemeClr>
+                </a:solidFill>
+                <a:latin typeface="Inconsolata" pitchFamily="49" charset="77"/>
+                <a:ea typeface="Inconsolata" pitchFamily="49" charset="77"/>
+              </a:rPr>
+              <a:t>WriteProcessMemory</a:t>
+            </a:r>
+            <a:r>
+              <a:rPr lang="en-GB" sz="1600" dirty="0">
+                <a:solidFill>
+                  <a:schemeClr val="accent2">
+                    <a:lumMod val="50000"/>
+                  </a:schemeClr>
+                </a:solidFill>
+                <a:latin typeface="Inconsolata" pitchFamily="49" charset="77"/>
+                <a:ea typeface="Inconsolata" pitchFamily="49" charset="77"/>
+              </a:rPr>
+              <a:t>()</a:t>
+            </a:r>
+            <a:r>
+              <a:rPr lang="en-GB" sz="1600" dirty="0">
+                <a:solidFill>
+                  <a:schemeClr val="accent2">
+                    <a:lumMod val="50000"/>
+                  </a:schemeClr>
+                </a:solidFill>
+                <a:latin typeface="Inconsolata" pitchFamily="49" charset="77"/>
+                <a:ea typeface="Inconsolata" pitchFamily="49" charset="77"/>
+                <a:cs typeface="Calibri" panose="020F0502020204030204"/>
+              </a:rPr>
+              <a:t>​</a:t>
+            </a:r>
+          </a:p>
+        </p:txBody>
+      </p:sp>
     </p:spTree>
   </p:cSld>
   <p:clrMapOvr>
@@ -22260,31 +22282,6 @@
           <a:chExt cx="0" cy="0"/>
         </a:xfrm>
       </p:grpSpPr>
-      <p:sp>
-        <p:nvSpPr>
-          <p:cNvPr id="2" name="Title 1"/>
-          <p:cNvSpPr>
-            <a:spLocks noGrp="1"/>
-          </p:cNvSpPr>
-          <p:nvPr>
-            <p:ph type="title"/>
-          </p:nvPr>
-        </p:nvSpPr>
-        <p:spPr/>
-        <p:txBody>
-          <a:bodyPr/>
-          <a:lstStyle/>
-          <a:p>
-            <a:r>
-              <a:rPr lang="en-GB" dirty="0">
-                <a:cs typeface="Calibri Light" panose="020F0302020204030204"/>
-              </a:rPr>
-              <a:t>SIR</a:t>
-            </a:r>
-            <a:endParaRPr lang="en-US" dirty="0"/>
-          </a:p>
-        </p:txBody>
-      </p:sp>
       <p:pic>
         <p:nvPicPr>
           <p:cNvPr id="4" name="Picture 5" descr="A screenshot of a cell phone&#10;&#10;Description generated with very high confidence"/>
@@ -35205,6 +35202,7994 @@
       </p:grpSpPr>
       <p:sp>
         <p:nvSpPr>
+          <p:cNvPr id="105" name="TextBox 104">
+            <a:extLst>
+              <a:ext uri="{FF2B5EF4-FFF2-40B4-BE49-F238E27FC236}">
+                <a16:creationId xmlns:a16="http://schemas.microsoft.com/office/drawing/2014/main" id="{71370285-D919-F241-BDEA-4F790F1D9A19}"/>
+              </a:ext>
+            </a:extLst>
+          </p:cNvPr>
+          <p:cNvSpPr txBox="1"/>
+          <p:nvPr/>
+        </p:nvSpPr>
+        <p:spPr>
+          <a:xfrm>
+            <a:off x="4112292" y="386361"/>
+            <a:ext cx="2743200" cy="338554"/>
+          </a:xfrm>
+          <a:custGeom>
+            <a:avLst/>
+            <a:gdLst>
+              <a:gd name="connsiteX0" fmla="*/ 0 w 2743200"/>
+              <a:gd name="connsiteY0" fmla="*/ 0 h 338554"/>
+              <a:gd name="connsiteX1" fmla="*/ 713232 w 2743200"/>
+              <a:gd name="connsiteY1" fmla="*/ 0 h 338554"/>
+              <a:gd name="connsiteX2" fmla="*/ 1453896 w 2743200"/>
+              <a:gd name="connsiteY2" fmla="*/ 0 h 338554"/>
+              <a:gd name="connsiteX3" fmla="*/ 2084832 w 2743200"/>
+              <a:gd name="connsiteY3" fmla="*/ 0 h 338554"/>
+              <a:gd name="connsiteX4" fmla="*/ 2743200 w 2743200"/>
+              <a:gd name="connsiteY4" fmla="*/ 0 h 338554"/>
+              <a:gd name="connsiteX5" fmla="*/ 2743200 w 2743200"/>
+              <a:gd name="connsiteY5" fmla="*/ 338554 h 338554"/>
+              <a:gd name="connsiteX6" fmla="*/ 2084832 w 2743200"/>
+              <a:gd name="connsiteY6" fmla="*/ 338554 h 338554"/>
+              <a:gd name="connsiteX7" fmla="*/ 1426464 w 2743200"/>
+              <a:gd name="connsiteY7" fmla="*/ 338554 h 338554"/>
+              <a:gd name="connsiteX8" fmla="*/ 768096 w 2743200"/>
+              <a:gd name="connsiteY8" fmla="*/ 338554 h 338554"/>
+              <a:gd name="connsiteX9" fmla="*/ 0 w 2743200"/>
+              <a:gd name="connsiteY9" fmla="*/ 338554 h 338554"/>
+              <a:gd name="connsiteX10" fmla="*/ 0 w 2743200"/>
+              <a:gd name="connsiteY10" fmla="*/ 0 h 338554"/>
+            </a:gdLst>
+            <a:ahLst/>
+            <a:cxnLst>
+              <a:cxn ang="0">
+                <a:pos x="connsiteX0" y="connsiteY0"/>
+              </a:cxn>
+              <a:cxn ang="0">
+                <a:pos x="connsiteX1" y="connsiteY1"/>
+              </a:cxn>
+              <a:cxn ang="0">
+                <a:pos x="connsiteX2" y="connsiteY2"/>
+              </a:cxn>
+              <a:cxn ang="0">
+                <a:pos x="connsiteX3" y="connsiteY3"/>
+              </a:cxn>
+              <a:cxn ang="0">
+                <a:pos x="connsiteX4" y="connsiteY4"/>
+              </a:cxn>
+              <a:cxn ang="0">
+                <a:pos x="connsiteX5" y="connsiteY5"/>
+              </a:cxn>
+              <a:cxn ang="0">
+                <a:pos x="connsiteX6" y="connsiteY6"/>
+              </a:cxn>
+              <a:cxn ang="0">
+                <a:pos x="connsiteX7" y="connsiteY7"/>
+              </a:cxn>
+              <a:cxn ang="0">
+                <a:pos x="connsiteX8" y="connsiteY8"/>
+              </a:cxn>
+              <a:cxn ang="0">
+                <a:pos x="connsiteX9" y="connsiteY9"/>
+              </a:cxn>
+              <a:cxn ang="0">
+                <a:pos x="connsiteX10" y="connsiteY10"/>
+              </a:cxn>
+            </a:cxnLst>
+            <a:rect l="l" t="t" r="r" b="b"/>
+            <a:pathLst>
+              <a:path w="2743200" h="338554" fill="none" extrusionOk="0">
+                <a:moveTo>
+                  <a:pt x="0" y="0"/>
+                </a:moveTo>
+                <a:cubicBezTo>
+                  <a:pt x="206956" y="21713"/>
+                  <a:pt x="550195" y="-28424"/>
+                  <a:pt x="713232" y="0"/>
+                </a:cubicBezTo>
+                <a:cubicBezTo>
+                  <a:pt x="876269" y="28424"/>
+                  <a:pt x="1274642" y="-6743"/>
+                  <a:pt x="1453896" y="0"/>
+                </a:cubicBezTo>
+                <a:cubicBezTo>
+                  <a:pt x="1633150" y="6743"/>
+                  <a:pt x="1895814" y="2898"/>
+                  <a:pt x="2084832" y="0"/>
+                </a:cubicBezTo>
+                <a:cubicBezTo>
+                  <a:pt x="2273850" y="-2898"/>
+                  <a:pt x="2475979" y="-19158"/>
+                  <a:pt x="2743200" y="0"/>
+                </a:cubicBezTo>
+                <a:cubicBezTo>
+                  <a:pt x="2730613" y="120018"/>
+                  <a:pt x="2745624" y="252424"/>
+                  <a:pt x="2743200" y="338554"/>
+                </a:cubicBezTo>
+                <a:cubicBezTo>
+                  <a:pt x="2424968" y="362725"/>
+                  <a:pt x="2326772" y="314559"/>
+                  <a:pt x="2084832" y="338554"/>
+                </a:cubicBezTo>
+                <a:cubicBezTo>
+                  <a:pt x="1842892" y="362549"/>
+                  <a:pt x="1591474" y="332737"/>
+                  <a:pt x="1426464" y="338554"/>
+                </a:cubicBezTo>
+                <a:cubicBezTo>
+                  <a:pt x="1261454" y="344371"/>
+                  <a:pt x="1086249" y="361164"/>
+                  <a:pt x="768096" y="338554"/>
+                </a:cubicBezTo>
+                <a:cubicBezTo>
+                  <a:pt x="449943" y="315944"/>
+                  <a:pt x="225861" y="303038"/>
+                  <a:pt x="0" y="338554"/>
+                </a:cubicBezTo>
+                <a:cubicBezTo>
+                  <a:pt x="-10186" y="172749"/>
+                  <a:pt x="7588" y="117067"/>
+                  <a:pt x="0" y="0"/>
+                </a:cubicBezTo>
+                <a:close/>
+              </a:path>
+              <a:path w="2743200" h="338554" stroke="0" extrusionOk="0">
+                <a:moveTo>
+                  <a:pt x="0" y="0"/>
+                </a:moveTo>
+                <a:cubicBezTo>
+                  <a:pt x="214873" y="-10040"/>
+                  <a:pt x="382922" y="9793"/>
+                  <a:pt x="740664" y="0"/>
+                </a:cubicBezTo>
+                <a:cubicBezTo>
+                  <a:pt x="1098406" y="-9793"/>
+                  <a:pt x="1147749" y="-648"/>
+                  <a:pt x="1399032" y="0"/>
+                </a:cubicBezTo>
+                <a:cubicBezTo>
+                  <a:pt x="1650315" y="648"/>
+                  <a:pt x="1712259" y="-27295"/>
+                  <a:pt x="2002536" y="0"/>
+                </a:cubicBezTo>
+                <a:cubicBezTo>
+                  <a:pt x="2292813" y="27295"/>
+                  <a:pt x="2390791" y="32261"/>
+                  <a:pt x="2743200" y="0"/>
+                </a:cubicBezTo>
+                <a:cubicBezTo>
+                  <a:pt x="2736192" y="137527"/>
+                  <a:pt x="2754610" y="190975"/>
+                  <a:pt x="2743200" y="338554"/>
+                </a:cubicBezTo>
+                <a:cubicBezTo>
+                  <a:pt x="2486859" y="358763"/>
+                  <a:pt x="2342453" y="335449"/>
+                  <a:pt x="2084832" y="338554"/>
+                </a:cubicBezTo>
+                <a:cubicBezTo>
+                  <a:pt x="1827211" y="341659"/>
+                  <a:pt x="1719433" y="335784"/>
+                  <a:pt x="1453896" y="338554"/>
+                </a:cubicBezTo>
+                <a:cubicBezTo>
+                  <a:pt x="1188359" y="341324"/>
+                  <a:pt x="1053817" y="334285"/>
+                  <a:pt x="822960" y="338554"/>
+                </a:cubicBezTo>
+                <a:cubicBezTo>
+                  <a:pt x="592103" y="342823"/>
+                  <a:pt x="221662" y="352516"/>
+                  <a:pt x="0" y="338554"/>
+                </a:cubicBezTo>
+                <a:cubicBezTo>
+                  <a:pt x="7782" y="230298"/>
+                  <a:pt x="16545" y="77450"/>
+                  <a:pt x="0" y="0"/>
+                </a:cubicBezTo>
+                <a:close/>
+              </a:path>
+            </a:pathLst>
+          </a:custGeom>
+          <a:solidFill>
+            <a:schemeClr val="accent4">
+              <a:lumMod val="20000"/>
+              <a:lumOff val="80000"/>
+            </a:schemeClr>
+          </a:solidFill>
+          <a:ln>
+            <a:extLst>
+              <a:ext uri="{C807C97D-BFC1-408E-A445-0C87EB9F89A2}">
+                <ask:lineSketchStyleProps xmlns:ask="http://schemas.microsoft.com/office/drawing/2018/sketchyshapes" sd="832405858">
+                  <a:prstGeom prst="rect">
+                    <a:avLst/>
+                  </a:prstGeom>
+                  <ask:type>
+                    <ask:lineSketchFreehand/>
+                  </ask:type>
+                </ask:lineSketchStyleProps>
+              </a:ext>
+            </a:extLst>
+          </a:ln>
+        </p:spPr>
+        <p:style>
+          <a:lnRef idx="2">
+            <a:schemeClr val="accent4"/>
+          </a:lnRef>
+          <a:fillRef idx="1">
+            <a:schemeClr val="lt1"/>
+          </a:fillRef>
+          <a:effectRef idx="0">
+            <a:schemeClr val="accent4"/>
+          </a:effectRef>
+          <a:fontRef idx="minor">
+            <a:schemeClr val="dk1"/>
+          </a:fontRef>
+        </p:style>
+        <p:txBody>
+          <a:bodyPr rot="0" spcFirstLastPara="0" vertOverflow="overflow" horzOverflow="overflow" vert="horz" wrap="square" lIns="91440" tIns="45720" rIns="91440" bIns="45720" numCol="1" spcCol="0" rtlCol="0" fromWordArt="0" anchor="t" anchorCtr="0" forceAA="0" compatLnSpc="1">
+            <a:spAutoFit/>
+          </a:bodyPr>
+          <a:lstStyle/>
+          <a:p>
+            <a:pPr algn="ctr"/>
+            <a:r>
+              <a:rPr lang="en-GB" sz="1600" dirty="0" err="1">
+                <a:solidFill>
+                  <a:schemeClr val="accent4">
+                    <a:lumMod val="50000"/>
+                  </a:schemeClr>
+                </a:solidFill>
+                <a:latin typeface="Inconsolata" pitchFamily="49" charset="77"/>
+                <a:ea typeface="Inconsolata" pitchFamily="49" charset="77"/>
+              </a:rPr>
+              <a:t>FindWindowW</a:t>
+            </a:r>
+            <a:r>
+              <a:rPr lang="en-GB" sz="1600" dirty="0">
+                <a:solidFill>
+                  <a:schemeClr val="accent4">
+                    <a:lumMod val="50000"/>
+                  </a:schemeClr>
+                </a:solidFill>
+                <a:latin typeface="Inconsolata" pitchFamily="49" charset="77"/>
+                <a:ea typeface="Inconsolata" pitchFamily="49" charset="77"/>
+                <a:cs typeface="Calibri" panose="020F0502020204030204"/>
+              </a:rPr>
+              <a:t>()</a:t>
+            </a:r>
+            <a:endParaRPr lang="en-US" sz="1600" dirty="0">
+              <a:solidFill>
+                <a:schemeClr val="accent4">
+                  <a:lumMod val="50000"/>
+                </a:schemeClr>
+              </a:solidFill>
+              <a:latin typeface="Inconsolata" pitchFamily="49" charset="77"/>
+              <a:ea typeface="Inconsolata" pitchFamily="49" charset="77"/>
+            </a:endParaRPr>
+          </a:p>
+        </p:txBody>
+      </p:sp>
+      <p:sp>
+        <p:nvSpPr>
+          <p:cNvPr id="106" name="TextBox 105">
+            <a:extLst>
+              <a:ext uri="{FF2B5EF4-FFF2-40B4-BE49-F238E27FC236}">
+                <a16:creationId xmlns:a16="http://schemas.microsoft.com/office/drawing/2014/main" id="{B98BB465-ADAB-3340-82BA-46F21669A032}"/>
+              </a:ext>
+            </a:extLst>
+          </p:cNvPr>
+          <p:cNvSpPr txBox="1"/>
+          <p:nvPr/>
+        </p:nvSpPr>
+        <p:spPr>
+          <a:xfrm>
+            <a:off x="4094715" y="1016285"/>
+            <a:ext cx="2743200" cy="338554"/>
+          </a:xfrm>
+          <a:custGeom>
+            <a:avLst/>
+            <a:gdLst>
+              <a:gd name="connsiteX0" fmla="*/ 0 w 2743200"/>
+              <a:gd name="connsiteY0" fmla="*/ 0 h 338554"/>
+              <a:gd name="connsiteX1" fmla="*/ 603504 w 2743200"/>
+              <a:gd name="connsiteY1" fmla="*/ 0 h 338554"/>
+              <a:gd name="connsiteX2" fmla="*/ 1234440 w 2743200"/>
+              <a:gd name="connsiteY2" fmla="*/ 0 h 338554"/>
+              <a:gd name="connsiteX3" fmla="*/ 1892808 w 2743200"/>
+              <a:gd name="connsiteY3" fmla="*/ 0 h 338554"/>
+              <a:gd name="connsiteX4" fmla="*/ 2743200 w 2743200"/>
+              <a:gd name="connsiteY4" fmla="*/ 0 h 338554"/>
+              <a:gd name="connsiteX5" fmla="*/ 2743200 w 2743200"/>
+              <a:gd name="connsiteY5" fmla="*/ 338554 h 338554"/>
+              <a:gd name="connsiteX6" fmla="*/ 2084832 w 2743200"/>
+              <a:gd name="connsiteY6" fmla="*/ 338554 h 338554"/>
+              <a:gd name="connsiteX7" fmla="*/ 1344168 w 2743200"/>
+              <a:gd name="connsiteY7" fmla="*/ 338554 h 338554"/>
+              <a:gd name="connsiteX8" fmla="*/ 630936 w 2743200"/>
+              <a:gd name="connsiteY8" fmla="*/ 338554 h 338554"/>
+              <a:gd name="connsiteX9" fmla="*/ 0 w 2743200"/>
+              <a:gd name="connsiteY9" fmla="*/ 338554 h 338554"/>
+              <a:gd name="connsiteX10" fmla="*/ 0 w 2743200"/>
+              <a:gd name="connsiteY10" fmla="*/ 0 h 338554"/>
+            </a:gdLst>
+            <a:ahLst/>
+            <a:cxnLst>
+              <a:cxn ang="0">
+                <a:pos x="connsiteX0" y="connsiteY0"/>
+              </a:cxn>
+              <a:cxn ang="0">
+                <a:pos x="connsiteX1" y="connsiteY1"/>
+              </a:cxn>
+              <a:cxn ang="0">
+                <a:pos x="connsiteX2" y="connsiteY2"/>
+              </a:cxn>
+              <a:cxn ang="0">
+                <a:pos x="connsiteX3" y="connsiteY3"/>
+              </a:cxn>
+              <a:cxn ang="0">
+                <a:pos x="connsiteX4" y="connsiteY4"/>
+              </a:cxn>
+              <a:cxn ang="0">
+                <a:pos x="connsiteX5" y="connsiteY5"/>
+              </a:cxn>
+              <a:cxn ang="0">
+                <a:pos x="connsiteX6" y="connsiteY6"/>
+              </a:cxn>
+              <a:cxn ang="0">
+                <a:pos x="connsiteX7" y="connsiteY7"/>
+              </a:cxn>
+              <a:cxn ang="0">
+                <a:pos x="connsiteX8" y="connsiteY8"/>
+              </a:cxn>
+              <a:cxn ang="0">
+                <a:pos x="connsiteX9" y="connsiteY9"/>
+              </a:cxn>
+              <a:cxn ang="0">
+                <a:pos x="connsiteX10" y="connsiteY10"/>
+              </a:cxn>
+            </a:cxnLst>
+            <a:rect l="l" t="t" r="r" b="b"/>
+            <a:pathLst>
+              <a:path w="2743200" h="338554" fill="none" extrusionOk="0">
+                <a:moveTo>
+                  <a:pt x="0" y="0"/>
+                </a:moveTo>
+                <a:cubicBezTo>
+                  <a:pt x="180580" y="9752"/>
+                  <a:pt x="458883" y="29243"/>
+                  <a:pt x="603504" y="0"/>
+                </a:cubicBezTo>
+                <a:cubicBezTo>
+                  <a:pt x="748125" y="-29243"/>
+                  <a:pt x="921333" y="-16833"/>
+                  <a:pt x="1234440" y="0"/>
+                </a:cubicBezTo>
+                <a:cubicBezTo>
+                  <a:pt x="1547547" y="16833"/>
+                  <a:pt x="1724282" y="-22706"/>
+                  <a:pt x="1892808" y="0"/>
+                </a:cubicBezTo>
+                <a:cubicBezTo>
+                  <a:pt x="2061334" y="22706"/>
+                  <a:pt x="2526848" y="-40017"/>
+                  <a:pt x="2743200" y="0"/>
+                </a:cubicBezTo>
+                <a:cubicBezTo>
+                  <a:pt x="2748874" y="100035"/>
+                  <a:pt x="2745944" y="254878"/>
+                  <a:pt x="2743200" y="338554"/>
+                </a:cubicBezTo>
+                <a:cubicBezTo>
+                  <a:pt x="2427522" y="363126"/>
+                  <a:pt x="2232975" y="364127"/>
+                  <a:pt x="2084832" y="338554"/>
+                </a:cubicBezTo>
+                <a:cubicBezTo>
+                  <a:pt x="1936689" y="312981"/>
+                  <a:pt x="1698005" y="373467"/>
+                  <a:pt x="1344168" y="338554"/>
+                </a:cubicBezTo>
+                <a:cubicBezTo>
+                  <a:pt x="990331" y="303641"/>
+                  <a:pt x="858788" y="337132"/>
+                  <a:pt x="630936" y="338554"/>
+                </a:cubicBezTo>
+                <a:cubicBezTo>
+                  <a:pt x="403084" y="339976"/>
+                  <a:pt x="303578" y="344173"/>
+                  <a:pt x="0" y="338554"/>
+                </a:cubicBezTo>
+                <a:cubicBezTo>
+                  <a:pt x="16056" y="180424"/>
+                  <a:pt x="-8201" y="162528"/>
+                  <a:pt x="0" y="0"/>
+                </a:cubicBezTo>
+                <a:close/>
+              </a:path>
+              <a:path w="2743200" h="338554" stroke="0" extrusionOk="0">
+                <a:moveTo>
+                  <a:pt x="0" y="0"/>
+                </a:moveTo>
+                <a:cubicBezTo>
+                  <a:pt x="133507" y="-13584"/>
+                  <a:pt x="405662" y="-28401"/>
+                  <a:pt x="658368" y="0"/>
+                </a:cubicBezTo>
+                <a:cubicBezTo>
+                  <a:pt x="911074" y="28401"/>
+                  <a:pt x="1103182" y="-32064"/>
+                  <a:pt x="1344168" y="0"/>
+                </a:cubicBezTo>
+                <a:cubicBezTo>
+                  <a:pt x="1585154" y="32064"/>
+                  <a:pt x="1821973" y="13905"/>
+                  <a:pt x="1975104" y="0"/>
+                </a:cubicBezTo>
+                <a:cubicBezTo>
+                  <a:pt x="2128235" y="-13905"/>
+                  <a:pt x="2389667" y="-37919"/>
+                  <a:pt x="2743200" y="0"/>
+                </a:cubicBezTo>
+                <a:cubicBezTo>
+                  <a:pt x="2738592" y="106352"/>
+                  <a:pt x="2740403" y="203208"/>
+                  <a:pt x="2743200" y="338554"/>
+                </a:cubicBezTo>
+                <a:cubicBezTo>
+                  <a:pt x="2398614" y="301543"/>
+                  <a:pt x="2244087" y="341071"/>
+                  <a:pt x="2002536" y="338554"/>
+                </a:cubicBezTo>
+                <a:cubicBezTo>
+                  <a:pt x="1760985" y="336037"/>
+                  <a:pt x="1494523" y="369285"/>
+                  <a:pt x="1316736" y="338554"/>
+                </a:cubicBezTo>
+                <a:cubicBezTo>
+                  <a:pt x="1138949" y="307823"/>
+                  <a:pt x="895752" y="336846"/>
+                  <a:pt x="603504" y="338554"/>
+                </a:cubicBezTo>
+                <a:cubicBezTo>
+                  <a:pt x="311256" y="340262"/>
+                  <a:pt x="162027" y="321563"/>
+                  <a:pt x="0" y="338554"/>
+                </a:cubicBezTo>
+                <a:cubicBezTo>
+                  <a:pt x="9695" y="195811"/>
+                  <a:pt x="2623" y="74157"/>
+                  <a:pt x="0" y="0"/>
+                </a:cubicBezTo>
+                <a:close/>
+              </a:path>
+            </a:pathLst>
+          </a:custGeom>
+          <a:solidFill>
+            <a:schemeClr val="accent4">
+              <a:lumMod val="20000"/>
+              <a:lumOff val="80000"/>
+            </a:schemeClr>
+          </a:solidFill>
+          <a:ln>
+            <a:extLst>
+              <a:ext uri="{C807C97D-BFC1-408E-A445-0C87EB9F89A2}">
+                <ask:lineSketchStyleProps xmlns:ask="http://schemas.microsoft.com/office/drawing/2018/sketchyshapes" sd="3660511778">
+                  <a:prstGeom prst="rect">
+                    <a:avLst/>
+                  </a:prstGeom>
+                  <ask:type>
+                    <ask:lineSketchFreehand/>
+                  </ask:type>
+                </ask:lineSketchStyleProps>
+              </a:ext>
+            </a:extLst>
+          </a:ln>
+        </p:spPr>
+        <p:style>
+          <a:lnRef idx="2">
+            <a:schemeClr val="accent4"/>
+          </a:lnRef>
+          <a:fillRef idx="1">
+            <a:schemeClr val="lt1"/>
+          </a:fillRef>
+          <a:effectRef idx="0">
+            <a:schemeClr val="accent4"/>
+          </a:effectRef>
+          <a:fontRef idx="minor">
+            <a:schemeClr val="dk1"/>
+          </a:fontRef>
+        </p:style>
+        <p:txBody>
+          <a:bodyPr rot="0" spcFirstLastPara="0" vertOverflow="overflow" horzOverflow="overflow" vert="horz" wrap="square" lIns="91440" tIns="45720" rIns="91440" bIns="45720" numCol="1" spcCol="0" rtlCol="0" fromWordArt="0" anchor="t" anchorCtr="0" forceAA="0" compatLnSpc="1">
+            <a:spAutoFit/>
+          </a:bodyPr>
+          <a:lstStyle/>
+          <a:p>
+            <a:pPr algn="ctr"/>
+            <a:r>
+              <a:rPr lang="en-GB" sz="1600" dirty="0" err="1">
+                <a:solidFill>
+                  <a:schemeClr val="accent4">
+                    <a:lumMod val="50000"/>
+                  </a:schemeClr>
+                </a:solidFill>
+                <a:latin typeface="Inconsolata" pitchFamily="49" charset="77"/>
+                <a:ea typeface="Inconsolata" pitchFamily="49" charset="77"/>
+              </a:rPr>
+              <a:t>GetWindowLongW</a:t>
+            </a:r>
+            <a:r>
+              <a:rPr lang="en-GB" sz="1600" dirty="0">
+                <a:solidFill>
+                  <a:schemeClr val="accent4">
+                    <a:lumMod val="50000"/>
+                  </a:schemeClr>
+                </a:solidFill>
+                <a:latin typeface="Inconsolata" pitchFamily="49" charset="77"/>
+                <a:ea typeface="Inconsolata" pitchFamily="49" charset="77"/>
+                <a:cs typeface="Calibri" panose="020F0502020204030204"/>
+              </a:rPr>
+              <a:t>()</a:t>
+            </a:r>
+            <a:endParaRPr lang="en-US" sz="1600" dirty="0">
+              <a:solidFill>
+                <a:schemeClr val="accent4">
+                  <a:lumMod val="50000"/>
+                </a:schemeClr>
+              </a:solidFill>
+              <a:latin typeface="Inconsolata" pitchFamily="49" charset="77"/>
+              <a:ea typeface="Inconsolata" pitchFamily="49" charset="77"/>
+            </a:endParaRPr>
+          </a:p>
+        </p:txBody>
+      </p:sp>
+      <p:sp>
+        <p:nvSpPr>
+          <p:cNvPr id="107" name="TextBox 106">
+            <a:extLst>
+              <a:ext uri="{FF2B5EF4-FFF2-40B4-BE49-F238E27FC236}">
+                <a16:creationId xmlns:a16="http://schemas.microsoft.com/office/drawing/2014/main" id="{F223F33D-65A6-314D-959F-367464B92BA2}"/>
+              </a:ext>
+            </a:extLst>
+          </p:cNvPr>
+          <p:cNvSpPr txBox="1"/>
+          <p:nvPr/>
+        </p:nvSpPr>
+        <p:spPr>
+          <a:xfrm>
+            <a:off x="4129348" y="2565841"/>
+            <a:ext cx="2743200" cy="338554"/>
+          </a:xfrm>
+          <a:custGeom>
+            <a:avLst/>
+            <a:gdLst>
+              <a:gd name="connsiteX0" fmla="*/ 0 w 2743200"/>
+              <a:gd name="connsiteY0" fmla="*/ 0 h 338554"/>
+              <a:gd name="connsiteX1" fmla="*/ 603504 w 2743200"/>
+              <a:gd name="connsiteY1" fmla="*/ 0 h 338554"/>
+              <a:gd name="connsiteX2" fmla="*/ 1234440 w 2743200"/>
+              <a:gd name="connsiteY2" fmla="*/ 0 h 338554"/>
+              <a:gd name="connsiteX3" fmla="*/ 1947672 w 2743200"/>
+              <a:gd name="connsiteY3" fmla="*/ 0 h 338554"/>
+              <a:gd name="connsiteX4" fmla="*/ 2743200 w 2743200"/>
+              <a:gd name="connsiteY4" fmla="*/ 0 h 338554"/>
+              <a:gd name="connsiteX5" fmla="*/ 2743200 w 2743200"/>
+              <a:gd name="connsiteY5" fmla="*/ 338554 h 338554"/>
+              <a:gd name="connsiteX6" fmla="*/ 2029968 w 2743200"/>
+              <a:gd name="connsiteY6" fmla="*/ 338554 h 338554"/>
+              <a:gd name="connsiteX7" fmla="*/ 1426464 w 2743200"/>
+              <a:gd name="connsiteY7" fmla="*/ 338554 h 338554"/>
+              <a:gd name="connsiteX8" fmla="*/ 795528 w 2743200"/>
+              <a:gd name="connsiteY8" fmla="*/ 338554 h 338554"/>
+              <a:gd name="connsiteX9" fmla="*/ 0 w 2743200"/>
+              <a:gd name="connsiteY9" fmla="*/ 338554 h 338554"/>
+              <a:gd name="connsiteX10" fmla="*/ 0 w 2743200"/>
+              <a:gd name="connsiteY10" fmla="*/ 0 h 338554"/>
+            </a:gdLst>
+            <a:ahLst/>
+            <a:cxnLst>
+              <a:cxn ang="0">
+                <a:pos x="connsiteX0" y="connsiteY0"/>
+              </a:cxn>
+              <a:cxn ang="0">
+                <a:pos x="connsiteX1" y="connsiteY1"/>
+              </a:cxn>
+              <a:cxn ang="0">
+                <a:pos x="connsiteX2" y="connsiteY2"/>
+              </a:cxn>
+              <a:cxn ang="0">
+                <a:pos x="connsiteX3" y="connsiteY3"/>
+              </a:cxn>
+              <a:cxn ang="0">
+                <a:pos x="connsiteX4" y="connsiteY4"/>
+              </a:cxn>
+              <a:cxn ang="0">
+                <a:pos x="connsiteX5" y="connsiteY5"/>
+              </a:cxn>
+              <a:cxn ang="0">
+                <a:pos x="connsiteX6" y="connsiteY6"/>
+              </a:cxn>
+              <a:cxn ang="0">
+                <a:pos x="connsiteX7" y="connsiteY7"/>
+              </a:cxn>
+              <a:cxn ang="0">
+                <a:pos x="connsiteX8" y="connsiteY8"/>
+              </a:cxn>
+              <a:cxn ang="0">
+                <a:pos x="connsiteX9" y="connsiteY9"/>
+              </a:cxn>
+              <a:cxn ang="0">
+                <a:pos x="connsiteX10" y="connsiteY10"/>
+              </a:cxn>
+            </a:cxnLst>
+            <a:rect l="l" t="t" r="r" b="b"/>
+            <a:pathLst>
+              <a:path w="2743200" h="338554" fill="none" extrusionOk="0">
+                <a:moveTo>
+                  <a:pt x="0" y="0"/>
+                </a:moveTo>
+                <a:cubicBezTo>
+                  <a:pt x="294685" y="-4646"/>
+                  <a:pt x="474683" y="11466"/>
+                  <a:pt x="603504" y="0"/>
+                </a:cubicBezTo>
+                <a:cubicBezTo>
+                  <a:pt x="732325" y="-11466"/>
+                  <a:pt x="1078797" y="27454"/>
+                  <a:pt x="1234440" y="0"/>
+                </a:cubicBezTo>
+                <a:cubicBezTo>
+                  <a:pt x="1390083" y="-27454"/>
+                  <a:pt x="1600904" y="11482"/>
+                  <a:pt x="1947672" y="0"/>
+                </a:cubicBezTo>
+                <a:cubicBezTo>
+                  <a:pt x="2294440" y="-11482"/>
+                  <a:pt x="2480161" y="27521"/>
+                  <a:pt x="2743200" y="0"/>
+                </a:cubicBezTo>
+                <a:cubicBezTo>
+                  <a:pt x="2748257" y="146256"/>
+                  <a:pt x="2759512" y="200704"/>
+                  <a:pt x="2743200" y="338554"/>
+                </a:cubicBezTo>
+                <a:cubicBezTo>
+                  <a:pt x="2542302" y="305142"/>
+                  <a:pt x="2196906" y="316884"/>
+                  <a:pt x="2029968" y="338554"/>
+                </a:cubicBezTo>
+                <a:cubicBezTo>
+                  <a:pt x="1863030" y="360224"/>
+                  <a:pt x="1705862" y="320405"/>
+                  <a:pt x="1426464" y="338554"/>
+                </a:cubicBezTo>
+                <a:cubicBezTo>
+                  <a:pt x="1147066" y="356703"/>
+                  <a:pt x="1058862" y="343295"/>
+                  <a:pt x="795528" y="338554"/>
+                </a:cubicBezTo>
+                <a:cubicBezTo>
+                  <a:pt x="532194" y="333813"/>
+                  <a:pt x="175586" y="370568"/>
+                  <a:pt x="0" y="338554"/>
+                </a:cubicBezTo>
+                <a:cubicBezTo>
+                  <a:pt x="6719" y="181995"/>
+                  <a:pt x="-1879" y="141446"/>
+                  <a:pt x="0" y="0"/>
+                </a:cubicBezTo>
+                <a:close/>
+              </a:path>
+              <a:path w="2743200" h="338554" stroke="0" extrusionOk="0">
+                <a:moveTo>
+                  <a:pt x="0" y="0"/>
+                </a:moveTo>
+                <a:cubicBezTo>
+                  <a:pt x="287266" y="28970"/>
+                  <a:pt x="408490" y="-14688"/>
+                  <a:pt x="603504" y="0"/>
+                </a:cubicBezTo>
+                <a:cubicBezTo>
+                  <a:pt x="798518" y="14688"/>
+                  <a:pt x="965303" y="-28568"/>
+                  <a:pt x="1207008" y="0"/>
+                </a:cubicBezTo>
+                <a:cubicBezTo>
+                  <a:pt x="1448713" y="28568"/>
+                  <a:pt x="1571943" y="-8309"/>
+                  <a:pt x="1865376" y="0"/>
+                </a:cubicBezTo>
+                <a:cubicBezTo>
+                  <a:pt x="2158809" y="8309"/>
+                  <a:pt x="2482899" y="27991"/>
+                  <a:pt x="2743200" y="0"/>
+                </a:cubicBezTo>
+                <a:cubicBezTo>
+                  <a:pt x="2759248" y="81581"/>
+                  <a:pt x="2755362" y="187526"/>
+                  <a:pt x="2743200" y="338554"/>
+                </a:cubicBezTo>
+                <a:cubicBezTo>
+                  <a:pt x="2461923" y="312314"/>
+                  <a:pt x="2369251" y="331895"/>
+                  <a:pt x="2057400" y="338554"/>
+                </a:cubicBezTo>
+                <a:cubicBezTo>
+                  <a:pt x="1745549" y="345213"/>
+                  <a:pt x="1538400" y="307370"/>
+                  <a:pt x="1316736" y="338554"/>
+                </a:cubicBezTo>
+                <a:cubicBezTo>
+                  <a:pt x="1095072" y="369738"/>
+                  <a:pt x="871773" y="352850"/>
+                  <a:pt x="685800" y="338554"/>
+                </a:cubicBezTo>
+                <a:cubicBezTo>
+                  <a:pt x="499827" y="324258"/>
+                  <a:pt x="308784" y="367181"/>
+                  <a:pt x="0" y="338554"/>
+                </a:cubicBezTo>
+                <a:cubicBezTo>
+                  <a:pt x="-6053" y="254835"/>
+                  <a:pt x="2385" y="116959"/>
+                  <a:pt x="0" y="0"/>
+                </a:cubicBezTo>
+                <a:close/>
+              </a:path>
+            </a:pathLst>
+          </a:custGeom>
+          <a:solidFill>
+            <a:schemeClr val="accent4">
+              <a:lumMod val="20000"/>
+              <a:lumOff val="80000"/>
+            </a:schemeClr>
+          </a:solidFill>
+          <a:ln>
+            <a:extLst>
+              <a:ext uri="{C807C97D-BFC1-408E-A445-0C87EB9F89A2}">
+                <ask:lineSketchStyleProps xmlns:ask="http://schemas.microsoft.com/office/drawing/2018/sketchyshapes" sd="3084508813">
+                  <a:prstGeom prst="rect">
+                    <a:avLst/>
+                  </a:prstGeom>
+                  <ask:type>
+                    <ask:lineSketchFreehand/>
+                  </ask:type>
+                </ask:lineSketchStyleProps>
+              </a:ext>
+            </a:extLst>
+          </a:ln>
+        </p:spPr>
+        <p:style>
+          <a:lnRef idx="2">
+            <a:schemeClr val="accent4"/>
+          </a:lnRef>
+          <a:fillRef idx="1">
+            <a:schemeClr val="lt1"/>
+          </a:fillRef>
+          <a:effectRef idx="0">
+            <a:schemeClr val="accent4"/>
+          </a:effectRef>
+          <a:fontRef idx="minor">
+            <a:schemeClr val="dk1"/>
+          </a:fontRef>
+        </p:style>
+        <p:txBody>
+          <a:bodyPr rot="0" spcFirstLastPara="0" vertOverflow="overflow" horzOverflow="overflow" vert="horz" wrap="square" lIns="91440" tIns="45720" rIns="91440" bIns="45720" numCol="1" spcCol="0" rtlCol="0" fromWordArt="0" anchor="t" anchorCtr="0" forceAA="0" compatLnSpc="1">
+            <a:spAutoFit/>
+          </a:bodyPr>
+          <a:lstStyle/>
+          <a:p>
+            <a:pPr algn="ctr"/>
+            <a:r>
+              <a:rPr lang="en-GB" sz="1600" dirty="0" err="1">
+                <a:solidFill>
+                  <a:schemeClr val="accent4">
+                    <a:lumMod val="50000"/>
+                  </a:schemeClr>
+                </a:solidFill>
+                <a:latin typeface="Inconsolata" pitchFamily="49" charset="77"/>
+                <a:ea typeface="Inconsolata" pitchFamily="49" charset="77"/>
+              </a:rPr>
+              <a:t>SetWindowLongA</a:t>
+            </a:r>
+            <a:r>
+              <a:rPr lang="en-GB" sz="1600" dirty="0">
+                <a:solidFill>
+                  <a:schemeClr val="accent4">
+                    <a:lumMod val="50000"/>
+                  </a:schemeClr>
+                </a:solidFill>
+                <a:latin typeface="Inconsolata" pitchFamily="49" charset="77"/>
+                <a:ea typeface="Inconsolata" pitchFamily="49" charset="77"/>
+                <a:cs typeface="Calibri" panose="020F0502020204030204"/>
+              </a:rPr>
+              <a:t>()</a:t>
+            </a:r>
+            <a:endParaRPr lang="en-US" sz="1600" dirty="0">
+              <a:solidFill>
+                <a:schemeClr val="accent4">
+                  <a:lumMod val="50000"/>
+                </a:schemeClr>
+              </a:solidFill>
+              <a:latin typeface="Inconsolata" pitchFamily="49" charset="77"/>
+              <a:ea typeface="Inconsolata" pitchFamily="49" charset="77"/>
+            </a:endParaRPr>
+          </a:p>
+        </p:txBody>
+      </p:sp>
+      <p:sp>
+        <p:nvSpPr>
+          <p:cNvPr id="108" name="TextBox 107">
+            <a:extLst>
+              <a:ext uri="{FF2B5EF4-FFF2-40B4-BE49-F238E27FC236}">
+                <a16:creationId xmlns:a16="http://schemas.microsoft.com/office/drawing/2014/main" id="{A4F9301D-1255-7E47-9082-E959E3EE8DF8}"/>
+              </a:ext>
+            </a:extLst>
+          </p:cNvPr>
+          <p:cNvSpPr txBox="1"/>
+          <p:nvPr/>
+        </p:nvSpPr>
+        <p:spPr>
+          <a:xfrm>
+            <a:off x="4300661" y="1766212"/>
+            <a:ext cx="2743200" cy="338554"/>
+          </a:xfrm>
+          <a:custGeom>
+            <a:avLst/>
+            <a:gdLst>
+              <a:gd name="connsiteX0" fmla="*/ 0 w 2743200"/>
+              <a:gd name="connsiteY0" fmla="*/ 0 h 338554"/>
+              <a:gd name="connsiteX1" fmla="*/ 603504 w 2743200"/>
+              <a:gd name="connsiteY1" fmla="*/ 0 h 338554"/>
+              <a:gd name="connsiteX2" fmla="*/ 1316736 w 2743200"/>
+              <a:gd name="connsiteY2" fmla="*/ 0 h 338554"/>
+              <a:gd name="connsiteX3" fmla="*/ 2029968 w 2743200"/>
+              <a:gd name="connsiteY3" fmla="*/ 0 h 338554"/>
+              <a:gd name="connsiteX4" fmla="*/ 2743200 w 2743200"/>
+              <a:gd name="connsiteY4" fmla="*/ 0 h 338554"/>
+              <a:gd name="connsiteX5" fmla="*/ 2743200 w 2743200"/>
+              <a:gd name="connsiteY5" fmla="*/ 338554 h 338554"/>
+              <a:gd name="connsiteX6" fmla="*/ 2057400 w 2743200"/>
+              <a:gd name="connsiteY6" fmla="*/ 338554 h 338554"/>
+              <a:gd name="connsiteX7" fmla="*/ 1426464 w 2743200"/>
+              <a:gd name="connsiteY7" fmla="*/ 338554 h 338554"/>
+              <a:gd name="connsiteX8" fmla="*/ 795528 w 2743200"/>
+              <a:gd name="connsiteY8" fmla="*/ 338554 h 338554"/>
+              <a:gd name="connsiteX9" fmla="*/ 0 w 2743200"/>
+              <a:gd name="connsiteY9" fmla="*/ 338554 h 338554"/>
+              <a:gd name="connsiteX10" fmla="*/ 0 w 2743200"/>
+              <a:gd name="connsiteY10" fmla="*/ 0 h 338554"/>
+            </a:gdLst>
+            <a:ahLst/>
+            <a:cxnLst>
+              <a:cxn ang="0">
+                <a:pos x="connsiteX0" y="connsiteY0"/>
+              </a:cxn>
+              <a:cxn ang="0">
+                <a:pos x="connsiteX1" y="connsiteY1"/>
+              </a:cxn>
+              <a:cxn ang="0">
+                <a:pos x="connsiteX2" y="connsiteY2"/>
+              </a:cxn>
+              <a:cxn ang="0">
+                <a:pos x="connsiteX3" y="connsiteY3"/>
+              </a:cxn>
+              <a:cxn ang="0">
+                <a:pos x="connsiteX4" y="connsiteY4"/>
+              </a:cxn>
+              <a:cxn ang="0">
+                <a:pos x="connsiteX5" y="connsiteY5"/>
+              </a:cxn>
+              <a:cxn ang="0">
+                <a:pos x="connsiteX6" y="connsiteY6"/>
+              </a:cxn>
+              <a:cxn ang="0">
+                <a:pos x="connsiteX7" y="connsiteY7"/>
+              </a:cxn>
+              <a:cxn ang="0">
+                <a:pos x="connsiteX8" y="connsiteY8"/>
+              </a:cxn>
+              <a:cxn ang="0">
+                <a:pos x="connsiteX9" y="connsiteY9"/>
+              </a:cxn>
+              <a:cxn ang="0">
+                <a:pos x="connsiteX10" y="connsiteY10"/>
+              </a:cxn>
+            </a:cxnLst>
+            <a:rect l="l" t="t" r="r" b="b"/>
+            <a:pathLst>
+              <a:path w="2743200" h="338554" fill="none" extrusionOk="0">
+                <a:moveTo>
+                  <a:pt x="0" y="0"/>
+                </a:moveTo>
+                <a:cubicBezTo>
+                  <a:pt x="234032" y="11175"/>
+                  <a:pt x="349411" y="-25843"/>
+                  <a:pt x="603504" y="0"/>
+                </a:cubicBezTo>
+                <a:cubicBezTo>
+                  <a:pt x="857597" y="25843"/>
+                  <a:pt x="1010342" y="32939"/>
+                  <a:pt x="1316736" y="0"/>
+                </a:cubicBezTo>
+                <a:cubicBezTo>
+                  <a:pt x="1623130" y="-32939"/>
+                  <a:pt x="1784937" y="-20585"/>
+                  <a:pt x="2029968" y="0"/>
+                </a:cubicBezTo>
+                <a:cubicBezTo>
+                  <a:pt x="2274999" y="20585"/>
+                  <a:pt x="2554553" y="-33516"/>
+                  <a:pt x="2743200" y="0"/>
+                </a:cubicBezTo>
+                <a:cubicBezTo>
+                  <a:pt x="2729577" y="109014"/>
+                  <a:pt x="2737361" y="195008"/>
+                  <a:pt x="2743200" y="338554"/>
+                </a:cubicBezTo>
+                <a:cubicBezTo>
+                  <a:pt x="2490151" y="363804"/>
+                  <a:pt x="2252962" y="324010"/>
+                  <a:pt x="2057400" y="338554"/>
+                </a:cubicBezTo>
+                <a:cubicBezTo>
+                  <a:pt x="1861838" y="353098"/>
+                  <a:pt x="1555142" y="352475"/>
+                  <a:pt x="1426464" y="338554"/>
+                </a:cubicBezTo>
+                <a:cubicBezTo>
+                  <a:pt x="1297786" y="324633"/>
+                  <a:pt x="953904" y="332080"/>
+                  <a:pt x="795528" y="338554"/>
+                </a:cubicBezTo>
+                <a:cubicBezTo>
+                  <a:pt x="637152" y="345028"/>
+                  <a:pt x="231314" y="304572"/>
+                  <a:pt x="0" y="338554"/>
+                </a:cubicBezTo>
+                <a:cubicBezTo>
+                  <a:pt x="2454" y="258637"/>
+                  <a:pt x="-2146" y="113711"/>
+                  <a:pt x="0" y="0"/>
+                </a:cubicBezTo>
+                <a:close/>
+              </a:path>
+              <a:path w="2743200" h="338554" stroke="0" extrusionOk="0">
+                <a:moveTo>
+                  <a:pt x="0" y="0"/>
+                </a:moveTo>
+                <a:cubicBezTo>
+                  <a:pt x="244276" y="-10766"/>
+                  <a:pt x="480184" y="21769"/>
+                  <a:pt x="685800" y="0"/>
+                </a:cubicBezTo>
+                <a:cubicBezTo>
+                  <a:pt x="891416" y="-21769"/>
+                  <a:pt x="1143041" y="-26388"/>
+                  <a:pt x="1289304" y="0"/>
+                </a:cubicBezTo>
+                <a:cubicBezTo>
+                  <a:pt x="1435567" y="26388"/>
+                  <a:pt x="1697654" y="25138"/>
+                  <a:pt x="1947672" y="0"/>
+                </a:cubicBezTo>
+                <a:cubicBezTo>
+                  <a:pt x="2197690" y="-25138"/>
+                  <a:pt x="2472916" y="-17820"/>
+                  <a:pt x="2743200" y="0"/>
+                </a:cubicBezTo>
+                <a:cubicBezTo>
+                  <a:pt x="2740606" y="69465"/>
+                  <a:pt x="2731724" y="228150"/>
+                  <a:pt x="2743200" y="338554"/>
+                </a:cubicBezTo>
+                <a:cubicBezTo>
+                  <a:pt x="2585625" y="332278"/>
+                  <a:pt x="2253714" y="311113"/>
+                  <a:pt x="2002536" y="338554"/>
+                </a:cubicBezTo>
+                <a:cubicBezTo>
+                  <a:pt x="1751358" y="365995"/>
+                  <a:pt x="1493066" y="307600"/>
+                  <a:pt x="1344168" y="338554"/>
+                </a:cubicBezTo>
+                <a:cubicBezTo>
+                  <a:pt x="1195270" y="369508"/>
+                  <a:pt x="1004784" y="316615"/>
+                  <a:pt x="740664" y="338554"/>
+                </a:cubicBezTo>
+                <a:cubicBezTo>
+                  <a:pt x="476544" y="360493"/>
+                  <a:pt x="281585" y="328548"/>
+                  <a:pt x="0" y="338554"/>
+                </a:cubicBezTo>
+                <a:cubicBezTo>
+                  <a:pt x="-11375" y="258915"/>
+                  <a:pt x="8823" y="96895"/>
+                  <a:pt x="0" y="0"/>
+                </a:cubicBezTo>
+                <a:close/>
+              </a:path>
+            </a:pathLst>
+          </a:custGeom>
+          <a:solidFill>
+            <a:schemeClr val="accent4">
+              <a:lumMod val="20000"/>
+              <a:lumOff val="80000"/>
+            </a:schemeClr>
+          </a:solidFill>
+          <a:ln>
+            <a:extLst>
+              <a:ext uri="{C807C97D-BFC1-408E-A445-0C87EB9F89A2}">
+                <ask:lineSketchStyleProps xmlns:ask="http://schemas.microsoft.com/office/drawing/2018/sketchyshapes" sd="2950899029">
+                  <a:prstGeom prst="rect">
+                    <a:avLst/>
+                  </a:prstGeom>
+                  <ask:type>
+                    <ask:lineSketchFreehand/>
+                  </ask:type>
+                </ask:lineSketchStyleProps>
+              </a:ext>
+            </a:extLst>
+          </a:ln>
+        </p:spPr>
+        <p:style>
+          <a:lnRef idx="2">
+            <a:schemeClr val="accent4"/>
+          </a:lnRef>
+          <a:fillRef idx="1">
+            <a:schemeClr val="lt1"/>
+          </a:fillRef>
+          <a:effectRef idx="0">
+            <a:schemeClr val="accent4"/>
+          </a:effectRef>
+          <a:fontRef idx="minor">
+            <a:schemeClr val="dk1"/>
+          </a:fontRef>
+        </p:style>
+        <p:txBody>
+          <a:bodyPr rot="0" spcFirstLastPara="0" vertOverflow="overflow" horzOverflow="overflow" vert="horz" wrap="square" lIns="91440" tIns="45720" rIns="91440" bIns="45720" numCol="1" spcCol="0" rtlCol="0" fromWordArt="0" anchor="t" anchorCtr="0" forceAA="0" compatLnSpc="1">
+            <a:spAutoFit/>
+          </a:bodyPr>
+          <a:lstStyle/>
+          <a:p>
+            <a:pPr algn="ctr"/>
+            <a:r>
+              <a:rPr lang="en-GB" sz="1600" dirty="0" err="1">
+                <a:solidFill>
+                  <a:schemeClr val="accent4">
+                    <a:lumMod val="50000"/>
+                  </a:schemeClr>
+                </a:solidFill>
+                <a:latin typeface="Inconsolata" pitchFamily="49" charset="77"/>
+                <a:ea typeface="Inconsolata" pitchFamily="49" charset="77"/>
+              </a:rPr>
+              <a:t>CreateEvent</a:t>
+            </a:r>
+            <a:r>
+              <a:rPr lang="en-GB" sz="1600" dirty="0">
+                <a:solidFill>
+                  <a:schemeClr val="accent4">
+                    <a:lumMod val="50000"/>
+                  </a:schemeClr>
+                </a:solidFill>
+                <a:latin typeface="Inconsolata" pitchFamily="49" charset="77"/>
+                <a:ea typeface="Inconsolata" pitchFamily="49" charset="77"/>
+                <a:cs typeface="Calibri" panose="020F0502020204030204"/>
+              </a:rPr>
+              <a:t>()</a:t>
+            </a:r>
+          </a:p>
+        </p:txBody>
+      </p:sp>
+      <p:sp>
+        <p:nvSpPr>
+          <p:cNvPr id="109" name="TextBox 108">
+            <a:extLst>
+              <a:ext uri="{FF2B5EF4-FFF2-40B4-BE49-F238E27FC236}">
+                <a16:creationId xmlns:a16="http://schemas.microsoft.com/office/drawing/2014/main" id="{56A32A9E-CDF1-B142-BCC6-FA4153BDE40B}"/>
+              </a:ext>
+            </a:extLst>
+          </p:cNvPr>
+          <p:cNvSpPr txBox="1"/>
+          <p:nvPr/>
+        </p:nvSpPr>
+        <p:spPr>
+          <a:xfrm>
+            <a:off x="4469106" y="3331926"/>
+            <a:ext cx="2304082" cy="338554"/>
+          </a:xfrm>
+          <a:custGeom>
+            <a:avLst/>
+            <a:gdLst>
+              <a:gd name="connsiteX0" fmla="*/ 0 w 2304082"/>
+              <a:gd name="connsiteY0" fmla="*/ 0 h 338554"/>
+              <a:gd name="connsiteX1" fmla="*/ 599061 w 2304082"/>
+              <a:gd name="connsiteY1" fmla="*/ 0 h 338554"/>
+              <a:gd name="connsiteX2" fmla="*/ 1152041 w 2304082"/>
+              <a:gd name="connsiteY2" fmla="*/ 0 h 338554"/>
+              <a:gd name="connsiteX3" fmla="*/ 1774143 w 2304082"/>
+              <a:gd name="connsiteY3" fmla="*/ 0 h 338554"/>
+              <a:gd name="connsiteX4" fmla="*/ 2304082 w 2304082"/>
+              <a:gd name="connsiteY4" fmla="*/ 0 h 338554"/>
+              <a:gd name="connsiteX5" fmla="*/ 2304082 w 2304082"/>
+              <a:gd name="connsiteY5" fmla="*/ 338554 h 338554"/>
+              <a:gd name="connsiteX6" fmla="*/ 1751102 w 2304082"/>
+              <a:gd name="connsiteY6" fmla="*/ 338554 h 338554"/>
+              <a:gd name="connsiteX7" fmla="*/ 1129000 w 2304082"/>
+              <a:gd name="connsiteY7" fmla="*/ 338554 h 338554"/>
+              <a:gd name="connsiteX8" fmla="*/ 552980 w 2304082"/>
+              <a:gd name="connsiteY8" fmla="*/ 338554 h 338554"/>
+              <a:gd name="connsiteX9" fmla="*/ 0 w 2304082"/>
+              <a:gd name="connsiteY9" fmla="*/ 338554 h 338554"/>
+              <a:gd name="connsiteX10" fmla="*/ 0 w 2304082"/>
+              <a:gd name="connsiteY10" fmla="*/ 0 h 338554"/>
+            </a:gdLst>
+            <a:ahLst/>
+            <a:cxnLst>
+              <a:cxn ang="0">
+                <a:pos x="connsiteX0" y="connsiteY0"/>
+              </a:cxn>
+              <a:cxn ang="0">
+                <a:pos x="connsiteX1" y="connsiteY1"/>
+              </a:cxn>
+              <a:cxn ang="0">
+                <a:pos x="connsiteX2" y="connsiteY2"/>
+              </a:cxn>
+              <a:cxn ang="0">
+                <a:pos x="connsiteX3" y="connsiteY3"/>
+              </a:cxn>
+              <a:cxn ang="0">
+                <a:pos x="connsiteX4" y="connsiteY4"/>
+              </a:cxn>
+              <a:cxn ang="0">
+                <a:pos x="connsiteX5" y="connsiteY5"/>
+              </a:cxn>
+              <a:cxn ang="0">
+                <a:pos x="connsiteX6" y="connsiteY6"/>
+              </a:cxn>
+              <a:cxn ang="0">
+                <a:pos x="connsiteX7" y="connsiteY7"/>
+              </a:cxn>
+              <a:cxn ang="0">
+                <a:pos x="connsiteX8" y="connsiteY8"/>
+              </a:cxn>
+              <a:cxn ang="0">
+                <a:pos x="connsiteX9" y="connsiteY9"/>
+              </a:cxn>
+              <a:cxn ang="0">
+                <a:pos x="connsiteX10" y="connsiteY10"/>
+              </a:cxn>
+            </a:cxnLst>
+            <a:rect l="l" t="t" r="r" b="b"/>
+            <a:pathLst>
+              <a:path w="2304082" h="338554" fill="none" extrusionOk="0">
+                <a:moveTo>
+                  <a:pt x="0" y="0"/>
+                </a:moveTo>
+                <a:cubicBezTo>
+                  <a:pt x="169270" y="3022"/>
+                  <a:pt x="465978" y="1262"/>
+                  <a:pt x="599061" y="0"/>
+                </a:cubicBezTo>
+                <a:cubicBezTo>
+                  <a:pt x="732144" y="-1262"/>
+                  <a:pt x="1022108" y="21209"/>
+                  <a:pt x="1152041" y="0"/>
+                </a:cubicBezTo>
+                <a:cubicBezTo>
+                  <a:pt x="1281974" y="-21209"/>
+                  <a:pt x="1587558" y="13060"/>
+                  <a:pt x="1774143" y="0"/>
+                </a:cubicBezTo>
+                <a:cubicBezTo>
+                  <a:pt x="1960728" y="-13060"/>
+                  <a:pt x="2050937" y="13068"/>
+                  <a:pt x="2304082" y="0"/>
+                </a:cubicBezTo>
+                <a:cubicBezTo>
+                  <a:pt x="2291857" y="130493"/>
+                  <a:pt x="2319189" y="180768"/>
+                  <a:pt x="2304082" y="338554"/>
+                </a:cubicBezTo>
+                <a:cubicBezTo>
+                  <a:pt x="2192335" y="360836"/>
+                  <a:pt x="1902595" y="318971"/>
+                  <a:pt x="1751102" y="338554"/>
+                </a:cubicBezTo>
+                <a:cubicBezTo>
+                  <a:pt x="1599609" y="358137"/>
+                  <a:pt x="1329608" y="366983"/>
+                  <a:pt x="1129000" y="338554"/>
+                </a:cubicBezTo>
+                <a:cubicBezTo>
+                  <a:pt x="928392" y="310125"/>
+                  <a:pt x="833512" y="334259"/>
+                  <a:pt x="552980" y="338554"/>
+                </a:cubicBezTo>
+                <a:cubicBezTo>
+                  <a:pt x="272448" y="342849"/>
+                  <a:pt x="187368" y="322487"/>
+                  <a:pt x="0" y="338554"/>
+                </a:cubicBezTo>
+                <a:cubicBezTo>
+                  <a:pt x="-13998" y="214633"/>
+                  <a:pt x="-8594" y="143358"/>
+                  <a:pt x="0" y="0"/>
+                </a:cubicBezTo>
+                <a:close/>
+              </a:path>
+              <a:path w="2304082" h="338554" stroke="0" extrusionOk="0">
+                <a:moveTo>
+                  <a:pt x="0" y="0"/>
+                </a:moveTo>
+                <a:cubicBezTo>
+                  <a:pt x="129915" y="-20939"/>
+                  <a:pt x="304166" y="-21916"/>
+                  <a:pt x="529939" y="0"/>
+                </a:cubicBezTo>
+                <a:cubicBezTo>
+                  <a:pt x="755712" y="21916"/>
+                  <a:pt x="842151" y="-7823"/>
+                  <a:pt x="1082919" y="0"/>
+                </a:cubicBezTo>
+                <a:cubicBezTo>
+                  <a:pt x="1323687" y="7823"/>
+                  <a:pt x="1532259" y="3710"/>
+                  <a:pt x="1705021" y="0"/>
+                </a:cubicBezTo>
+                <a:cubicBezTo>
+                  <a:pt x="1877783" y="-3710"/>
+                  <a:pt x="2158927" y="162"/>
+                  <a:pt x="2304082" y="0"/>
+                </a:cubicBezTo>
+                <a:cubicBezTo>
+                  <a:pt x="2319324" y="78070"/>
+                  <a:pt x="2317018" y="257436"/>
+                  <a:pt x="2304082" y="338554"/>
+                </a:cubicBezTo>
+                <a:cubicBezTo>
+                  <a:pt x="2115098" y="319089"/>
+                  <a:pt x="1926775" y="321880"/>
+                  <a:pt x="1751102" y="338554"/>
+                </a:cubicBezTo>
+                <a:cubicBezTo>
+                  <a:pt x="1575429" y="355228"/>
+                  <a:pt x="1443184" y="355646"/>
+                  <a:pt x="1175082" y="338554"/>
+                </a:cubicBezTo>
+                <a:cubicBezTo>
+                  <a:pt x="906980" y="321462"/>
+                  <a:pt x="852853" y="315819"/>
+                  <a:pt x="622102" y="338554"/>
+                </a:cubicBezTo>
+                <a:cubicBezTo>
+                  <a:pt x="391351" y="361289"/>
+                  <a:pt x="274030" y="334762"/>
+                  <a:pt x="0" y="338554"/>
+                </a:cubicBezTo>
+                <a:cubicBezTo>
+                  <a:pt x="16727" y="238277"/>
+                  <a:pt x="-2350" y="107371"/>
+                  <a:pt x="0" y="0"/>
+                </a:cubicBezTo>
+                <a:close/>
+              </a:path>
+            </a:pathLst>
+          </a:custGeom>
+          <a:solidFill>
+            <a:schemeClr val="accent4">
+              <a:lumMod val="20000"/>
+              <a:lumOff val="80000"/>
+            </a:schemeClr>
+          </a:solidFill>
+          <a:ln>
+            <a:extLst>
+              <a:ext uri="{C807C97D-BFC1-408E-A445-0C87EB9F89A2}">
+                <ask:lineSketchStyleProps xmlns:ask="http://schemas.microsoft.com/office/drawing/2018/sketchyshapes" sd="939599891">
+                  <a:prstGeom prst="rect">
+                    <a:avLst/>
+                  </a:prstGeom>
+                  <ask:type>
+                    <ask:lineSketchFreehand/>
+                  </ask:type>
+                </ask:lineSketchStyleProps>
+              </a:ext>
+            </a:extLst>
+          </a:ln>
+        </p:spPr>
+        <p:style>
+          <a:lnRef idx="2">
+            <a:schemeClr val="accent4"/>
+          </a:lnRef>
+          <a:fillRef idx="1">
+            <a:schemeClr val="lt1"/>
+          </a:fillRef>
+          <a:effectRef idx="0">
+            <a:schemeClr val="accent4"/>
+          </a:effectRef>
+          <a:fontRef idx="minor">
+            <a:schemeClr val="dk1"/>
+          </a:fontRef>
+        </p:style>
+        <p:txBody>
+          <a:bodyPr rot="0" spcFirstLastPara="0" vertOverflow="overflow" horzOverflow="overflow" vert="horz" wrap="square" lIns="91440" tIns="45720" rIns="91440" bIns="45720" numCol="1" spcCol="0" rtlCol="0" fromWordArt="0" anchor="t" anchorCtr="0" forceAA="0" compatLnSpc="1">
+            <a:spAutoFit/>
+          </a:bodyPr>
+          <a:lstStyle/>
+          <a:p>
+            <a:pPr algn="ctr"/>
+            <a:r>
+              <a:rPr lang="en-GB" sz="1600" dirty="0" err="1">
+                <a:solidFill>
+                  <a:schemeClr val="accent4">
+                    <a:lumMod val="50000"/>
+                  </a:schemeClr>
+                </a:solidFill>
+                <a:latin typeface="Inconsolata" pitchFamily="49" charset="77"/>
+                <a:ea typeface="Inconsolata" pitchFamily="49" charset="77"/>
+              </a:rPr>
+              <a:t>SendNotifyMessageA</a:t>
+            </a:r>
+            <a:r>
+              <a:rPr lang="en-GB" sz="1600" dirty="0">
+                <a:solidFill>
+                  <a:schemeClr val="accent4">
+                    <a:lumMod val="50000"/>
+                  </a:schemeClr>
+                </a:solidFill>
+                <a:latin typeface="Inconsolata" pitchFamily="49" charset="77"/>
+                <a:ea typeface="Inconsolata" pitchFamily="49" charset="77"/>
+              </a:rPr>
+              <a:t>()</a:t>
+            </a:r>
+            <a:r>
+              <a:rPr lang="en-GB" sz="1600" dirty="0">
+                <a:solidFill>
+                  <a:schemeClr val="accent4">
+                    <a:lumMod val="50000"/>
+                  </a:schemeClr>
+                </a:solidFill>
+                <a:latin typeface="Inconsolata" pitchFamily="49" charset="77"/>
+                <a:ea typeface="Inconsolata" pitchFamily="49" charset="77"/>
+                <a:cs typeface="Calibri" panose="020F0502020204030204"/>
+              </a:rPr>
+              <a:t>​</a:t>
+            </a:r>
+          </a:p>
+        </p:txBody>
+      </p:sp>
+      <p:sp>
+        <p:nvSpPr>
+          <p:cNvPr id="110" name="TextBox 109">
+            <a:extLst>
+              <a:ext uri="{FF2B5EF4-FFF2-40B4-BE49-F238E27FC236}">
+                <a16:creationId xmlns:a16="http://schemas.microsoft.com/office/drawing/2014/main" id="{C6035509-8779-154D-B0D9-6E2FCFDD0328}"/>
+              </a:ext>
+            </a:extLst>
+          </p:cNvPr>
+          <p:cNvSpPr txBox="1"/>
+          <p:nvPr/>
+        </p:nvSpPr>
+        <p:spPr>
+          <a:xfrm>
+            <a:off x="4456603" y="4093926"/>
+            <a:ext cx="2596384" cy="338554"/>
+          </a:xfrm>
+          <a:custGeom>
+            <a:avLst/>
+            <a:gdLst>
+              <a:gd name="connsiteX0" fmla="*/ 0 w 2596384"/>
+              <a:gd name="connsiteY0" fmla="*/ 0 h 338554"/>
+              <a:gd name="connsiteX1" fmla="*/ 623132 w 2596384"/>
+              <a:gd name="connsiteY1" fmla="*/ 0 h 338554"/>
+              <a:gd name="connsiteX2" fmla="*/ 1194337 w 2596384"/>
+              <a:gd name="connsiteY2" fmla="*/ 0 h 338554"/>
+              <a:gd name="connsiteX3" fmla="*/ 1843433 w 2596384"/>
+              <a:gd name="connsiteY3" fmla="*/ 0 h 338554"/>
+              <a:gd name="connsiteX4" fmla="*/ 2596384 w 2596384"/>
+              <a:gd name="connsiteY4" fmla="*/ 0 h 338554"/>
+              <a:gd name="connsiteX5" fmla="*/ 2596384 w 2596384"/>
+              <a:gd name="connsiteY5" fmla="*/ 338554 h 338554"/>
+              <a:gd name="connsiteX6" fmla="*/ 1999216 w 2596384"/>
+              <a:gd name="connsiteY6" fmla="*/ 338554 h 338554"/>
+              <a:gd name="connsiteX7" fmla="*/ 1350120 w 2596384"/>
+              <a:gd name="connsiteY7" fmla="*/ 338554 h 338554"/>
+              <a:gd name="connsiteX8" fmla="*/ 752951 w 2596384"/>
+              <a:gd name="connsiteY8" fmla="*/ 338554 h 338554"/>
+              <a:gd name="connsiteX9" fmla="*/ 0 w 2596384"/>
+              <a:gd name="connsiteY9" fmla="*/ 338554 h 338554"/>
+              <a:gd name="connsiteX10" fmla="*/ 0 w 2596384"/>
+              <a:gd name="connsiteY10" fmla="*/ 0 h 338554"/>
+            </a:gdLst>
+            <a:ahLst/>
+            <a:cxnLst>
+              <a:cxn ang="0">
+                <a:pos x="connsiteX0" y="connsiteY0"/>
+              </a:cxn>
+              <a:cxn ang="0">
+                <a:pos x="connsiteX1" y="connsiteY1"/>
+              </a:cxn>
+              <a:cxn ang="0">
+                <a:pos x="connsiteX2" y="connsiteY2"/>
+              </a:cxn>
+              <a:cxn ang="0">
+                <a:pos x="connsiteX3" y="connsiteY3"/>
+              </a:cxn>
+              <a:cxn ang="0">
+                <a:pos x="connsiteX4" y="connsiteY4"/>
+              </a:cxn>
+              <a:cxn ang="0">
+                <a:pos x="connsiteX5" y="connsiteY5"/>
+              </a:cxn>
+              <a:cxn ang="0">
+                <a:pos x="connsiteX6" y="connsiteY6"/>
+              </a:cxn>
+              <a:cxn ang="0">
+                <a:pos x="connsiteX7" y="connsiteY7"/>
+              </a:cxn>
+              <a:cxn ang="0">
+                <a:pos x="connsiteX8" y="connsiteY8"/>
+              </a:cxn>
+              <a:cxn ang="0">
+                <a:pos x="connsiteX9" y="connsiteY9"/>
+              </a:cxn>
+              <a:cxn ang="0">
+                <a:pos x="connsiteX10" y="connsiteY10"/>
+              </a:cxn>
+            </a:cxnLst>
+            <a:rect l="l" t="t" r="r" b="b"/>
+            <a:pathLst>
+              <a:path w="2596384" h="338554" fill="none" extrusionOk="0">
+                <a:moveTo>
+                  <a:pt x="0" y="0"/>
+                </a:moveTo>
+                <a:cubicBezTo>
+                  <a:pt x="261806" y="-25828"/>
+                  <a:pt x="421072" y="-4285"/>
+                  <a:pt x="623132" y="0"/>
+                </a:cubicBezTo>
+                <a:cubicBezTo>
+                  <a:pt x="825192" y="4285"/>
+                  <a:pt x="1054019" y="-15528"/>
+                  <a:pt x="1194337" y="0"/>
+                </a:cubicBezTo>
+                <a:cubicBezTo>
+                  <a:pt x="1334655" y="15528"/>
+                  <a:pt x="1556074" y="-4143"/>
+                  <a:pt x="1843433" y="0"/>
+                </a:cubicBezTo>
+                <a:cubicBezTo>
+                  <a:pt x="2130792" y="4143"/>
+                  <a:pt x="2302599" y="6846"/>
+                  <a:pt x="2596384" y="0"/>
+                </a:cubicBezTo>
+                <a:cubicBezTo>
+                  <a:pt x="2590854" y="93229"/>
+                  <a:pt x="2592976" y="247868"/>
+                  <a:pt x="2596384" y="338554"/>
+                </a:cubicBezTo>
+                <a:cubicBezTo>
+                  <a:pt x="2306687" y="362884"/>
+                  <a:pt x="2272472" y="344002"/>
+                  <a:pt x="1999216" y="338554"/>
+                </a:cubicBezTo>
+                <a:cubicBezTo>
+                  <a:pt x="1725960" y="333106"/>
+                  <a:pt x="1629784" y="333974"/>
+                  <a:pt x="1350120" y="338554"/>
+                </a:cubicBezTo>
+                <a:cubicBezTo>
+                  <a:pt x="1070456" y="343134"/>
+                  <a:pt x="873031" y="363582"/>
+                  <a:pt x="752951" y="338554"/>
+                </a:cubicBezTo>
+                <a:cubicBezTo>
+                  <a:pt x="632871" y="313526"/>
+                  <a:pt x="264013" y="320635"/>
+                  <a:pt x="0" y="338554"/>
+                </a:cubicBezTo>
+                <a:cubicBezTo>
+                  <a:pt x="16740" y="269901"/>
+                  <a:pt x="-15598" y="76694"/>
+                  <a:pt x="0" y="0"/>
+                </a:cubicBezTo>
+                <a:close/>
+              </a:path>
+              <a:path w="2596384" h="338554" stroke="0" extrusionOk="0">
+                <a:moveTo>
+                  <a:pt x="0" y="0"/>
+                </a:moveTo>
+                <a:cubicBezTo>
+                  <a:pt x="183064" y="-26470"/>
+                  <a:pt x="418474" y="-24555"/>
+                  <a:pt x="649096" y="0"/>
+                </a:cubicBezTo>
+                <a:cubicBezTo>
+                  <a:pt x="879718" y="24555"/>
+                  <a:pt x="1021330" y="14001"/>
+                  <a:pt x="1272228" y="0"/>
+                </a:cubicBezTo>
+                <a:cubicBezTo>
+                  <a:pt x="1523126" y="-14001"/>
+                  <a:pt x="1667521" y="-1301"/>
+                  <a:pt x="1895360" y="0"/>
+                </a:cubicBezTo>
+                <a:cubicBezTo>
+                  <a:pt x="2123199" y="1301"/>
+                  <a:pt x="2322184" y="-27690"/>
+                  <a:pt x="2596384" y="0"/>
+                </a:cubicBezTo>
+                <a:cubicBezTo>
+                  <a:pt x="2579632" y="114139"/>
+                  <a:pt x="2611404" y="208117"/>
+                  <a:pt x="2596384" y="338554"/>
+                </a:cubicBezTo>
+                <a:cubicBezTo>
+                  <a:pt x="2311423" y="353376"/>
+                  <a:pt x="2151041" y="319203"/>
+                  <a:pt x="1999216" y="338554"/>
+                </a:cubicBezTo>
+                <a:cubicBezTo>
+                  <a:pt x="1847391" y="357905"/>
+                  <a:pt x="1561206" y="359397"/>
+                  <a:pt x="1298192" y="338554"/>
+                </a:cubicBezTo>
+                <a:cubicBezTo>
+                  <a:pt x="1035178" y="317711"/>
+                  <a:pt x="789170" y="369767"/>
+                  <a:pt x="597168" y="338554"/>
+                </a:cubicBezTo>
+                <a:cubicBezTo>
+                  <a:pt x="405166" y="307341"/>
+                  <a:pt x="275809" y="311407"/>
+                  <a:pt x="0" y="338554"/>
+                </a:cubicBezTo>
+                <a:cubicBezTo>
+                  <a:pt x="-11325" y="213172"/>
+                  <a:pt x="14987" y="146187"/>
+                  <a:pt x="0" y="0"/>
+                </a:cubicBezTo>
+                <a:close/>
+              </a:path>
+            </a:pathLst>
+          </a:custGeom>
+          <a:solidFill>
+            <a:schemeClr val="accent2">
+              <a:lumMod val="60000"/>
+              <a:lumOff val="40000"/>
+            </a:schemeClr>
+          </a:solidFill>
+          <a:ln>
+            <a:solidFill>
+              <a:schemeClr val="accent2">
+                <a:lumMod val="75000"/>
+              </a:schemeClr>
+            </a:solidFill>
+            <a:extLst>
+              <a:ext uri="{C807C97D-BFC1-408E-A445-0C87EB9F89A2}">
+                <ask:lineSketchStyleProps xmlns:ask="http://schemas.microsoft.com/office/drawing/2018/sketchyshapes" sd="1599904310">
+                  <a:prstGeom prst="rect">
+                    <a:avLst/>
+                  </a:prstGeom>
+                  <ask:type>
+                    <ask:lineSketchFreehand/>
+                  </ask:type>
+                </ask:lineSketchStyleProps>
+              </a:ext>
+            </a:extLst>
+          </a:ln>
+        </p:spPr>
+        <p:style>
+          <a:lnRef idx="2">
+            <a:schemeClr val="accent4"/>
+          </a:lnRef>
+          <a:fillRef idx="1">
+            <a:schemeClr val="lt1"/>
+          </a:fillRef>
+          <a:effectRef idx="0">
+            <a:schemeClr val="accent4"/>
+          </a:effectRef>
+          <a:fontRef idx="minor">
+            <a:schemeClr val="dk1"/>
+          </a:fontRef>
+        </p:style>
+        <p:txBody>
+          <a:bodyPr rot="0" spcFirstLastPara="0" vertOverflow="overflow" horzOverflow="overflow" vert="horz" wrap="square" lIns="91440" tIns="45720" rIns="91440" bIns="45720" numCol="1" spcCol="0" rtlCol="0" fromWordArt="0" anchor="t" anchorCtr="0" forceAA="0" compatLnSpc="1">
+            <a:spAutoFit/>
+          </a:bodyPr>
+          <a:lstStyle/>
+          <a:p>
+            <a:pPr algn="ctr"/>
+            <a:r>
+              <a:rPr lang="en-GB" sz="1600" dirty="0" err="1">
+                <a:solidFill>
+                  <a:schemeClr val="accent2">
+                    <a:lumMod val="50000"/>
+                  </a:schemeClr>
+                </a:solidFill>
+                <a:latin typeface="Inconsolata" pitchFamily="49" charset="77"/>
+                <a:ea typeface="Inconsolata" pitchFamily="49" charset="77"/>
+              </a:rPr>
+              <a:t>WaitForSingleObject</a:t>
+            </a:r>
+            <a:r>
+              <a:rPr lang="en-GB" sz="1600" dirty="0">
+                <a:solidFill>
+                  <a:schemeClr val="accent2">
+                    <a:lumMod val="50000"/>
+                  </a:schemeClr>
+                </a:solidFill>
+                <a:latin typeface="Inconsolata" pitchFamily="49" charset="77"/>
+                <a:ea typeface="Inconsolata" pitchFamily="49" charset="77"/>
+              </a:rPr>
+              <a:t>()</a:t>
+            </a:r>
+            <a:r>
+              <a:rPr lang="en-GB" sz="1600" dirty="0">
+                <a:solidFill>
+                  <a:schemeClr val="accent2">
+                    <a:lumMod val="50000"/>
+                  </a:schemeClr>
+                </a:solidFill>
+                <a:latin typeface="Inconsolata" pitchFamily="49" charset="77"/>
+                <a:ea typeface="Inconsolata" pitchFamily="49" charset="77"/>
+                <a:cs typeface="Calibri" panose="020F0502020204030204"/>
+              </a:rPr>
+              <a:t>​</a:t>
+            </a:r>
+          </a:p>
+        </p:txBody>
+      </p:sp>
+      <p:cxnSp>
+        <p:nvCxnSpPr>
+          <p:cNvPr id="111" name="Straight Arrow Connector 110">
+            <a:extLst>
+              <a:ext uri="{FF2B5EF4-FFF2-40B4-BE49-F238E27FC236}">
+                <a16:creationId xmlns:a16="http://schemas.microsoft.com/office/drawing/2014/main" id="{88543C67-F022-2A4B-8F92-B947DD15BCAB}"/>
+              </a:ext>
+            </a:extLst>
+          </p:cNvPr>
+          <p:cNvCxnSpPr>
+            <a:cxnSpLocks/>
+          </p:cNvCxnSpPr>
+          <p:nvPr/>
+        </p:nvCxnSpPr>
+        <p:spPr>
+          <a:xfrm>
+            <a:off x="5469954" y="759833"/>
+            <a:ext cx="646" cy="256131"/>
+          </a:xfrm>
+          <a:prstGeom prst="straightConnector1">
+            <a:avLst/>
+          </a:prstGeom>
+          <a:ln>
+            <a:prstDash val="dashDot"/>
+            <a:tailEnd type="triangle"/>
+          </a:ln>
+        </p:spPr>
+        <p:style>
+          <a:lnRef idx="1">
+            <a:schemeClr val="accent6"/>
+          </a:lnRef>
+          <a:fillRef idx="0">
+            <a:schemeClr val="accent6"/>
+          </a:fillRef>
+          <a:effectRef idx="0">
+            <a:schemeClr val="accent6"/>
+          </a:effectRef>
+          <a:fontRef idx="minor">
+            <a:schemeClr val="tx1"/>
+          </a:fontRef>
+        </p:style>
+      </p:cxnSp>
+      <p:cxnSp>
+        <p:nvCxnSpPr>
+          <p:cNvPr id="112" name="Straight Arrow Connector 111">
+            <a:extLst>
+              <a:ext uri="{FF2B5EF4-FFF2-40B4-BE49-F238E27FC236}">
+                <a16:creationId xmlns:a16="http://schemas.microsoft.com/office/drawing/2014/main" id="{D17C57A5-28E6-F242-BEB9-9E4F830DF2A6}"/>
+              </a:ext>
+            </a:extLst>
+          </p:cNvPr>
+          <p:cNvCxnSpPr>
+            <a:cxnSpLocks/>
+          </p:cNvCxnSpPr>
+          <p:nvPr/>
+        </p:nvCxnSpPr>
+        <p:spPr>
+          <a:xfrm>
+            <a:off x="5604973" y="2939315"/>
+            <a:ext cx="1884" cy="387587"/>
+          </a:xfrm>
+          <a:prstGeom prst="straightConnector1">
+            <a:avLst/>
+          </a:prstGeom>
+          <a:ln>
+            <a:prstDash val="dashDot"/>
+            <a:tailEnd type="triangle"/>
+          </a:ln>
+        </p:spPr>
+        <p:style>
+          <a:lnRef idx="1">
+            <a:schemeClr val="accent6"/>
+          </a:lnRef>
+          <a:fillRef idx="0">
+            <a:schemeClr val="accent6"/>
+          </a:fillRef>
+          <a:effectRef idx="0">
+            <a:schemeClr val="accent6"/>
+          </a:effectRef>
+          <a:fontRef idx="minor">
+            <a:schemeClr val="tx1"/>
+          </a:fontRef>
+        </p:style>
+      </p:cxnSp>
+      <p:cxnSp>
+        <p:nvCxnSpPr>
+          <p:cNvPr id="114" name="Straight Arrow Connector 113">
+            <a:extLst>
+              <a:ext uri="{FF2B5EF4-FFF2-40B4-BE49-F238E27FC236}">
+                <a16:creationId xmlns:a16="http://schemas.microsoft.com/office/drawing/2014/main" id="{F3BA5B79-42BB-8646-8D0B-84C881C2A3BA}"/>
+              </a:ext>
+            </a:extLst>
+          </p:cNvPr>
+          <p:cNvCxnSpPr>
+            <a:cxnSpLocks/>
+          </p:cNvCxnSpPr>
+          <p:nvPr/>
+        </p:nvCxnSpPr>
+        <p:spPr>
+          <a:xfrm>
+            <a:off x="5623046" y="3706390"/>
+            <a:ext cx="1265" cy="391918"/>
+          </a:xfrm>
+          <a:prstGeom prst="straightConnector1">
+            <a:avLst/>
+          </a:prstGeom>
+          <a:ln>
+            <a:prstDash val="dashDot"/>
+            <a:tailEnd type="triangle"/>
+          </a:ln>
+        </p:spPr>
+        <p:style>
+          <a:lnRef idx="1">
+            <a:schemeClr val="accent6"/>
+          </a:lnRef>
+          <a:fillRef idx="0">
+            <a:schemeClr val="accent6"/>
+          </a:fillRef>
+          <a:effectRef idx="0">
+            <a:schemeClr val="accent6"/>
+          </a:effectRef>
+          <a:fontRef idx="minor">
+            <a:schemeClr val="tx1"/>
+          </a:fontRef>
+        </p:style>
+      </p:cxnSp>
+      <p:cxnSp>
+        <p:nvCxnSpPr>
+          <p:cNvPr id="115" name="Straight Arrow Connector 114">
+            <a:extLst>
+              <a:ext uri="{FF2B5EF4-FFF2-40B4-BE49-F238E27FC236}">
+                <a16:creationId xmlns:a16="http://schemas.microsoft.com/office/drawing/2014/main" id="{494E0F9C-218F-3247-8F50-76CDA9167ADB}"/>
+              </a:ext>
+            </a:extLst>
+          </p:cNvPr>
+          <p:cNvCxnSpPr>
+            <a:cxnSpLocks/>
+          </p:cNvCxnSpPr>
+          <p:nvPr/>
+        </p:nvCxnSpPr>
+        <p:spPr>
+          <a:xfrm>
+            <a:off x="5555709" y="2140304"/>
+            <a:ext cx="1884" cy="425216"/>
+          </a:xfrm>
+          <a:prstGeom prst="straightConnector1">
+            <a:avLst/>
+          </a:prstGeom>
+          <a:ln>
+            <a:prstDash val="dashDot"/>
+            <a:tailEnd type="triangle"/>
+          </a:ln>
+        </p:spPr>
+        <p:style>
+          <a:lnRef idx="1">
+            <a:schemeClr val="accent6"/>
+          </a:lnRef>
+          <a:fillRef idx="0">
+            <a:schemeClr val="accent6"/>
+          </a:fillRef>
+          <a:effectRef idx="0">
+            <a:schemeClr val="accent6"/>
+          </a:effectRef>
+          <a:fontRef idx="minor">
+            <a:schemeClr val="tx1"/>
+          </a:fontRef>
+        </p:style>
+      </p:cxnSp>
+      <p:cxnSp>
+        <p:nvCxnSpPr>
+          <p:cNvPr id="116" name="Straight Arrow Connector 115">
+            <a:extLst>
+              <a:ext uri="{FF2B5EF4-FFF2-40B4-BE49-F238E27FC236}">
+                <a16:creationId xmlns:a16="http://schemas.microsoft.com/office/drawing/2014/main" id="{AE6F8125-F7F9-E441-9E79-F6F5FBDBD588}"/>
+              </a:ext>
+            </a:extLst>
+          </p:cNvPr>
+          <p:cNvCxnSpPr>
+            <a:cxnSpLocks/>
+          </p:cNvCxnSpPr>
+          <p:nvPr/>
+        </p:nvCxnSpPr>
+        <p:spPr>
+          <a:xfrm>
+            <a:off x="5450618" y="1381522"/>
+            <a:ext cx="1884" cy="353052"/>
+          </a:xfrm>
+          <a:prstGeom prst="straightConnector1">
+            <a:avLst/>
+          </a:prstGeom>
+          <a:ln>
+            <a:prstDash val="dashDot"/>
+            <a:tailEnd type="triangle"/>
+          </a:ln>
+        </p:spPr>
+        <p:style>
+          <a:lnRef idx="1">
+            <a:schemeClr val="accent6"/>
+          </a:lnRef>
+          <a:fillRef idx="0">
+            <a:schemeClr val="accent6"/>
+          </a:fillRef>
+          <a:effectRef idx="0">
+            <a:schemeClr val="accent6"/>
+          </a:effectRef>
+          <a:fontRef idx="minor">
+            <a:schemeClr val="tx1"/>
+          </a:fontRef>
+        </p:style>
+      </p:cxnSp>
+      <p:cxnSp>
+        <p:nvCxnSpPr>
+          <p:cNvPr id="117" name="Straight Arrow Connector 116">
+            <a:extLst>
+              <a:ext uri="{FF2B5EF4-FFF2-40B4-BE49-F238E27FC236}">
+                <a16:creationId xmlns:a16="http://schemas.microsoft.com/office/drawing/2014/main" id="{9016B1A9-820A-F74E-8D3C-280E431B98D4}"/>
+              </a:ext>
+            </a:extLst>
+          </p:cNvPr>
+          <p:cNvCxnSpPr>
+            <a:cxnSpLocks/>
+            <a:stCxn id="110" idx="2"/>
+            <a:endCxn id="144" idx="0"/>
+          </p:cNvCxnSpPr>
+          <p:nvPr/>
+        </p:nvCxnSpPr>
+        <p:spPr>
+          <a:xfrm>
+            <a:off x="5754795" y="4432480"/>
+            <a:ext cx="0" cy="1088385"/>
+          </a:xfrm>
+          <a:prstGeom prst="straightConnector1">
+            <a:avLst/>
+          </a:prstGeom>
+          <a:ln>
+            <a:prstDash val="dashDot"/>
+            <a:tailEnd type="triangle"/>
+          </a:ln>
+        </p:spPr>
+        <p:style>
+          <a:lnRef idx="1">
+            <a:schemeClr val="accent6"/>
+          </a:lnRef>
+          <a:fillRef idx="0">
+            <a:schemeClr val="accent6"/>
+          </a:fillRef>
+          <a:effectRef idx="0">
+            <a:schemeClr val="accent6"/>
+          </a:effectRef>
+          <a:fontRef idx="minor">
+            <a:schemeClr val="tx1"/>
+          </a:fontRef>
+        </p:style>
+      </p:cxnSp>
+      <p:sp>
+        <p:nvSpPr>
+          <p:cNvPr id="123" name="TextBox 1">
+            <a:extLst>
+              <a:ext uri="{FF2B5EF4-FFF2-40B4-BE49-F238E27FC236}">
+                <a16:creationId xmlns:a16="http://schemas.microsoft.com/office/drawing/2014/main" id="{77665058-A12A-624C-86D8-BB1A7F6A0873}"/>
+              </a:ext>
+            </a:extLst>
+          </p:cNvPr>
+          <p:cNvSpPr txBox="1"/>
+          <p:nvPr/>
+        </p:nvSpPr>
+        <p:spPr>
+          <a:xfrm>
+            <a:off x="6096000" y="5279407"/>
+            <a:ext cx="4955820" cy="584775"/>
+          </a:xfrm>
+          <a:prstGeom prst="rect">
+            <a:avLst/>
+          </a:prstGeom>
+          <a:noFill/>
+          <a:ln>
+            <a:noFill/>
+          </a:ln>
+        </p:spPr>
+        <p:style>
+          <a:lnRef idx="2">
+            <a:schemeClr val="accent5"/>
+          </a:lnRef>
+          <a:fillRef idx="1">
+            <a:schemeClr val="lt1"/>
+          </a:fillRef>
+          <a:effectRef idx="0">
+            <a:schemeClr val="accent5"/>
+          </a:effectRef>
+          <a:fontRef idx="minor">
+            <a:schemeClr val="dk1"/>
+          </a:fontRef>
+        </p:style>
+        <p:txBody>
+          <a:bodyPr rot="0" spcFirstLastPara="0" vert="horz" wrap="square" lIns="91440" tIns="45720" rIns="91440" bIns="45720" numCol="1" spcCol="0" rtlCol="0" fromWordArt="0" anchor="t" anchorCtr="0" forceAA="0" compatLnSpc="1">
+            <a:spAutoFit/>
+          </a:bodyPr>
+          <a:lstStyle>
+            <a:defPPr>
+              <a:defRPr lang="en-US"/>
+            </a:defPPr>
+            <a:lvl1pPr marL="0" algn="l" defTabSz="914400" rtl="0" eaLnBrk="1" latinLnBrk="0" hangingPunct="1">
+              <a:defRPr sz="1800" kern="1200">
+                <a:solidFill>
+                  <a:schemeClr val="dk1"/>
+                </a:solidFill>
+                <a:latin typeface="+mn-lt"/>
+                <a:ea typeface="+mn-ea"/>
+                <a:cs typeface="+mn-cs"/>
+              </a:defRPr>
+            </a:lvl1pPr>
+            <a:lvl2pPr marL="457200" algn="l" defTabSz="914400" rtl="0" eaLnBrk="1" latinLnBrk="0" hangingPunct="1">
+              <a:defRPr sz="1800" kern="1200">
+                <a:solidFill>
+                  <a:schemeClr val="dk1"/>
+                </a:solidFill>
+                <a:latin typeface="+mn-lt"/>
+                <a:ea typeface="+mn-ea"/>
+                <a:cs typeface="+mn-cs"/>
+              </a:defRPr>
+            </a:lvl2pPr>
+            <a:lvl3pPr marL="914400" algn="l" defTabSz="914400" rtl="0" eaLnBrk="1" latinLnBrk="0" hangingPunct="1">
+              <a:defRPr sz="1800" kern="1200">
+                <a:solidFill>
+                  <a:schemeClr val="dk1"/>
+                </a:solidFill>
+                <a:latin typeface="+mn-lt"/>
+                <a:ea typeface="+mn-ea"/>
+                <a:cs typeface="+mn-cs"/>
+              </a:defRPr>
+            </a:lvl3pPr>
+            <a:lvl4pPr marL="1371600" algn="l" defTabSz="914400" rtl="0" eaLnBrk="1" latinLnBrk="0" hangingPunct="1">
+              <a:defRPr sz="1800" kern="1200">
+                <a:solidFill>
+                  <a:schemeClr val="dk1"/>
+                </a:solidFill>
+                <a:latin typeface="+mn-lt"/>
+                <a:ea typeface="+mn-ea"/>
+                <a:cs typeface="+mn-cs"/>
+              </a:defRPr>
+            </a:lvl4pPr>
+            <a:lvl5pPr marL="1828800" algn="l" defTabSz="914400" rtl="0" eaLnBrk="1" latinLnBrk="0" hangingPunct="1">
+              <a:defRPr sz="1800" kern="1200">
+                <a:solidFill>
+                  <a:schemeClr val="dk1"/>
+                </a:solidFill>
+                <a:latin typeface="+mn-lt"/>
+                <a:ea typeface="+mn-ea"/>
+                <a:cs typeface="+mn-cs"/>
+              </a:defRPr>
+            </a:lvl5pPr>
+            <a:lvl6pPr marL="2286000" algn="l" defTabSz="914400" rtl="0" eaLnBrk="1" latinLnBrk="0" hangingPunct="1">
+              <a:defRPr sz="1800" kern="1200">
+                <a:solidFill>
+                  <a:schemeClr val="dk1"/>
+                </a:solidFill>
+                <a:latin typeface="+mn-lt"/>
+                <a:ea typeface="+mn-ea"/>
+                <a:cs typeface="+mn-cs"/>
+              </a:defRPr>
+            </a:lvl6pPr>
+            <a:lvl7pPr marL="2743200" algn="l" defTabSz="914400" rtl="0" eaLnBrk="1" latinLnBrk="0" hangingPunct="1">
+              <a:defRPr sz="1800" kern="1200">
+                <a:solidFill>
+                  <a:schemeClr val="dk1"/>
+                </a:solidFill>
+                <a:latin typeface="+mn-lt"/>
+                <a:ea typeface="+mn-ea"/>
+                <a:cs typeface="+mn-cs"/>
+              </a:defRPr>
+            </a:lvl7pPr>
+            <a:lvl8pPr marL="3200400" algn="l" defTabSz="914400" rtl="0" eaLnBrk="1" latinLnBrk="0" hangingPunct="1">
+              <a:defRPr sz="1800" kern="1200">
+                <a:solidFill>
+                  <a:schemeClr val="dk1"/>
+                </a:solidFill>
+                <a:latin typeface="+mn-lt"/>
+                <a:ea typeface="+mn-ea"/>
+                <a:cs typeface="+mn-cs"/>
+              </a:defRPr>
+            </a:lvl8pPr>
+            <a:lvl9pPr marL="3657600" algn="l" defTabSz="914400" rtl="0" eaLnBrk="1" latinLnBrk="0" hangingPunct="1">
+              <a:defRPr sz="1800" kern="1200">
+                <a:solidFill>
+                  <a:schemeClr val="dk1"/>
+                </a:solidFill>
+                <a:latin typeface="+mn-lt"/>
+                <a:ea typeface="+mn-ea"/>
+                <a:cs typeface="+mn-cs"/>
+              </a:defRPr>
+            </a:lvl9pPr>
+          </a:lstStyle>
+          <a:p>
+            <a:pPr algn="ctr"/>
+            <a:r>
+              <a:rPr lang="en-GB" sz="1600" dirty="0">
+                <a:solidFill>
+                  <a:schemeClr val="accent6">
+                    <a:lumMod val="75000"/>
+                  </a:schemeClr>
+                </a:solidFill>
+                <a:latin typeface="Inconsolata" pitchFamily="49" charset="77"/>
+                <a:ea typeface="Inconsolata" pitchFamily="49" charset="77"/>
+              </a:rPr>
+              <a:t>//</a:t>
+            </a:r>
+            <a:r>
+              <a:rPr lang="en-GB" sz="1600" dirty="0">
+                <a:solidFill>
+                  <a:schemeClr val="accent6">
+                    <a:lumMod val="75000"/>
+                  </a:schemeClr>
+                </a:solidFill>
+                <a:latin typeface="Inconsolata" pitchFamily="49" charset="77"/>
+                <a:ea typeface="Inconsolata" pitchFamily="49" charset="77"/>
+                <a:cs typeface="Calibri" panose="020F0502020204030204"/>
+              </a:rPr>
+              <a:t> Call any of these three </a:t>
+            </a:r>
+          </a:p>
+          <a:p>
+            <a:pPr algn="ctr"/>
+            <a:r>
+              <a:rPr lang="en-GB" sz="1600" dirty="0">
+                <a:solidFill>
+                  <a:schemeClr val="accent6">
+                    <a:lumMod val="75000"/>
+                  </a:schemeClr>
+                </a:solidFill>
+                <a:latin typeface="Inconsolata" pitchFamily="49" charset="77"/>
+                <a:ea typeface="Inconsolata" pitchFamily="49" charset="77"/>
+                <a:cs typeface="Calibri" panose="020F0502020204030204"/>
+              </a:rPr>
+              <a:t>functions to load mal.dll</a:t>
+            </a:r>
+          </a:p>
+        </p:txBody>
+      </p:sp>
+      <p:grpSp>
+        <p:nvGrpSpPr>
+          <p:cNvPr id="127" name="Group 126">
+            <a:extLst>
+              <a:ext uri="{FF2B5EF4-FFF2-40B4-BE49-F238E27FC236}">
+                <a16:creationId xmlns:a16="http://schemas.microsoft.com/office/drawing/2014/main" id="{7F5CA7B7-0CEE-DA49-A5DA-FEF73E6DB961}"/>
+              </a:ext>
+            </a:extLst>
+          </p:cNvPr>
+          <p:cNvGrpSpPr/>
+          <p:nvPr/>
+        </p:nvGrpSpPr>
+        <p:grpSpPr>
+          <a:xfrm>
+            <a:off x="879685" y="342370"/>
+            <a:ext cx="3759311" cy="1323439"/>
+            <a:chOff x="880311" y="1216281"/>
+            <a:chExt cx="3759311" cy="1323439"/>
+          </a:xfrm>
+        </p:grpSpPr>
+        <p:sp>
+          <p:nvSpPr>
+            <p:cNvPr id="128" name="TextBox 127">
+              <a:extLst>
+                <a:ext uri="{FF2B5EF4-FFF2-40B4-BE49-F238E27FC236}">
+                  <a16:creationId xmlns:a16="http://schemas.microsoft.com/office/drawing/2014/main" id="{44869D78-363B-BF4E-AF26-B6C9FA9967D9}"/>
+                </a:ext>
+              </a:extLst>
+            </p:cNvPr>
+            <p:cNvSpPr txBox="1"/>
+            <p:nvPr/>
+          </p:nvSpPr>
+          <p:spPr>
+            <a:xfrm>
+              <a:off x="880311" y="1216281"/>
+              <a:ext cx="3298237" cy="1323439"/>
+            </a:xfrm>
+            <a:prstGeom prst="rect">
+              <a:avLst/>
+            </a:prstGeom>
+            <a:noFill/>
+            <a:ln>
+              <a:noFill/>
+            </a:ln>
+          </p:spPr>
+          <p:style>
+            <a:lnRef idx="2">
+              <a:schemeClr val="accent1"/>
+            </a:lnRef>
+            <a:fillRef idx="1">
+              <a:schemeClr val="lt1"/>
+            </a:fillRef>
+            <a:effectRef idx="0">
+              <a:schemeClr val="accent1"/>
+            </a:effectRef>
+            <a:fontRef idx="minor">
+              <a:schemeClr val="dk1"/>
+            </a:fontRef>
+          </p:style>
+          <p:txBody>
+            <a:bodyPr rot="0" spcFirstLastPara="0" vertOverflow="overflow" horzOverflow="overflow" vert="horz" wrap="square" lIns="91440" tIns="45720" rIns="91440" bIns="45720" numCol="1" spcCol="0" rtlCol="0" fromWordArt="0" anchor="t" anchorCtr="0" forceAA="0" compatLnSpc="1">
+              <a:spAutoFit/>
+            </a:bodyPr>
+            <a:lstStyle/>
+            <a:p>
+              <a:r>
+                <a:rPr lang="en-GB" sz="1600" dirty="0">
+                  <a:solidFill>
+                    <a:schemeClr val="accent6">
+                      <a:lumMod val="75000"/>
+                    </a:schemeClr>
+                  </a:solidFill>
+                  <a:latin typeface="Inconsolata" pitchFamily="49" charset="77"/>
+                  <a:ea typeface="Inconsolata" pitchFamily="49" charset="77"/>
+                  <a:cs typeface="Calibri" panose="020F0502020204030204"/>
+                </a:rPr>
+                <a:t>// Retrieve info about the window. Also get the 32-bit value at the specified offset into the extra window memory.</a:t>
+              </a:r>
+              <a:br>
+                <a:rPr lang="en-GB" sz="1600" dirty="0"/>
+              </a:br>
+              <a:endParaRPr lang="en-GB" sz="1600" dirty="0">
+                <a:solidFill>
+                  <a:schemeClr val="accent6">
+                    <a:lumMod val="75000"/>
+                  </a:schemeClr>
+                </a:solidFill>
+                <a:latin typeface="Inconsolata" pitchFamily="49" charset="77"/>
+                <a:ea typeface="Inconsolata" pitchFamily="49" charset="77"/>
+                <a:cs typeface="Calibri" panose="020F0502020204030204"/>
+              </a:endParaRPr>
+            </a:p>
+          </p:txBody>
+        </p:sp>
+        <p:cxnSp>
+          <p:nvCxnSpPr>
+            <p:cNvPr id="129" name="Straight Connector 128">
+              <a:extLst>
+                <a:ext uri="{FF2B5EF4-FFF2-40B4-BE49-F238E27FC236}">
+                  <a16:creationId xmlns:a16="http://schemas.microsoft.com/office/drawing/2014/main" id="{66F77F06-9CD6-8544-9DF8-CFB9F08568BC}"/>
+                </a:ext>
+              </a:extLst>
+            </p:cNvPr>
+            <p:cNvCxnSpPr>
+              <a:cxnSpLocks/>
+            </p:cNvCxnSpPr>
+            <p:nvPr/>
+          </p:nvCxnSpPr>
+          <p:spPr>
+            <a:xfrm>
+              <a:off x="1132541" y="2289455"/>
+              <a:ext cx="3507081" cy="0"/>
+            </a:xfrm>
+            <a:prstGeom prst="line">
+              <a:avLst/>
+            </a:prstGeom>
+            <a:ln>
+              <a:solidFill>
+                <a:schemeClr val="accent6">
+                  <a:lumMod val="75000"/>
+                </a:schemeClr>
+              </a:solidFill>
+              <a:prstDash val="sysDash"/>
+            </a:ln>
+          </p:spPr>
+          <p:style>
+            <a:lnRef idx="1">
+              <a:schemeClr val="accent1"/>
+            </a:lnRef>
+            <a:fillRef idx="0">
+              <a:schemeClr val="accent1"/>
+            </a:fillRef>
+            <a:effectRef idx="0">
+              <a:schemeClr val="accent1"/>
+            </a:effectRef>
+            <a:fontRef idx="minor">
+              <a:schemeClr val="tx1"/>
+            </a:fontRef>
+          </p:style>
+        </p:cxnSp>
+      </p:grpSp>
+      <p:grpSp>
+        <p:nvGrpSpPr>
+          <p:cNvPr id="130" name="Group 129">
+            <a:extLst>
+              <a:ext uri="{FF2B5EF4-FFF2-40B4-BE49-F238E27FC236}">
+                <a16:creationId xmlns:a16="http://schemas.microsoft.com/office/drawing/2014/main" id="{A4880E44-D392-2D40-8C9C-7642AF31C213}"/>
+              </a:ext>
+            </a:extLst>
+          </p:cNvPr>
+          <p:cNvGrpSpPr/>
+          <p:nvPr/>
+        </p:nvGrpSpPr>
+        <p:grpSpPr>
+          <a:xfrm>
+            <a:off x="6566325" y="1578593"/>
+            <a:ext cx="5856974" cy="604311"/>
+            <a:chOff x="7228086" y="2628348"/>
+            <a:chExt cx="5856974" cy="604311"/>
+          </a:xfrm>
+        </p:grpSpPr>
+        <p:sp>
+          <p:nvSpPr>
+            <p:cNvPr id="131" name="TextBox 130">
+              <a:extLst>
+                <a:ext uri="{FF2B5EF4-FFF2-40B4-BE49-F238E27FC236}">
+                  <a16:creationId xmlns:a16="http://schemas.microsoft.com/office/drawing/2014/main" id="{B7FE1B96-09E6-214B-8630-41AE84D0C750}"/>
+                </a:ext>
+              </a:extLst>
+            </p:cNvPr>
+            <p:cNvSpPr txBox="1"/>
+            <p:nvPr/>
+          </p:nvSpPr>
+          <p:spPr>
+            <a:xfrm>
+              <a:off x="7714748" y="2628348"/>
+              <a:ext cx="5370312" cy="338554"/>
+            </a:xfrm>
+            <a:prstGeom prst="rect">
+              <a:avLst/>
+            </a:prstGeom>
+            <a:noFill/>
+            <a:ln>
+              <a:noFill/>
+            </a:ln>
+          </p:spPr>
+          <p:style>
+            <a:lnRef idx="2">
+              <a:schemeClr val="accent5"/>
+            </a:lnRef>
+            <a:fillRef idx="1">
+              <a:schemeClr val="lt1"/>
+            </a:fillRef>
+            <a:effectRef idx="0">
+              <a:schemeClr val="accent5"/>
+            </a:effectRef>
+            <a:fontRef idx="minor">
+              <a:schemeClr val="dk1"/>
+            </a:fontRef>
+          </p:style>
+          <p:txBody>
+            <a:bodyPr rot="0" spcFirstLastPara="0" vertOverflow="overflow" horzOverflow="overflow" vert="horz" wrap="square" lIns="91440" tIns="45720" rIns="91440" bIns="45720" numCol="1" spcCol="0" rtlCol="0" fromWordArt="0" anchor="t" anchorCtr="0" forceAA="0" compatLnSpc="1">
+              <a:spAutoFit/>
+            </a:bodyPr>
+            <a:lstStyle/>
+            <a:p>
+              <a:r>
+                <a:rPr lang="en-GB" sz="1600" dirty="0">
+                  <a:solidFill>
+                    <a:schemeClr val="accent6">
+                      <a:lumMod val="75000"/>
+                    </a:schemeClr>
+                  </a:solidFill>
+                  <a:latin typeface="Inconsolata" pitchFamily="49" charset="77"/>
+                  <a:ea typeface="Inconsolata" pitchFamily="49" charset="77"/>
+                </a:rPr>
+                <a:t>//</a:t>
+              </a:r>
+              <a:r>
+                <a:rPr lang="en-GB" sz="1600" dirty="0">
+                  <a:solidFill>
+                    <a:schemeClr val="accent6">
+                      <a:lumMod val="75000"/>
+                    </a:schemeClr>
+                  </a:solidFill>
+                  <a:latin typeface="Inconsolata" pitchFamily="49" charset="77"/>
+                  <a:ea typeface="Inconsolata" pitchFamily="49" charset="77"/>
+                  <a:cs typeface="Calibri" panose="020F0502020204030204"/>
+                </a:rPr>
+                <a:t> </a:t>
+              </a:r>
+              <a:endParaRPr lang="en-US" sz="1600" dirty="0" err="1">
+                <a:solidFill>
+                  <a:schemeClr val="accent6">
+                    <a:lumMod val="75000"/>
+                  </a:schemeClr>
+                </a:solidFill>
+                <a:latin typeface="Inconsolata" pitchFamily="49" charset="77"/>
+                <a:ea typeface="Inconsolata" pitchFamily="49" charset="77"/>
+              </a:endParaRPr>
+            </a:p>
+          </p:txBody>
+        </p:sp>
+        <p:cxnSp>
+          <p:nvCxnSpPr>
+            <p:cNvPr id="132" name="Straight Connector 131">
+              <a:extLst>
+                <a:ext uri="{FF2B5EF4-FFF2-40B4-BE49-F238E27FC236}">
+                  <a16:creationId xmlns:a16="http://schemas.microsoft.com/office/drawing/2014/main" id="{58184510-F26E-D846-94FB-58E32EFAAE12}"/>
+                </a:ext>
+              </a:extLst>
+            </p:cNvPr>
+            <p:cNvCxnSpPr>
+              <a:cxnSpLocks/>
+            </p:cNvCxnSpPr>
+            <p:nvPr/>
+          </p:nvCxnSpPr>
+          <p:spPr>
+            <a:xfrm>
+              <a:off x="7228086" y="3232659"/>
+              <a:ext cx="3507081" cy="0"/>
+            </a:xfrm>
+            <a:prstGeom prst="line">
+              <a:avLst/>
+            </a:prstGeom>
+            <a:ln>
+              <a:solidFill>
+                <a:schemeClr val="accent6">
+                  <a:lumMod val="75000"/>
+                </a:schemeClr>
+              </a:solidFill>
+              <a:prstDash val="sysDash"/>
+            </a:ln>
+          </p:spPr>
+          <p:style>
+            <a:lnRef idx="1">
+              <a:schemeClr val="accent1"/>
+            </a:lnRef>
+            <a:fillRef idx="0">
+              <a:schemeClr val="accent1"/>
+            </a:fillRef>
+            <a:effectRef idx="0">
+              <a:schemeClr val="accent1"/>
+            </a:effectRef>
+            <a:fontRef idx="minor">
+              <a:schemeClr val="tx1"/>
+            </a:fontRef>
+          </p:style>
+        </p:cxnSp>
+      </p:grpSp>
+      <p:grpSp>
+        <p:nvGrpSpPr>
+          <p:cNvPr id="133" name="Group 132">
+            <a:extLst>
+              <a:ext uri="{FF2B5EF4-FFF2-40B4-BE49-F238E27FC236}">
+                <a16:creationId xmlns:a16="http://schemas.microsoft.com/office/drawing/2014/main" id="{0A8CE208-89EF-4840-B37F-ADA9A2E4B31C}"/>
+              </a:ext>
+            </a:extLst>
+          </p:cNvPr>
+          <p:cNvGrpSpPr/>
+          <p:nvPr/>
+        </p:nvGrpSpPr>
+        <p:grpSpPr>
+          <a:xfrm>
+            <a:off x="-5768" y="2355304"/>
+            <a:ext cx="4203418" cy="399627"/>
+            <a:chOff x="325872" y="3609621"/>
+            <a:chExt cx="4203418" cy="399627"/>
+          </a:xfrm>
+        </p:grpSpPr>
+        <p:sp>
+          <p:nvSpPr>
+            <p:cNvPr id="134" name="TextBox 133">
+              <a:extLst>
+                <a:ext uri="{FF2B5EF4-FFF2-40B4-BE49-F238E27FC236}">
+                  <a16:creationId xmlns:a16="http://schemas.microsoft.com/office/drawing/2014/main" id="{D0364327-65B6-F14E-8B97-63A6FE5D8F6A}"/>
+                </a:ext>
+              </a:extLst>
+            </p:cNvPr>
+            <p:cNvSpPr txBox="1"/>
+            <p:nvPr/>
+          </p:nvSpPr>
+          <p:spPr>
+            <a:xfrm>
+              <a:off x="325872" y="3609621"/>
+              <a:ext cx="3693348" cy="338554"/>
+            </a:xfrm>
+            <a:prstGeom prst="rect">
+              <a:avLst/>
+            </a:prstGeom>
+            <a:noFill/>
+            <a:ln>
+              <a:noFill/>
+            </a:ln>
+          </p:spPr>
+          <p:style>
+            <a:lnRef idx="2">
+              <a:schemeClr val="accent5"/>
+            </a:lnRef>
+            <a:fillRef idx="1">
+              <a:schemeClr val="lt1"/>
+            </a:fillRef>
+            <a:effectRef idx="0">
+              <a:schemeClr val="accent5"/>
+            </a:effectRef>
+            <a:fontRef idx="minor">
+              <a:schemeClr val="dk1"/>
+            </a:fontRef>
+          </p:style>
+          <p:txBody>
+            <a:bodyPr rot="0" spcFirstLastPara="0" vertOverflow="overflow" horzOverflow="overflow" vert="horz" wrap="square" lIns="91440" tIns="45720" rIns="91440" bIns="45720" numCol="1" spcCol="0" rtlCol="0" fromWordArt="0" anchor="t" anchorCtr="0" forceAA="0" compatLnSpc="1">
+              <a:spAutoFit/>
+            </a:bodyPr>
+            <a:lstStyle/>
+            <a:p>
+              <a:pPr algn="ctr"/>
+              <a:r>
+                <a:rPr lang="en-GB" sz="1600" dirty="0">
+                  <a:solidFill>
+                    <a:schemeClr val="accent6">
+                      <a:lumMod val="75000"/>
+                    </a:schemeClr>
+                  </a:solidFill>
+                  <a:latin typeface="Inconsolata" pitchFamily="49" charset="77"/>
+                  <a:ea typeface="Inconsolata" pitchFamily="49" charset="77"/>
+                </a:rPr>
+                <a:t>//</a:t>
+              </a:r>
+              <a:r>
+                <a:rPr lang="en-GB" sz="1600" dirty="0">
+                  <a:solidFill>
+                    <a:schemeClr val="accent6">
+                      <a:lumMod val="75000"/>
+                    </a:schemeClr>
+                  </a:solidFill>
+                  <a:latin typeface="Inconsolata" pitchFamily="49" charset="77"/>
+                  <a:ea typeface="Inconsolata" pitchFamily="49" charset="77"/>
+                  <a:cs typeface="Calibri" panose="020F0502020204030204"/>
+                </a:rPr>
+                <a:t> Open and get </a:t>
+              </a:r>
+              <a:r>
+                <a:rPr lang="en-GB" sz="1600" b="1" dirty="0">
+                  <a:solidFill>
+                    <a:schemeClr val="accent6">
+                      <a:lumMod val="75000"/>
+                    </a:schemeClr>
+                  </a:solidFill>
+                  <a:latin typeface="Inconsolata" pitchFamily="49" charset="77"/>
+                  <a:ea typeface="Inconsolata" pitchFamily="49" charset="77"/>
+                  <a:cs typeface="Calibri" panose="020F0502020204030204"/>
+                </a:rPr>
+                <a:t>handle</a:t>
+              </a:r>
+            </a:p>
+          </p:txBody>
+        </p:sp>
+        <p:cxnSp>
+          <p:nvCxnSpPr>
+            <p:cNvPr id="135" name="Straight Connector 134">
+              <a:extLst>
+                <a:ext uri="{FF2B5EF4-FFF2-40B4-BE49-F238E27FC236}">
+                  <a16:creationId xmlns:a16="http://schemas.microsoft.com/office/drawing/2014/main" id="{C97CD9BD-ADDF-624F-A909-43FDB2D92F7A}"/>
+                </a:ext>
+              </a:extLst>
+            </p:cNvPr>
+            <p:cNvCxnSpPr>
+              <a:cxnSpLocks/>
+            </p:cNvCxnSpPr>
+            <p:nvPr/>
+          </p:nvCxnSpPr>
+          <p:spPr>
+            <a:xfrm>
+              <a:off x="1022209" y="4009248"/>
+              <a:ext cx="3507081" cy="0"/>
+            </a:xfrm>
+            <a:prstGeom prst="line">
+              <a:avLst/>
+            </a:prstGeom>
+            <a:ln>
+              <a:solidFill>
+                <a:schemeClr val="accent6">
+                  <a:lumMod val="75000"/>
+                </a:schemeClr>
+              </a:solidFill>
+              <a:prstDash val="sysDash"/>
+            </a:ln>
+          </p:spPr>
+          <p:style>
+            <a:lnRef idx="1">
+              <a:schemeClr val="accent1"/>
+            </a:lnRef>
+            <a:fillRef idx="0">
+              <a:schemeClr val="accent1"/>
+            </a:fillRef>
+            <a:effectRef idx="0">
+              <a:schemeClr val="accent1"/>
+            </a:effectRef>
+            <a:fontRef idx="minor">
+              <a:schemeClr val="tx1"/>
+            </a:fontRef>
+          </p:style>
+        </p:cxnSp>
+      </p:grpSp>
+      <p:grpSp>
+        <p:nvGrpSpPr>
+          <p:cNvPr id="136" name="Group 135">
+            <a:extLst>
+              <a:ext uri="{FF2B5EF4-FFF2-40B4-BE49-F238E27FC236}">
+                <a16:creationId xmlns:a16="http://schemas.microsoft.com/office/drawing/2014/main" id="{B4534DF5-F07B-2742-AF64-B73ED3E6861E}"/>
+              </a:ext>
+            </a:extLst>
+          </p:cNvPr>
+          <p:cNvGrpSpPr/>
+          <p:nvPr/>
+        </p:nvGrpSpPr>
+        <p:grpSpPr>
+          <a:xfrm>
+            <a:off x="6350811" y="3150907"/>
+            <a:ext cx="4541387" cy="588121"/>
+            <a:chOff x="6461893" y="4231060"/>
+            <a:chExt cx="4541387" cy="588121"/>
+          </a:xfrm>
+        </p:grpSpPr>
+        <p:sp>
+          <p:nvSpPr>
+            <p:cNvPr id="137" name="TextBox 136">
+              <a:extLst>
+                <a:ext uri="{FF2B5EF4-FFF2-40B4-BE49-F238E27FC236}">
+                  <a16:creationId xmlns:a16="http://schemas.microsoft.com/office/drawing/2014/main" id="{7E0ECA06-E10C-454C-A977-8FBBA9182AE2}"/>
+                </a:ext>
+              </a:extLst>
+            </p:cNvPr>
+            <p:cNvSpPr txBox="1"/>
+            <p:nvPr/>
+          </p:nvSpPr>
+          <p:spPr>
+            <a:xfrm>
+              <a:off x="6461893" y="4231060"/>
+              <a:ext cx="4314237" cy="584775"/>
+            </a:xfrm>
+            <a:prstGeom prst="rect">
+              <a:avLst/>
+            </a:prstGeom>
+            <a:noFill/>
+            <a:ln>
+              <a:noFill/>
+            </a:ln>
+          </p:spPr>
+          <p:style>
+            <a:lnRef idx="2">
+              <a:schemeClr val="accent5"/>
+            </a:lnRef>
+            <a:fillRef idx="1">
+              <a:schemeClr val="lt1"/>
+            </a:fillRef>
+            <a:effectRef idx="0">
+              <a:schemeClr val="accent5"/>
+            </a:effectRef>
+            <a:fontRef idx="minor">
+              <a:schemeClr val="dk1"/>
+            </a:fontRef>
+          </p:style>
+          <p:txBody>
+            <a:bodyPr rot="0" spcFirstLastPara="0" vertOverflow="overflow" horzOverflow="overflow" vert="horz" wrap="square" lIns="91440" tIns="45720" rIns="91440" bIns="45720" numCol="1" spcCol="0" rtlCol="0" fromWordArt="0" anchor="t" anchorCtr="0" forceAA="0" compatLnSpc="1">
+              <a:spAutoFit/>
+            </a:bodyPr>
+            <a:lstStyle/>
+            <a:p>
+              <a:pPr algn="ctr"/>
+              <a:r>
+                <a:rPr lang="en-GB" sz="1600" dirty="0">
+                  <a:solidFill>
+                    <a:schemeClr val="accent6">
+                      <a:lumMod val="75000"/>
+                    </a:schemeClr>
+                  </a:solidFill>
+                  <a:latin typeface="Inconsolata" pitchFamily="49" charset="77"/>
+                  <a:ea typeface="Inconsolata" pitchFamily="49" charset="77"/>
+                </a:rPr>
+                <a:t>//</a:t>
+              </a:r>
+              <a:r>
+                <a:rPr lang="en-GB" sz="1600" dirty="0">
+                  <a:solidFill>
+                    <a:schemeClr val="accent6">
+                      <a:lumMod val="75000"/>
+                    </a:schemeClr>
+                  </a:solidFill>
+                  <a:latin typeface="Inconsolata" pitchFamily="49" charset="77"/>
+                  <a:ea typeface="Inconsolata" pitchFamily="49" charset="77"/>
+                  <a:cs typeface="Calibri" panose="020F0502020204030204"/>
+                </a:rPr>
+                <a:t> Allocate memory and get </a:t>
+              </a:r>
+            </a:p>
+            <a:p>
+              <a:pPr algn="ctr"/>
+              <a:r>
+                <a:rPr lang="en-GB" sz="1600" dirty="0">
+                  <a:solidFill>
+                    <a:schemeClr val="accent6">
+                      <a:lumMod val="75000"/>
+                    </a:schemeClr>
+                  </a:solidFill>
+                  <a:latin typeface="Inconsolata" pitchFamily="49" charset="77"/>
+                  <a:ea typeface="Inconsolata" pitchFamily="49" charset="77"/>
+                  <a:cs typeface="Calibri" panose="020F0502020204030204"/>
+                </a:rPr>
+                <a:t>the address</a:t>
+              </a:r>
+              <a:endParaRPr lang="en-US" sz="1600" dirty="0" err="1">
+                <a:solidFill>
+                  <a:schemeClr val="accent6">
+                    <a:lumMod val="75000"/>
+                  </a:schemeClr>
+                </a:solidFill>
+                <a:latin typeface="Inconsolata" pitchFamily="49" charset="77"/>
+                <a:ea typeface="Inconsolata" pitchFamily="49" charset="77"/>
+              </a:endParaRPr>
+            </a:p>
+          </p:txBody>
+        </p:sp>
+        <p:cxnSp>
+          <p:nvCxnSpPr>
+            <p:cNvPr id="138" name="Straight Connector 137">
+              <a:extLst>
+                <a:ext uri="{FF2B5EF4-FFF2-40B4-BE49-F238E27FC236}">
+                  <a16:creationId xmlns:a16="http://schemas.microsoft.com/office/drawing/2014/main" id="{E39EC5FF-1EC3-2743-9EB7-920A75BFDF37}"/>
+                </a:ext>
+              </a:extLst>
+            </p:cNvPr>
+            <p:cNvCxnSpPr>
+              <a:cxnSpLocks/>
+            </p:cNvCxnSpPr>
+            <p:nvPr/>
+          </p:nvCxnSpPr>
+          <p:spPr>
+            <a:xfrm>
+              <a:off x="6575777" y="4815578"/>
+              <a:ext cx="4427503" cy="3603"/>
+            </a:xfrm>
+            <a:prstGeom prst="line">
+              <a:avLst/>
+            </a:prstGeom>
+            <a:ln>
+              <a:solidFill>
+                <a:schemeClr val="accent6">
+                  <a:lumMod val="75000"/>
+                </a:schemeClr>
+              </a:solidFill>
+              <a:prstDash val="sysDash"/>
+            </a:ln>
+          </p:spPr>
+          <p:style>
+            <a:lnRef idx="1">
+              <a:schemeClr val="accent1"/>
+            </a:lnRef>
+            <a:fillRef idx="0">
+              <a:schemeClr val="accent1"/>
+            </a:fillRef>
+            <a:effectRef idx="0">
+              <a:schemeClr val="accent1"/>
+            </a:effectRef>
+            <a:fontRef idx="minor">
+              <a:schemeClr val="tx1"/>
+            </a:fontRef>
+          </p:style>
+        </p:cxnSp>
+      </p:grpSp>
+      <p:grpSp>
+        <p:nvGrpSpPr>
+          <p:cNvPr id="139" name="Group 138">
+            <a:extLst>
+              <a:ext uri="{FF2B5EF4-FFF2-40B4-BE49-F238E27FC236}">
+                <a16:creationId xmlns:a16="http://schemas.microsoft.com/office/drawing/2014/main" id="{905E41C6-53AA-EE4F-9ACF-55A5C4E5AF90}"/>
+              </a:ext>
+            </a:extLst>
+          </p:cNvPr>
+          <p:cNvGrpSpPr/>
+          <p:nvPr/>
+        </p:nvGrpSpPr>
+        <p:grpSpPr>
+          <a:xfrm>
+            <a:off x="-89739" y="4159973"/>
+            <a:ext cx="4832295" cy="388341"/>
+            <a:chOff x="6170985" y="4430840"/>
+            <a:chExt cx="4832295" cy="388341"/>
+          </a:xfrm>
+        </p:grpSpPr>
+        <p:sp>
+          <p:nvSpPr>
+            <p:cNvPr id="140" name="TextBox 139">
+              <a:extLst>
+                <a:ext uri="{FF2B5EF4-FFF2-40B4-BE49-F238E27FC236}">
+                  <a16:creationId xmlns:a16="http://schemas.microsoft.com/office/drawing/2014/main" id="{99898CDF-E027-0F40-89A6-77D581F59694}"/>
+                </a:ext>
+              </a:extLst>
+            </p:cNvPr>
+            <p:cNvSpPr txBox="1"/>
+            <p:nvPr/>
+          </p:nvSpPr>
+          <p:spPr>
+            <a:xfrm>
+              <a:off x="6170985" y="4430840"/>
+              <a:ext cx="4757132" cy="338554"/>
+            </a:xfrm>
+            <a:prstGeom prst="rect">
+              <a:avLst/>
+            </a:prstGeom>
+            <a:noFill/>
+            <a:ln>
+              <a:noFill/>
+            </a:ln>
+          </p:spPr>
+          <p:style>
+            <a:lnRef idx="2">
+              <a:schemeClr val="accent5"/>
+            </a:lnRef>
+            <a:fillRef idx="1">
+              <a:schemeClr val="lt1"/>
+            </a:fillRef>
+            <a:effectRef idx="0">
+              <a:schemeClr val="accent5"/>
+            </a:effectRef>
+            <a:fontRef idx="minor">
+              <a:schemeClr val="dk1"/>
+            </a:fontRef>
+          </p:style>
+          <p:txBody>
+            <a:bodyPr rot="0" spcFirstLastPara="0" vertOverflow="overflow" horzOverflow="overflow" vert="horz" wrap="square" lIns="91440" tIns="45720" rIns="91440" bIns="45720" numCol="1" spcCol="0" rtlCol="0" fromWordArt="0" anchor="t" anchorCtr="0" forceAA="0" compatLnSpc="1">
+              <a:spAutoFit/>
+            </a:bodyPr>
+            <a:lstStyle/>
+            <a:p>
+              <a:pPr algn="ctr"/>
+              <a:r>
+                <a:rPr lang="en-GB" sz="1600" dirty="0">
+                  <a:solidFill>
+                    <a:schemeClr val="accent6">
+                      <a:lumMod val="75000"/>
+                    </a:schemeClr>
+                  </a:solidFill>
+                  <a:latin typeface="Inconsolata" pitchFamily="49" charset="77"/>
+                  <a:ea typeface="Inconsolata" pitchFamily="49" charset="77"/>
+                </a:rPr>
+                <a:t>//</a:t>
+              </a:r>
+              <a:r>
+                <a:rPr lang="en-GB" sz="1600" dirty="0">
+                  <a:solidFill>
+                    <a:schemeClr val="accent6">
+                      <a:lumMod val="75000"/>
+                    </a:schemeClr>
+                  </a:solidFill>
+                  <a:latin typeface="Inconsolata" pitchFamily="49" charset="77"/>
+                  <a:ea typeface="Inconsolata" pitchFamily="49" charset="77"/>
+                  <a:cs typeface="Calibri" panose="020F0502020204030204"/>
+                </a:rPr>
+                <a:t> Write the </a:t>
+              </a:r>
+              <a:r>
+                <a:rPr lang="en-GB" sz="1600" b="1" dirty="0" err="1">
+                  <a:solidFill>
+                    <a:schemeClr val="accent6">
+                      <a:lumMod val="75000"/>
+                    </a:schemeClr>
+                  </a:solidFill>
+                  <a:latin typeface="Inconsolata" pitchFamily="49" charset="77"/>
+                  <a:ea typeface="Inconsolata" pitchFamily="49" charset="77"/>
+                  <a:cs typeface="Calibri" panose="020F0502020204030204"/>
+                </a:rPr>
+                <a:t>dll’s</a:t>
+              </a:r>
+              <a:r>
+                <a:rPr lang="en-GB" sz="1600" b="1" dirty="0">
+                  <a:solidFill>
+                    <a:schemeClr val="accent6">
+                      <a:lumMod val="75000"/>
+                    </a:schemeClr>
+                  </a:solidFill>
+                  <a:latin typeface="Inconsolata" pitchFamily="49" charset="77"/>
+                  <a:ea typeface="Inconsolata" pitchFamily="49" charset="77"/>
+                  <a:cs typeface="Calibri" panose="020F0502020204030204"/>
+                </a:rPr>
+                <a:t> path string </a:t>
+              </a:r>
+              <a:r>
+                <a:rPr lang="en-GB" sz="1600" dirty="0">
+                  <a:solidFill>
+                    <a:schemeClr val="accent6">
+                      <a:lumMod val="75000"/>
+                    </a:schemeClr>
+                  </a:solidFill>
+                  <a:latin typeface="Inconsolata" pitchFamily="49" charset="77"/>
+                  <a:ea typeface="Inconsolata" pitchFamily="49" charset="77"/>
+                  <a:cs typeface="Calibri" panose="020F0502020204030204"/>
+                </a:rPr>
+                <a:t>into memory</a:t>
+              </a:r>
+              <a:endParaRPr lang="en-US" sz="1600" b="1" dirty="0" err="1">
+                <a:solidFill>
+                  <a:schemeClr val="accent6">
+                    <a:lumMod val="75000"/>
+                  </a:schemeClr>
+                </a:solidFill>
+                <a:latin typeface="Inconsolata" pitchFamily="49" charset="77"/>
+                <a:ea typeface="Inconsolata" pitchFamily="49" charset="77"/>
+              </a:endParaRPr>
+            </a:p>
+          </p:txBody>
+        </p:sp>
+        <p:cxnSp>
+          <p:nvCxnSpPr>
+            <p:cNvPr id="141" name="Straight Connector 140">
+              <a:extLst>
+                <a:ext uri="{FF2B5EF4-FFF2-40B4-BE49-F238E27FC236}">
+                  <a16:creationId xmlns:a16="http://schemas.microsoft.com/office/drawing/2014/main" id="{19BAE356-1075-1845-BC13-B6ABDC0D2981}"/>
+                </a:ext>
+              </a:extLst>
+            </p:cNvPr>
+            <p:cNvCxnSpPr>
+              <a:cxnSpLocks/>
+            </p:cNvCxnSpPr>
+            <p:nvPr/>
+          </p:nvCxnSpPr>
+          <p:spPr>
+            <a:xfrm>
+              <a:off x="6575777" y="4815578"/>
+              <a:ext cx="4427503" cy="3603"/>
+            </a:xfrm>
+            <a:prstGeom prst="line">
+              <a:avLst/>
+            </a:prstGeom>
+            <a:ln>
+              <a:solidFill>
+                <a:schemeClr val="accent6">
+                  <a:lumMod val="75000"/>
+                </a:schemeClr>
+              </a:solidFill>
+              <a:prstDash val="sysDash"/>
+            </a:ln>
+          </p:spPr>
+          <p:style>
+            <a:lnRef idx="1">
+              <a:schemeClr val="accent1"/>
+            </a:lnRef>
+            <a:fillRef idx="0">
+              <a:schemeClr val="accent1"/>
+            </a:fillRef>
+            <a:effectRef idx="0">
+              <a:schemeClr val="accent1"/>
+            </a:effectRef>
+            <a:fontRef idx="minor">
+              <a:schemeClr val="tx1"/>
+            </a:fontRef>
+          </p:style>
+        </p:cxnSp>
+      </p:grpSp>
+      <p:sp>
+        <p:nvSpPr>
+          <p:cNvPr id="144" name="TextBox 143">
+            <a:extLst>
+              <a:ext uri="{FF2B5EF4-FFF2-40B4-BE49-F238E27FC236}">
+                <a16:creationId xmlns:a16="http://schemas.microsoft.com/office/drawing/2014/main" id="{56F33CBC-E497-794B-9E50-9E3022F3DF7E}"/>
+              </a:ext>
+            </a:extLst>
+          </p:cNvPr>
+          <p:cNvSpPr txBox="1"/>
+          <p:nvPr/>
+        </p:nvSpPr>
+        <p:spPr>
+          <a:xfrm>
+            <a:off x="4555350" y="5520865"/>
+            <a:ext cx="2398889" cy="338554"/>
+          </a:xfrm>
+          <a:prstGeom prst="rect">
+            <a:avLst/>
+          </a:prstGeom>
+          <a:solidFill>
+            <a:schemeClr val="accent4">
+              <a:lumMod val="20000"/>
+              <a:lumOff val="80000"/>
+            </a:schemeClr>
+          </a:solidFill>
+          <a:ln>
+            <a:extLst>
+              <a:ext uri="{C807C97D-BFC1-408E-A445-0C87EB9F89A2}">
+                <ask:lineSketchStyleProps xmlns:ask="http://schemas.microsoft.com/office/drawing/2018/sketchyshapes">
+                  <ask:type>
+                    <ask:lineSketchFreehand/>
+                  </ask:type>
+                </ask:lineSketchStyleProps>
+              </a:ext>
+            </a:extLst>
+          </a:ln>
+        </p:spPr>
+        <p:style>
+          <a:lnRef idx="2">
+            <a:schemeClr val="accent4"/>
+          </a:lnRef>
+          <a:fillRef idx="1">
+            <a:schemeClr val="lt1"/>
+          </a:fillRef>
+          <a:effectRef idx="0">
+            <a:schemeClr val="accent4"/>
+          </a:effectRef>
+          <a:fontRef idx="minor">
+            <a:schemeClr val="dk1"/>
+          </a:fontRef>
+        </p:style>
+        <p:txBody>
+          <a:bodyPr rot="0" spcFirstLastPara="0" vertOverflow="overflow" horzOverflow="overflow" vert="horz" wrap="square" lIns="91440" tIns="45720" rIns="91440" bIns="45720" numCol="1" spcCol="0" rtlCol="0" fromWordArt="0" anchor="t" anchorCtr="0" forceAA="0" compatLnSpc="1">
+            <a:spAutoFit/>
+          </a:bodyPr>
+          <a:lstStyle>
+            <a:defPPr>
+              <a:defRPr lang="en-US"/>
+            </a:defPPr>
+            <a:lvl1pPr algn="ctr">
+              <a:defRPr sz="1600">
+                <a:solidFill>
+                  <a:schemeClr val="accent4">
+                    <a:lumMod val="50000"/>
+                  </a:schemeClr>
+                </a:solidFill>
+                <a:latin typeface="Inconsolata" pitchFamily="49" charset="77"/>
+                <a:ea typeface="Inconsolata" pitchFamily="49" charset="77"/>
+              </a:defRPr>
+            </a:lvl1pPr>
+          </a:lstStyle>
+          <a:p>
+            <a:r>
+              <a:rPr lang="en-GB"/>
+              <a:t>CloseHandle()​</a:t>
+            </a:r>
+            <a:endParaRPr lang="en-GB" dirty="0"/>
+          </a:p>
+        </p:txBody>
+      </p:sp>
+      <p:grpSp>
+        <p:nvGrpSpPr>
+          <p:cNvPr id="40" name="Group 39">
+            <a:extLst>
+              <a:ext uri="{FF2B5EF4-FFF2-40B4-BE49-F238E27FC236}">
+                <a16:creationId xmlns:a16="http://schemas.microsoft.com/office/drawing/2014/main" id="{C0441EF7-CF55-9143-9CF7-CFC40ABE66D3}"/>
+              </a:ext>
+            </a:extLst>
+          </p:cNvPr>
+          <p:cNvGrpSpPr/>
+          <p:nvPr/>
+        </p:nvGrpSpPr>
+        <p:grpSpPr>
+          <a:xfrm>
+            <a:off x="6350811" y="172259"/>
+            <a:ext cx="5856974" cy="604311"/>
+            <a:chOff x="7228086" y="2628348"/>
+            <a:chExt cx="5856974" cy="604311"/>
+          </a:xfrm>
+        </p:grpSpPr>
+        <p:sp>
+          <p:nvSpPr>
+            <p:cNvPr id="41" name="TextBox 40">
+              <a:extLst>
+                <a:ext uri="{FF2B5EF4-FFF2-40B4-BE49-F238E27FC236}">
+                  <a16:creationId xmlns:a16="http://schemas.microsoft.com/office/drawing/2014/main" id="{496753C1-5765-7544-9FFB-48E1117D8A24}"/>
+                </a:ext>
+              </a:extLst>
+            </p:cNvPr>
+            <p:cNvSpPr txBox="1"/>
+            <p:nvPr/>
+          </p:nvSpPr>
+          <p:spPr>
+            <a:xfrm>
+              <a:off x="7714748" y="2628348"/>
+              <a:ext cx="5370312" cy="584775"/>
+            </a:xfrm>
+            <a:prstGeom prst="rect">
+              <a:avLst/>
+            </a:prstGeom>
+            <a:noFill/>
+            <a:ln>
+              <a:noFill/>
+            </a:ln>
+          </p:spPr>
+          <p:style>
+            <a:lnRef idx="2">
+              <a:schemeClr val="accent5"/>
+            </a:lnRef>
+            <a:fillRef idx="1">
+              <a:schemeClr val="lt1"/>
+            </a:fillRef>
+            <a:effectRef idx="0">
+              <a:schemeClr val="accent5"/>
+            </a:effectRef>
+            <a:fontRef idx="minor">
+              <a:schemeClr val="dk1"/>
+            </a:fontRef>
+          </p:style>
+          <p:txBody>
+            <a:bodyPr rot="0" spcFirstLastPara="0" vertOverflow="overflow" horzOverflow="overflow" vert="horz" wrap="square" lIns="91440" tIns="45720" rIns="91440" bIns="45720" numCol="1" spcCol="0" rtlCol="0" fromWordArt="0" anchor="t" anchorCtr="0" forceAA="0" compatLnSpc="1">
+              <a:spAutoFit/>
+            </a:bodyPr>
+            <a:lstStyle/>
+            <a:p>
+              <a:r>
+                <a:rPr lang="en-GB" sz="1600" dirty="0">
+                  <a:solidFill>
+                    <a:schemeClr val="accent6">
+                      <a:lumMod val="75000"/>
+                    </a:schemeClr>
+                  </a:solidFill>
+                  <a:latin typeface="Inconsolata" pitchFamily="49" charset="77"/>
+                  <a:ea typeface="Inconsolata" pitchFamily="49" charset="77"/>
+                </a:rPr>
+                <a:t>//</a:t>
+              </a:r>
+              <a:r>
+                <a:rPr lang="en-GB" sz="1600" dirty="0">
+                  <a:solidFill>
+                    <a:schemeClr val="accent6">
+                      <a:lumMod val="75000"/>
+                    </a:schemeClr>
+                  </a:solidFill>
+                  <a:latin typeface="Inconsolata" pitchFamily="49" charset="77"/>
+                  <a:ea typeface="Inconsolata" pitchFamily="49" charset="77"/>
+                  <a:cs typeface="Calibri" panose="020F0502020204030204"/>
+                </a:rPr>
+                <a:t> Enumerate top-level window and find the one, whose name matches the specified string.</a:t>
+              </a:r>
+              <a:endParaRPr lang="en-US" sz="1600" dirty="0" err="1">
+                <a:solidFill>
+                  <a:schemeClr val="accent6">
+                    <a:lumMod val="75000"/>
+                  </a:schemeClr>
+                </a:solidFill>
+                <a:latin typeface="Inconsolata" pitchFamily="49" charset="77"/>
+                <a:ea typeface="Inconsolata" pitchFamily="49" charset="77"/>
+              </a:endParaRPr>
+            </a:p>
+          </p:txBody>
+        </p:sp>
+        <p:cxnSp>
+          <p:nvCxnSpPr>
+            <p:cNvPr id="42" name="Straight Connector 41">
+              <a:extLst>
+                <a:ext uri="{FF2B5EF4-FFF2-40B4-BE49-F238E27FC236}">
+                  <a16:creationId xmlns:a16="http://schemas.microsoft.com/office/drawing/2014/main" id="{C4AC1886-A69F-624B-B13E-875D5EC522D9}"/>
+                </a:ext>
+              </a:extLst>
+            </p:cNvPr>
+            <p:cNvCxnSpPr>
+              <a:cxnSpLocks/>
+            </p:cNvCxnSpPr>
+            <p:nvPr/>
+          </p:nvCxnSpPr>
+          <p:spPr>
+            <a:xfrm>
+              <a:off x="7228086" y="3232659"/>
+              <a:ext cx="3507081" cy="0"/>
+            </a:xfrm>
+            <a:prstGeom prst="line">
+              <a:avLst/>
+            </a:prstGeom>
+            <a:ln>
+              <a:solidFill>
+                <a:schemeClr val="accent6">
+                  <a:lumMod val="75000"/>
+                </a:schemeClr>
+              </a:solidFill>
+              <a:prstDash val="sysDash"/>
+            </a:ln>
+          </p:spPr>
+          <p:style>
+            <a:lnRef idx="1">
+              <a:schemeClr val="accent1"/>
+            </a:lnRef>
+            <a:fillRef idx="0">
+              <a:schemeClr val="accent1"/>
+            </a:fillRef>
+            <a:effectRef idx="0">
+              <a:schemeClr val="accent1"/>
+            </a:effectRef>
+            <a:fontRef idx="minor">
+              <a:schemeClr val="tx1"/>
+            </a:fontRef>
+          </p:style>
+        </p:cxnSp>
+      </p:grpSp>
+      <p:cxnSp>
+        <p:nvCxnSpPr>
+          <p:cNvPr id="49" name="Straight Connector 48">
+            <a:extLst>
+              <a:ext uri="{FF2B5EF4-FFF2-40B4-BE49-F238E27FC236}">
+                <a16:creationId xmlns:a16="http://schemas.microsoft.com/office/drawing/2014/main" id="{17EF8B2A-C109-CD43-A0E1-53AE268246D8}"/>
+              </a:ext>
+            </a:extLst>
+          </p:cNvPr>
+          <p:cNvCxnSpPr>
+            <a:cxnSpLocks/>
+          </p:cNvCxnSpPr>
+          <p:nvPr/>
+        </p:nvCxnSpPr>
+        <p:spPr>
+          <a:xfrm>
+            <a:off x="5555709" y="5882060"/>
+            <a:ext cx="4427503" cy="3603"/>
+          </a:xfrm>
+          <a:prstGeom prst="line">
+            <a:avLst/>
+          </a:prstGeom>
+          <a:ln>
+            <a:solidFill>
+              <a:schemeClr val="accent6">
+                <a:lumMod val="75000"/>
+              </a:schemeClr>
+            </a:solidFill>
+            <a:prstDash val="sysDash"/>
+          </a:ln>
+        </p:spPr>
+        <p:style>
+          <a:lnRef idx="1">
+            <a:schemeClr val="accent1"/>
+          </a:lnRef>
+          <a:fillRef idx="0">
+            <a:schemeClr val="accent1"/>
+          </a:fillRef>
+          <a:effectRef idx="0">
+            <a:schemeClr val="accent1"/>
+          </a:effectRef>
+          <a:fontRef idx="minor">
+            <a:schemeClr val="tx1"/>
+          </a:fontRef>
+        </p:style>
+      </p:cxnSp>
+    </p:spTree>
+    <p:extLst>
+      <p:ext uri="{BB962C8B-B14F-4D97-AF65-F5344CB8AC3E}">
+        <p14:creationId xmlns:p14="http://schemas.microsoft.com/office/powerpoint/2010/main" val="4248036490"/>
+      </p:ext>
+    </p:extLst>
+  </p:cSld>
+  <p:clrMapOvr>
+    <a:masterClrMapping/>
+  </p:clrMapOvr>
+</p:sld>
+</file>
+
+<file path=ppt/slides/slide32.xml><?xml version="1.0" encoding="utf-8"?>
+<p:sld xmlns:a="http://schemas.openxmlformats.org/drawingml/2006/main" xmlns:r="http://schemas.openxmlformats.org/officeDocument/2006/relationships" xmlns:p="http://schemas.openxmlformats.org/presentationml/2006/main">
+  <p:cSld>
+    <p:spTree>
+      <p:nvGrpSpPr>
+        <p:cNvPr id="1" name=""/>
+        <p:cNvGrpSpPr/>
+        <p:nvPr/>
+      </p:nvGrpSpPr>
+      <p:grpSpPr>
+        <a:xfrm>
+          <a:off x="0" y="0"/>
+          <a:ext cx="0" cy="0"/>
+          <a:chOff x="0" y="0"/>
+          <a:chExt cx="0" cy="0"/>
+        </a:xfrm>
+      </p:grpSpPr>
+      <p:sp>
+        <p:nvSpPr>
+          <p:cNvPr id="3" name="TextBox 1"/>
+          <p:cNvSpPr txBox="1"/>
+          <p:nvPr/>
+        </p:nvSpPr>
+        <p:spPr>
+          <a:xfrm>
+            <a:off x="374834" y="2914463"/>
+            <a:ext cx="11274939" cy="338554"/>
+          </a:xfrm>
+          <a:prstGeom prst="rect">
+            <a:avLst/>
+          </a:prstGeom>
+          <a:ln>
+            <a:noFill/>
+          </a:ln>
+        </p:spPr>
+        <p:style>
+          <a:lnRef idx="2">
+            <a:schemeClr val="accent5"/>
+          </a:lnRef>
+          <a:fillRef idx="1">
+            <a:schemeClr val="lt1"/>
+          </a:fillRef>
+          <a:effectRef idx="0">
+            <a:schemeClr val="accent5"/>
+          </a:effectRef>
+          <a:fontRef idx="minor">
+            <a:schemeClr val="dk1"/>
+          </a:fontRef>
+        </p:style>
+        <p:txBody>
+          <a:bodyPr rot="0" spcFirstLastPara="0" vert="horz" wrap="square" lIns="91440" tIns="45720" rIns="91440" bIns="45720" numCol="1" spcCol="0" rtlCol="0" fromWordArt="0" anchor="t" anchorCtr="0" forceAA="0" compatLnSpc="1">
+            <a:spAutoFit/>
+          </a:bodyPr>
+          <a:lstStyle>
+            <a:defPPr>
+              <a:defRPr lang="en-US"/>
+            </a:defPPr>
+            <a:lvl1pPr marL="0" algn="l" defTabSz="914400" rtl="0" eaLnBrk="1" latinLnBrk="0" hangingPunct="1">
+              <a:defRPr sz="1800" kern="1200">
+                <a:solidFill>
+                  <a:schemeClr val="dk1"/>
+                </a:solidFill>
+                <a:latin typeface="+mn-lt"/>
+                <a:ea typeface="+mn-ea"/>
+                <a:cs typeface="+mn-cs"/>
+              </a:defRPr>
+            </a:lvl1pPr>
+            <a:lvl2pPr marL="457200" algn="l" defTabSz="914400" rtl="0" eaLnBrk="1" latinLnBrk="0" hangingPunct="1">
+              <a:defRPr sz="1800" kern="1200">
+                <a:solidFill>
+                  <a:schemeClr val="dk1"/>
+                </a:solidFill>
+                <a:latin typeface="+mn-lt"/>
+                <a:ea typeface="+mn-ea"/>
+                <a:cs typeface="+mn-cs"/>
+              </a:defRPr>
+            </a:lvl2pPr>
+            <a:lvl3pPr marL="914400" algn="l" defTabSz="914400" rtl="0" eaLnBrk="1" latinLnBrk="0" hangingPunct="1">
+              <a:defRPr sz="1800" kern="1200">
+                <a:solidFill>
+                  <a:schemeClr val="dk1"/>
+                </a:solidFill>
+                <a:latin typeface="+mn-lt"/>
+                <a:ea typeface="+mn-ea"/>
+                <a:cs typeface="+mn-cs"/>
+              </a:defRPr>
+            </a:lvl3pPr>
+            <a:lvl4pPr marL="1371600" algn="l" defTabSz="914400" rtl="0" eaLnBrk="1" latinLnBrk="0" hangingPunct="1">
+              <a:defRPr sz="1800" kern="1200">
+                <a:solidFill>
+                  <a:schemeClr val="dk1"/>
+                </a:solidFill>
+                <a:latin typeface="+mn-lt"/>
+                <a:ea typeface="+mn-ea"/>
+                <a:cs typeface="+mn-cs"/>
+              </a:defRPr>
+            </a:lvl4pPr>
+            <a:lvl5pPr marL="1828800" algn="l" defTabSz="914400" rtl="0" eaLnBrk="1" latinLnBrk="0" hangingPunct="1">
+              <a:defRPr sz="1800" kern="1200">
+                <a:solidFill>
+                  <a:schemeClr val="dk1"/>
+                </a:solidFill>
+                <a:latin typeface="+mn-lt"/>
+                <a:ea typeface="+mn-ea"/>
+                <a:cs typeface="+mn-cs"/>
+              </a:defRPr>
+            </a:lvl5pPr>
+            <a:lvl6pPr marL="2286000" algn="l" defTabSz="914400" rtl="0" eaLnBrk="1" latinLnBrk="0" hangingPunct="1">
+              <a:defRPr sz="1800" kern="1200">
+                <a:solidFill>
+                  <a:schemeClr val="dk1"/>
+                </a:solidFill>
+                <a:latin typeface="+mn-lt"/>
+                <a:ea typeface="+mn-ea"/>
+                <a:cs typeface="+mn-cs"/>
+              </a:defRPr>
+            </a:lvl6pPr>
+            <a:lvl7pPr marL="2743200" algn="l" defTabSz="914400" rtl="0" eaLnBrk="1" latinLnBrk="0" hangingPunct="1">
+              <a:defRPr sz="1800" kern="1200">
+                <a:solidFill>
+                  <a:schemeClr val="dk1"/>
+                </a:solidFill>
+                <a:latin typeface="+mn-lt"/>
+                <a:ea typeface="+mn-ea"/>
+                <a:cs typeface="+mn-cs"/>
+              </a:defRPr>
+            </a:lvl7pPr>
+            <a:lvl8pPr marL="3200400" algn="l" defTabSz="914400" rtl="0" eaLnBrk="1" latinLnBrk="0" hangingPunct="1">
+              <a:defRPr sz="1800" kern="1200">
+                <a:solidFill>
+                  <a:schemeClr val="dk1"/>
+                </a:solidFill>
+                <a:latin typeface="+mn-lt"/>
+                <a:ea typeface="+mn-ea"/>
+                <a:cs typeface="+mn-cs"/>
+              </a:defRPr>
+            </a:lvl8pPr>
+            <a:lvl9pPr marL="3657600" algn="l" defTabSz="914400" rtl="0" eaLnBrk="1" latinLnBrk="0" hangingPunct="1">
+              <a:defRPr sz="1800" kern="1200">
+                <a:solidFill>
+                  <a:schemeClr val="dk1"/>
+                </a:solidFill>
+                <a:latin typeface="+mn-lt"/>
+                <a:ea typeface="+mn-ea"/>
+                <a:cs typeface="+mn-cs"/>
+              </a:defRPr>
+            </a:lvl9pPr>
+          </a:lstStyle>
+          <a:p>
+            <a:pPr algn="ctr"/>
+            <a:r>
+              <a:rPr lang="en-GB" sz="1600" dirty="0" err="1">
+                <a:solidFill>
+                  <a:schemeClr val="accent5">
+                    <a:lumMod val="75000"/>
+                  </a:schemeClr>
+                </a:solidFill>
+                <a:latin typeface="Inconsolata" pitchFamily="49" charset="77"/>
+                <a:ea typeface="Inconsolata" pitchFamily="49" charset="77"/>
+                <a:cs typeface="Calibri" panose="020F0502020204030204"/>
+              </a:rPr>
+              <a:t>CreateRemoteThread</a:t>
+            </a:r>
+            <a:r>
+              <a:rPr lang="en-GB" sz="1600" dirty="0">
+                <a:solidFill>
+                  <a:schemeClr val="accent5">
+                    <a:lumMod val="75000"/>
+                  </a:schemeClr>
+                </a:solidFill>
+                <a:latin typeface="Inconsolata" pitchFamily="49" charset="77"/>
+                <a:ea typeface="Inconsolata" pitchFamily="49" charset="77"/>
+                <a:cs typeface="Calibri" panose="020F0502020204030204"/>
+              </a:rPr>
+              <a:t>(</a:t>
+            </a:r>
+            <a:r>
+              <a:rPr lang="en-GB" sz="1600" dirty="0" err="1">
+                <a:solidFill>
+                  <a:schemeClr val="accent2">
+                    <a:lumMod val="75000"/>
+                  </a:schemeClr>
+                </a:solidFill>
+                <a:latin typeface="Inconsolata" pitchFamily="49" charset="77"/>
+                <a:ea typeface="Inconsolata" pitchFamily="49" charset="77"/>
+                <a:cs typeface="Calibri" panose="020F0502020204030204"/>
+              </a:rPr>
+              <a:t>process_handle</a:t>
+            </a:r>
+            <a:r>
+              <a:rPr lang="en-GB" sz="1600" dirty="0">
+                <a:solidFill>
+                  <a:schemeClr val="accent5">
+                    <a:lumMod val="75000"/>
+                  </a:schemeClr>
+                </a:solidFill>
+                <a:latin typeface="Inconsolata" pitchFamily="49" charset="77"/>
+                <a:ea typeface="Inconsolata" pitchFamily="49" charset="77"/>
+                <a:cs typeface="Calibri" panose="020F0502020204030204"/>
+              </a:rPr>
+              <a:t>, …, …, </a:t>
+            </a:r>
+            <a:r>
+              <a:rPr lang="en-GB" sz="1600" dirty="0" err="1">
+                <a:solidFill>
+                  <a:schemeClr val="accent5">
+                    <a:lumMod val="75000"/>
+                  </a:schemeClr>
+                </a:solidFill>
+                <a:latin typeface="Inconsolata" pitchFamily="49" charset="77"/>
+                <a:ea typeface="Inconsolata" pitchFamily="49" charset="77"/>
+                <a:cs typeface="Calibri" panose="020F0502020204030204"/>
+              </a:rPr>
+              <a:t>address_LoadLibrary</a:t>
+            </a:r>
+            <a:r>
+              <a:rPr lang="en-GB" sz="1600" dirty="0">
+                <a:solidFill>
+                  <a:schemeClr val="accent5">
+                    <a:lumMod val="75000"/>
+                  </a:schemeClr>
+                </a:solidFill>
+                <a:latin typeface="Inconsolata" pitchFamily="49" charset="77"/>
+                <a:ea typeface="Inconsolata" pitchFamily="49" charset="77"/>
+                <a:cs typeface="Calibri" panose="020F0502020204030204"/>
+              </a:rPr>
+              <a:t>(), </a:t>
+            </a:r>
+            <a:r>
+              <a:rPr lang="en-GB" sz="1600" dirty="0">
+                <a:solidFill>
+                  <a:schemeClr val="accent6">
+                    <a:lumMod val="75000"/>
+                  </a:schemeClr>
+                </a:solidFill>
+                <a:latin typeface="Inconsolata" pitchFamily="49" charset="77"/>
+                <a:ea typeface="Inconsolata" pitchFamily="49" charset="77"/>
+                <a:cs typeface="Calibri" panose="020F0502020204030204"/>
+              </a:rPr>
+              <a:t>"С:/</a:t>
+            </a:r>
+            <a:r>
+              <a:rPr lang="en-GB" sz="1600" dirty="0" err="1">
+                <a:solidFill>
+                  <a:schemeClr val="accent6">
+                    <a:lumMod val="75000"/>
+                  </a:schemeClr>
+                </a:solidFill>
+                <a:latin typeface="Inconsolata" pitchFamily="49" charset="77"/>
+                <a:ea typeface="Inconsolata" pitchFamily="49" charset="77"/>
+                <a:cs typeface="Calibri" panose="020F0502020204030204"/>
+              </a:rPr>
+              <a:t>MyDocs</a:t>
+            </a:r>
+            <a:r>
+              <a:rPr lang="en-GB" sz="1600" dirty="0">
+                <a:solidFill>
+                  <a:schemeClr val="accent6">
+                    <a:lumMod val="75000"/>
+                  </a:schemeClr>
+                </a:solidFill>
+                <a:latin typeface="Inconsolata" pitchFamily="49" charset="77"/>
+                <a:ea typeface="Inconsolata" pitchFamily="49" charset="77"/>
+                <a:cs typeface="Calibri" panose="020F0502020204030204"/>
+              </a:rPr>
+              <a:t>/mal.dll"</a:t>
+            </a:r>
+            <a:r>
+              <a:rPr lang="en-GB" sz="1600" dirty="0">
+                <a:solidFill>
+                  <a:schemeClr val="accent5">
+                    <a:lumMod val="75000"/>
+                  </a:schemeClr>
+                </a:solidFill>
+                <a:latin typeface="Inconsolata" pitchFamily="49" charset="77"/>
+                <a:ea typeface="Inconsolata" pitchFamily="49" charset="77"/>
+                <a:cs typeface="Calibri" panose="020F0502020204030204"/>
+              </a:rPr>
+              <a:t>, …, …)</a:t>
+            </a:r>
+          </a:p>
+        </p:txBody>
+      </p:sp>
+      <p:sp>
+        <p:nvSpPr>
+          <p:cNvPr id="5" name="TextBox 4"/>
+          <p:cNvSpPr txBox="1"/>
+          <p:nvPr/>
+        </p:nvSpPr>
+        <p:spPr>
+          <a:xfrm>
+            <a:off x="1142653" y="4973199"/>
+            <a:ext cx="2743200" cy="338554"/>
+          </a:xfrm>
+          <a:custGeom>
+            <a:avLst/>
+            <a:gdLst>
+              <a:gd name="connsiteX0" fmla="*/ 0 w 2743200"/>
+              <a:gd name="connsiteY0" fmla="*/ 0 h 338554"/>
+              <a:gd name="connsiteX1" fmla="*/ 658368 w 2743200"/>
+              <a:gd name="connsiteY1" fmla="*/ 0 h 338554"/>
+              <a:gd name="connsiteX2" fmla="*/ 1344168 w 2743200"/>
+              <a:gd name="connsiteY2" fmla="*/ 0 h 338554"/>
+              <a:gd name="connsiteX3" fmla="*/ 2029968 w 2743200"/>
+              <a:gd name="connsiteY3" fmla="*/ 0 h 338554"/>
+              <a:gd name="connsiteX4" fmla="*/ 2743200 w 2743200"/>
+              <a:gd name="connsiteY4" fmla="*/ 0 h 338554"/>
+              <a:gd name="connsiteX5" fmla="*/ 2743200 w 2743200"/>
+              <a:gd name="connsiteY5" fmla="*/ 338554 h 338554"/>
+              <a:gd name="connsiteX6" fmla="*/ 2057400 w 2743200"/>
+              <a:gd name="connsiteY6" fmla="*/ 338554 h 338554"/>
+              <a:gd name="connsiteX7" fmla="*/ 1426464 w 2743200"/>
+              <a:gd name="connsiteY7" fmla="*/ 338554 h 338554"/>
+              <a:gd name="connsiteX8" fmla="*/ 795528 w 2743200"/>
+              <a:gd name="connsiteY8" fmla="*/ 338554 h 338554"/>
+              <a:gd name="connsiteX9" fmla="*/ 0 w 2743200"/>
+              <a:gd name="connsiteY9" fmla="*/ 338554 h 338554"/>
+              <a:gd name="connsiteX10" fmla="*/ 0 w 2743200"/>
+              <a:gd name="connsiteY10" fmla="*/ 0 h 338554"/>
+            </a:gdLst>
+            <a:ahLst/>
+            <a:cxnLst>
+              <a:cxn ang="0">
+                <a:pos x="connsiteX0" y="connsiteY0"/>
+              </a:cxn>
+              <a:cxn ang="0">
+                <a:pos x="connsiteX1" y="connsiteY1"/>
+              </a:cxn>
+              <a:cxn ang="0">
+                <a:pos x="connsiteX2" y="connsiteY2"/>
+              </a:cxn>
+              <a:cxn ang="0">
+                <a:pos x="connsiteX3" y="connsiteY3"/>
+              </a:cxn>
+              <a:cxn ang="0">
+                <a:pos x="connsiteX4" y="connsiteY4"/>
+              </a:cxn>
+              <a:cxn ang="0">
+                <a:pos x="connsiteX5" y="connsiteY5"/>
+              </a:cxn>
+              <a:cxn ang="0">
+                <a:pos x="connsiteX6" y="connsiteY6"/>
+              </a:cxn>
+              <a:cxn ang="0">
+                <a:pos x="connsiteX7" y="connsiteY7"/>
+              </a:cxn>
+              <a:cxn ang="0">
+                <a:pos x="connsiteX8" y="connsiteY8"/>
+              </a:cxn>
+              <a:cxn ang="0">
+                <a:pos x="connsiteX9" y="connsiteY9"/>
+              </a:cxn>
+              <a:cxn ang="0">
+                <a:pos x="connsiteX10" y="connsiteY10"/>
+              </a:cxn>
+            </a:cxnLst>
+            <a:rect l="l" t="t" r="r" b="b"/>
+            <a:pathLst>
+              <a:path w="2743200" h="338554" fill="none" extrusionOk="0">
+                <a:moveTo>
+                  <a:pt x="0" y="0"/>
+                </a:moveTo>
+                <a:cubicBezTo>
+                  <a:pt x="207213" y="24167"/>
+                  <a:pt x="518302" y="-2177"/>
+                  <a:pt x="658368" y="0"/>
+                </a:cubicBezTo>
+                <a:cubicBezTo>
+                  <a:pt x="798434" y="2177"/>
+                  <a:pt x="1050830" y="30149"/>
+                  <a:pt x="1344168" y="0"/>
+                </a:cubicBezTo>
+                <a:cubicBezTo>
+                  <a:pt x="1637506" y="-30149"/>
+                  <a:pt x="1693051" y="-19583"/>
+                  <a:pt x="2029968" y="0"/>
+                </a:cubicBezTo>
+                <a:cubicBezTo>
+                  <a:pt x="2366885" y="19583"/>
+                  <a:pt x="2513074" y="-14555"/>
+                  <a:pt x="2743200" y="0"/>
+                </a:cubicBezTo>
+                <a:cubicBezTo>
+                  <a:pt x="2740678" y="121961"/>
+                  <a:pt x="2736997" y="264573"/>
+                  <a:pt x="2743200" y="338554"/>
+                </a:cubicBezTo>
+                <a:cubicBezTo>
+                  <a:pt x="2483903" y="313714"/>
+                  <a:pt x="2283711" y="352468"/>
+                  <a:pt x="2057400" y="338554"/>
+                </a:cubicBezTo>
+                <a:cubicBezTo>
+                  <a:pt x="1831089" y="324640"/>
+                  <a:pt x="1611770" y="351603"/>
+                  <a:pt x="1426464" y="338554"/>
+                </a:cubicBezTo>
+                <a:cubicBezTo>
+                  <a:pt x="1241158" y="325505"/>
+                  <a:pt x="1037233" y="359485"/>
+                  <a:pt x="795528" y="338554"/>
+                </a:cubicBezTo>
+                <a:cubicBezTo>
+                  <a:pt x="553823" y="317623"/>
+                  <a:pt x="254636" y="355299"/>
+                  <a:pt x="0" y="338554"/>
+                </a:cubicBezTo>
+                <a:cubicBezTo>
+                  <a:pt x="-5208" y="176273"/>
+                  <a:pt x="9892" y="90267"/>
+                  <a:pt x="0" y="0"/>
+                </a:cubicBezTo>
+                <a:close/>
+              </a:path>
+              <a:path w="2743200" h="338554" stroke="0" extrusionOk="0">
+                <a:moveTo>
+                  <a:pt x="0" y="0"/>
+                </a:moveTo>
+                <a:cubicBezTo>
+                  <a:pt x="200805" y="10067"/>
+                  <a:pt x="464296" y="-10669"/>
+                  <a:pt x="658368" y="0"/>
+                </a:cubicBezTo>
+                <a:cubicBezTo>
+                  <a:pt x="852440" y="10669"/>
+                  <a:pt x="1001819" y="-17937"/>
+                  <a:pt x="1261872" y="0"/>
+                </a:cubicBezTo>
+                <a:cubicBezTo>
+                  <a:pt x="1521925" y="17937"/>
+                  <a:pt x="1832626" y="15877"/>
+                  <a:pt x="2002536" y="0"/>
+                </a:cubicBezTo>
+                <a:cubicBezTo>
+                  <a:pt x="2172446" y="-15877"/>
+                  <a:pt x="2420377" y="-12782"/>
+                  <a:pt x="2743200" y="0"/>
+                </a:cubicBezTo>
+                <a:cubicBezTo>
+                  <a:pt x="2743847" y="85468"/>
+                  <a:pt x="2741172" y="270253"/>
+                  <a:pt x="2743200" y="338554"/>
+                </a:cubicBezTo>
+                <a:cubicBezTo>
+                  <a:pt x="2566379" y="329337"/>
+                  <a:pt x="2351736" y="337399"/>
+                  <a:pt x="2112264" y="338554"/>
+                </a:cubicBezTo>
+                <a:cubicBezTo>
+                  <a:pt x="1872792" y="339709"/>
+                  <a:pt x="1617798" y="329014"/>
+                  <a:pt x="1481328" y="338554"/>
+                </a:cubicBezTo>
+                <a:cubicBezTo>
+                  <a:pt x="1344858" y="348094"/>
+                  <a:pt x="1044524" y="351541"/>
+                  <a:pt x="740664" y="338554"/>
+                </a:cubicBezTo>
+                <a:cubicBezTo>
+                  <a:pt x="436804" y="325567"/>
+                  <a:pt x="220447" y="360012"/>
+                  <a:pt x="0" y="338554"/>
+                </a:cubicBezTo>
+                <a:cubicBezTo>
+                  <a:pt x="3529" y="261899"/>
+                  <a:pt x="5472" y="67847"/>
+                  <a:pt x="0" y="0"/>
+                </a:cubicBezTo>
+                <a:close/>
+              </a:path>
+            </a:pathLst>
+          </a:custGeom>
+          <a:ln>
+            <a:extLst>
+              <a:ext uri="{C807C97D-BFC1-408E-A445-0C87EB9F89A2}">
+                <ask:lineSketchStyleProps xmlns:ask="http://schemas.microsoft.com/office/drawing/2018/sketchyshapes" sd="1219033472">
+                  <a:prstGeom prst="rect">
+                    <a:avLst/>
+                  </a:prstGeom>
+                  <ask:type>
+                    <ask:lineSketchFreehand/>
+                  </ask:type>
+                </ask:lineSketchStyleProps>
+              </a:ext>
+            </a:extLst>
+          </a:ln>
+        </p:spPr>
+        <p:style>
+          <a:lnRef idx="1">
+            <a:schemeClr val="accent4"/>
+          </a:lnRef>
+          <a:fillRef idx="2">
+            <a:schemeClr val="accent4"/>
+          </a:fillRef>
+          <a:effectRef idx="1">
+            <a:schemeClr val="accent4"/>
+          </a:effectRef>
+          <a:fontRef idx="minor">
+            <a:schemeClr val="dk1"/>
+          </a:fontRef>
+        </p:style>
+        <p:txBody>
+          <a:bodyPr rot="0" spcFirstLastPara="0" vertOverflow="overflow" horzOverflow="overflow" vert="horz" wrap="square" lIns="91440" tIns="45720" rIns="91440" bIns="45720" numCol="1" spcCol="0" rtlCol="0" fromWordArt="0" anchor="t" anchorCtr="0" forceAA="0" compatLnSpc="1">
+            <a:spAutoFit/>
+          </a:bodyPr>
+          <a:lstStyle/>
+          <a:p>
+            <a:pPr algn="ctr"/>
+            <a:r>
+              <a:rPr lang="en-GB" sz="1600" dirty="0" err="1">
+                <a:solidFill>
+                  <a:schemeClr val="accent4">
+                    <a:lumMod val="50000"/>
+                  </a:schemeClr>
+                </a:solidFill>
+                <a:latin typeface="Inconsolata" pitchFamily="49" charset="77"/>
+                <a:ea typeface="Inconsolata" pitchFamily="49" charset="77"/>
+              </a:rPr>
+              <a:t>OpenProcess</a:t>
+            </a:r>
+            <a:r>
+              <a:rPr lang="en-GB" sz="1600" dirty="0">
+                <a:solidFill>
+                  <a:schemeClr val="accent4">
+                    <a:lumMod val="50000"/>
+                  </a:schemeClr>
+                </a:solidFill>
+                <a:latin typeface="Inconsolata" pitchFamily="49" charset="77"/>
+                <a:ea typeface="Inconsolata" pitchFamily="49" charset="77"/>
+                <a:cs typeface="Calibri" panose="020F0502020204030204"/>
+              </a:rPr>
+              <a:t>()</a:t>
+            </a:r>
+            <a:endParaRPr lang="en-US" sz="1600" dirty="0">
+              <a:solidFill>
+                <a:schemeClr val="accent4">
+                  <a:lumMod val="50000"/>
+                </a:schemeClr>
+              </a:solidFill>
+              <a:latin typeface="Inconsolata" pitchFamily="49" charset="77"/>
+              <a:ea typeface="Inconsolata" pitchFamily="49" charset="77"/>
+            </a:endParaRPr>
+          </a:p>
+        </p:txBody>
+      </p:sp>
+      <p:cxnSp>
+        <p:nvCxnSpPr>
+          <p:cNvPr id="6" name="Straight Arrow Connector 5"/>
+          <p:cNvCxnSpPr/>
+          <p:nvPr/>
+        </p:nvCxnSpPr>
+        <p:spPr>
+          <a:xfrm flipV="1">
+            <a:off x="2500563" y="3224463"/>
+            <a:ext cx="1345531" cy="1722521"/>
+          </a:xfrm>
+          <a:prstGeom prst="straightConnector1">
+            <a:avLst/>
+          </a:prstGeom>
+          <a:ln>
+            <a:prstDash val="dashDot"/>
+            <a:tailEnd type="triangle"/>
+          </a:ln>
+        </p:spPr>
+        <p:style>
+          <a:lnRef idx="1">
+            <a:schemeClr val="accent2"/>
+          </a:lnRef>
+          <a:fillRef idx="0">
+            <a:schemeClr val="accent2"/>
+          </a:fillRef>
+          <a:effectRef idx="0">
+            <a:schemeClr val="accent2"/>
+          </a:effectRef>
+          <a:fontRef idx="minor">
+            <a:schemeClr val="tx1"/>
+          </a:fontRef>
+        </p:style>
+      </p:cxnSp>
+      <p:sp>
+        <p:nvSpPr>
+          <p:cNvPr id="8" name="TextBox 7"/>
+          <p:cNvSpPr txBox="1"/>
+          <p:nvPr/>
+        </p:nvSpPr>
+        <p:spPr>
+          <a:xfrm>
+            <a:off x="7515776" y="1818996"/>
+            <a:ext cx="2398889" cy="338554"/>
+          </a:xfrm>
+          <a:custGeom>
+            <a:avLst/>
+            <a:gdLst>
+              <a:gd name="connsiteX0" fmla="*/ 0 w 2398889"/>
+              <a:gd name="connsiteY0" fmla="*/ 0 h 338554"/>
+              <a:gd name="connsiteX1" fmla="*/ 551744 w 2398889"/>
+              <a:gd name="connsiteY1" fmla="*/ 0 h 338554"/>
+              <a:gd name="connsiteX2" fmla="*/ 1151467 w 2398889"/>
+              <a:gd name="connsiteY2" fmla="*/ 0 h 338554"/>
+              <a:gd name="connsiteX3" fmla="*/ 1799167 w 2398889"/>
+              <a:gd name="connsiteY3" fmla="*/ 0 h 338554"/>
+              <a:gd name="connsiteX4" fmla="*/ 2398889 w 2398889"/>
+              <a:gd name="connsiteY4" fmla="*/ 0 h 338554"/>
+              <a:gd name="connsiteX5" fmla="*/ 2398889 w 2398889"/>
+              <a:gd name="connsiteY5" fmla="*/ 338554 h 338554"/>
+              <a:gd name="connsiteX6" fmla="*/ 1775178 w 2398889"/>
+              <a:gd name="connsiteY6" fmla="*/ 338554 h 338554"/>
+              <a:gd name="connsiteX7" fmla="*/ 1175456 w 2398889"/>
+              <a:gd name="connsiteY7" fmla="*/ 338554 h 338554"/>
+              <a:gd name="connsiteX8" fmla="*/ 575733 w 2398889"/>
+              <a:gd name="connsiteY8" fmla="*/ 338554 h 338554"/>
+              <a:gd name="connsiteX9" fmla="*/ 0 w 2398889"/>
+              <a:gd name="connsiteY9" fmla="*/ 338554 h 338554"/>
+              <a:gd name="connsiteX10" fmla="*/ 0 w 2398889"/>
+              <a:gd name="connsiteY10" fmla="*/ 0 h 338554"/>
+            </a:gdLst>
+            <a:ahLst/>
+            <a:cxnLst>
+              <a:cxn ang="0">
+                <a:pos x="connsiteX0" y="connsiteY0"/>
+              </a:cxn>
+              <a:cxn ang="0">
+                <a:pos x="connsiteX1" y="connsiteY1"/>
+              </a:cxn>
+              <a:cxn ang="0">
+                <a:pos x="connsiteX2" y="connsiteY2"/>
+              </a:cxn>
+              <a:cxn ang="0">
+                <a:pos x="connsiteX3" y="connsiteY3"/>
+              </a:cxn>
+              <a:cxn ang="0">
+                <a:pos x="connsiteX4" y="connsiteY4"/>
+              </a:cxn>
+              <a:cxn ang="0">
+                <a:pos x="connsiteX5" y="connsiteY5"/>
+              </a:cxn>
+              <a:cxn ang="0">
+                <a:pos x="connsiteX6" y="connsiteY6"/>
+              </a:cxn>
+              <a:cxn ang="0">
+                <a:pos x="connsiteX7" y="connsiteY7"/>
+              </a:cxn>
+              <a:cxn ang="0">
+                <a:pos x="connsiteX8" y="connsiteY8"/>
+              </a:cxn>
+              <a:cxn ang="0">
+                <a:pos x="connsiteX9" y="connsiteY9"/>
+              </a:cxn>
+              <a:cxn ang="0">
+                <a:pos x="connsiteX10" y="connsiteY10"/>
+              </a:cxn>
+            </a:cxnLst>
+            <a:rect l="l" t="t" r="r" b="b"/>
+            <a:pathLst>
+              <a:path w="2398889" h="338554" fill="none" extrusionOk="0">
+                <a:moveTo>
+                  <a:pt x="0" y="0"/>
+                </a:moveTo>
+                <a:cubicBezTo>
+                  <a:pt x="144290" y="-1769"/>
+                  <a:pt x="294624" y="-17215"/>
+                  <a:pt x="551744" y="0"/>
+                </a:cubicBezTo>
+                <a:cubicBezTo>
+                  <a:pt x="808864" y="17215"/>
+                  <a:pt x="940866" y="27432"/>
+                  <a:pt x="1151467" y="0"/>
+                </a:cubicBezTo>
+                <a:cubicBezTo>
+                  <a:pt x="1362068" y="-27432"/>
+                  <a:pt x="1654092" y="14731"/>
+                  <a:pt x="1799167" y="0"/>
+                </a:cubicBezTo>
+                <a:cubicBezTo>
+                  <a:pt x="1944242" y="-14731"/>
+                  <a:pt x="2275624" y="20004"/>
+                  <a:pt x="2398889" y="0"/>
+                </a:cubicBezTo>
+                <a:cubicBezTo>
+                  <a:pt x="2401301" y="136758"/>
+                  <a:pt x="2390465" y="248392"/>
+                  <a:pt x="2398889" y="338554"/>
+                </a:cubicBezTo>
+                <a:cubicBezTo>
+                  <a:pt x="2256788" y="330270"/>
+                  <a:pt x="1908399" y="337312"/>
+                  <a:pt x="1775178" y="338554"/>
+                </a:cubicBezTo>
+                <a:cubicBezTo>
+                  <a:pt x="1641957" y="339796"/>
+                  <a:pt x="1465748" y="319820"/>
+                  <a:pt x="1175456" y="338554"/>
+                </a:cubicBezTo>
+                <a:cubicBezTo>
+                  <a:pt x="885164" y="357288"/>
+                  <a:pt x="861087" y="320044"/>
+                  <a:pt x="575733" y="338554"/>
+                </a:cubicBezTo>
+                <a:cubicBezTo>
+                  <a:pt x="290379" y="357064"/>
+                  <a:pt x="115859" y="333425"/>
+                  <a:pt x="0" y="338554"/>
+                </a:cubicBezTo>
+                <a:cubicBezTo>
+                  <a:pt x="14922" y="207243"/>
+                  <a:pt x="11908" y="86203"/>
+                  <a:pt x="0" y="0"/>
+                </a:cubicBezTo>
+                <a:close/>
+              </a:path>
+              <a:path w="2398889" h="338554" stroke="0" extrusionOk="0">
+                <a:moveTo>
+                  <a:pt x="0" y="0"/>
+                </a:moveTo>
+                <a:cubicBezTo>
+                  <a:pt x="295589" y="12802"/>
+                  <a:pt x="478788" y="-29201"/>
+                  <a:pt x="599722" y="0"/>
+                </a:cubicBezTo>
+                <a:cubicBezTo>
+                  <a:pt x="720656" y="29201"/>
+                  <a:pt x="1048954" y="19277"/>
+                  <a:pt x="1247422" y="0"/>
+                </a:cubicBezTo>
+                <a:cubicBezTo>
+                  <a:pt x="1445890" y="-19277"/>
+                  <a:pt x="1629690" y="-22883"/>
+                  <a:pt x="1775178" y="0"/>
+                </a:cubicBezTo>
+                <a:cubicBezTo>
+                  <a:pt x="1920666" y="22883"/>
+                  <a:pt x="2146758" y="-11387"/>
+                  <a:pt x="2398889" y="0"/>
+                </a:cubicBezTo>
+                <a:cubicBezTo>
+                  <a:pt x="2391270" y="135521"/>
+                  <a:pt x="2415422" y="170875"/>
+                  <a:pt x="2398889" y="338554"/>
+                </a:cubicBezTo>
+                <a:cubicBezTo>
+                  <a:pt x="2219541" y="344278"/>
+                  <a:pt x="1924897" y="357463"/>
+                  <a:pt x="1799167" y="338554"/>
+                </a:cubicBezTo>
+                <a:cubicBezTo>
+                  <a:pt x="1673437" y="319645"/>
+                  <a:pt x="1451428" y="310588"/>
+                  <a:pt x="1151467" y="338554"/>
+                </a:cubicBezTo>
+                <a:cubicBezTo>
+                  <a:pt x="851506" y="366520"/>
+                  <a:pt x="706149" y="324737"/>
+                  <a:pt x="575733" y="338554"/>
+                </a:cubicBezTo>
+                <a:cubicBezTo>
+                  <a:pt x="445317" y="352371"/>
+                  <a:pt x="206774" y="339864"/>
+                  <a:pt x="0" y="338554"/>
+                </a:cubicBezTo>
+                <a:cubicBezTo>
+                  <a:pt x="-695" y="250083"/>
+                  <a:pt x="-7495" y="88931"/>
+                  <a:pt x="0" y="0"/>
+                </a:cubicBezTo>
+                <a:close/>
+              </a:path>
+            </a:pathLst>
+          </a:custGeom>
+          <a:ln>
+            <a:extLst>
+              <a:ext uri="{C807C97D-BFC1-408E-A445-0C87EB9F89A2}">
+                <ask:lineSketchStyleProps xmlns:ask="http://schemas.microsoft.com/office/drawing/2018/sketchyshapes" sd="782294884">
+                  <a:prstGeom prst="rect">
+                    <a:avLst/>
+                  </a:prstGeom>
+                  <ask:type>
+                    <ask:lineSketchFreehand/>
+                  </ask:type>
+                </ask:lineSketchStyleProps>
+              </a:ext>
+            </a:extLst>
+          </a:ln>
+        </p:spPr>
+        <p:style>
+          <a:lnRef idx="1">
+            <a:schemeClr val="accent6"/>
+          </a:lnRef>
+          <a:fillRef idx="2">
+            <a:schemeClr val="accent6"/>
+          </a:fillRef>
+          <a:effectRef idx="1">
+            <a:schemeClr val="accent6"/>
+          </a:effectRef>
+          <a:fontRef idx="minor">
+            <a:schemeClr val="dk1"/>
+          </a:fontRef>
+        </p:style>
+        <p:txBody>
+          <a:bodyPr rot="0" spcFirstLastPara="0" vertOverflow="overflow" horzOverflow="overflow" vert="horz" wrap="square" lIns="91440" tIns="45720" rIns="91440" bIns="45720" numCol="1" spcCol="0" rtlCol="0" fromWordArt="0" anchor="t" anchorCtr="0" forceAA="0" compatLnSpc="1">
+            <a:spAutoFit/>
+          </a:bodyPr>
+          <a:lstStyle/>
+          <a:p>
+            <a:pPr algn="ctr"/>
+            <a:r>
+              <a:rPr lang="en-GB" sz="1600" dirty="0" err="1">
+                <a:solidFill>
+                  <a:schemeClr val="accent6">
+                    <a:lumMod val="50000"/>
+                  </a:schemeClr>
+                </a:solidFill>
+                <a:latin typeface="Inconsolata" pitchFamily="49" charset="77"/>
+                <a:ea typeface="Inconsolata" pitchFamily="49" charset="77"/>
+              </a:rPr>
+              <a:t>WriteProcessMemory</a:t>
+            </a:r>
+            <a:r>
+              <a:rPr lang="en-GB" sz="1600" dirty="0">
+                <a:solidFill>
+                  <a:schemeClr val="accent6">
+                    <a:lumMod val="50000"/>
+                  </a:schemeClr>
+                </a:solidFill>
+                <a:latin typeface="Inconsolata" pitchFamily="49" charset="77"/>
+                <a:ea typeface="Inconsolata" pitchFamily="49" charset="77"/>
+              </a:rPr>
+              <a:t>()</a:t>
+            </a:r>
+            <a:r>
+              <a:rPr lang="en-GB" sz="1600" dirty="0">
+                <a:solidFill>
+                  <a:schemeClr val="accent6">
+                    <a:lumMod val="50000"/>
+                  </a:schemeClr>
+                </a:solidFill>
+                <a:latin typeface="Inconsolata" pitchFamily="49" charset="77"/>
+                <a:ea typeface="Inconsolata" pitchFamily="49" charset="77"/>
+                <a:cs typeface="Calibri" panose="020F0502020204030204"/>
+              </a:rPr>
+              <a:t>​</a:t>
+            </a:r>
+          </a:p>
+        </p:txBody>
+      </p:sp>
+      <p:sp>
+        <p:nvSpPr>
+          <p:cNvPr id="10" name="TextBox 9"/>
+          <p:cNvSpPr txBox="1"/>
+          <p:nvPr/>
+        </p:nvSpPr>
+        <p:spPr>
+          <a:xfrm>
+            <a:off x="7809260" y="1077049"/>
+            <a:ext cx="2105405" cy="338554"/>
+          </a:xfrm>
+          <a:custGeom>
+            <a:avLst/>
+            <a:gdLst>
+              <a:gd name="connsiteX0" fmla="*/ 0 w 2105405"/>
+              <a:gd name="connsiteY0" fmla="*/ 0 h 338554"/>
+              <a:gd name="connsiteX1" fmla="*/ 505297 w 2105405"/>
+              <a:gd name="connsiteY1" fmla="*/ 0 h 338554"/>
+              <a:gd name="connsiteX2" fmla="*/ 1031648 w 2105405"/>
+              <a:gd name="connsiteY2" fmla="*/ 0 h 338554"/>
+              <a:gd name="connsiteX3" fmla="*/ 1558000 w 2105405"/>
+              <a:gd name="connsiteY3" fmla="*/ 0 h 338554"/>
+              <a:gd name="connsiteX4" fmla="*/ 2105405 w 2105405"/>
+              <a:gd name="connsiteY4" fmla="*/ 0 h 338554"/>
+              <a:gd name="connsiteX5" fmla="*/ 2105405 w 2105405"/>
+              <a:gd name="connsiteY5" fmla="*/ 338554 h 338554"/>
+              <a:gd name="connsiteX6" fmla="*/ 1579054 w 2105405"/>
+              <a:gd name="connsiteY6" fmla="*/ 338554 h 338554"/>
+              <a:gd name="connsiteX7" fmla="*/ 1094811 w 2105405"/>
+              <a:gd name="connsiteY7" fmla="*/ 338554 h 338554"/>
+              <a:gd name="connsiteX8" fmla="*/ 610567 w 2105405"/>
+              <a:gd name="connsiteY8" fmla="*/ 338554 h 338554"/>
+              <a:gd name="connsiteX9" fmla="*/ 0 w 2105405"/>
+              <a:gd name="connsiteY9" fmla="*/ 338554 h 338554"/>
+              <a:gd name="connsiteX10" fmla="*/ 0 w 2105405"/>
+              <a:gd name="connsiteY10" fmla="*/ 0 h 338554"/>
+            </a:gdLst>
+            <a:ahLst/>
+            <a:cxnLst>
+              <a:cxn ang="0">
+                <a:pos x="connsiteX0" y="connsiteY0"/>
+              </a:cxn>
+              <a:cxn ang="0">
+                <a:pos x="connsiteX1" y="connsiteY1"/>
+              </a:cxn>
+              <a:cxn ang="0">
+                <a:pos x="connsiteX2" y="connsiteY2"/>
+              </a:cxn>
+              <a:cxn ang="0">
+                <a:pos x="connsiteX3" y="connsiteY3"/>
+              </a:cxn>
+              <a:cxn ang="0">
+                <a:pos x="connsiteX4" y="connsiteY4"/>
+              </a:cxn>
+              <a:cxn ang="0">
+                <a:pos x="connsiteX5" y="connsiteY5"/>
+              </a:cxn>
+              <a:cxn ang="0">
+                <a:pos x="connsiteX6" y="connsiteY6"/>
+              </a:cxn>
+              <a:cxn ang="0">
+                <a:pos x="connsiteX7" y="connsiteY7"/>
+              </a:cxn>
+              <a:cxn ang="0">
+                <a:pos x="connsiteX8" y="connsiteY8"/>
+              </a:cxn>
+              <a:cxn ang="0">
+                <a:pos x="connsiteX9" y="connsiteY9"/>
+              </a:cxn>
+              <a:cxn ang="0">
+                <a:pos x="connsiteX10" y="connsiteY10"/>
+              </a:cxn>
+            </a:cxnLst>
+            <a:rect l="l" t="t" r="r" b="b"/>
+            <a:pathLst>
+              <a:path w="2105405" h="338554" fill="none" extrusionOk="0">
+                <a:moveTo>
+                  <a:pt x="0" y="0"/>
+                </a:moveTo>
+                <a:cubicBezTo>
+                  <a:pt x="206563" y="16980"/>
+                  <a:pt x="375768" y="-8712"/>
+                  <a:pt x="505297" y="0"/>
+                </a:cubicBezTo>
+                <a:cubicBezTo>
+                  <a:pt x="634826" y="8712"/>
+                  <a:pt x="811226" y="-5640"/>
+                  <a:pt x="1031648" y="0"/>
+                </a:cubicBezTo>
+                <a:cubicBezTo>
+                  <a:pt x="1252070" y="5640"/>
+                  <a:pt x="1403816" y="9946"/>
+                  <a:pt x="1558000" y="0"/>
+                </a:cubicBezTo>
+                <a:cubicBezTo>
+                  <a:pt x="1712184" y="-9946"/>
+                  <a:pt x="1937709" y="-5751"/>
+                  <a:pt x="2105405" y="0"/>
+                </a:cubicBezTo>
+                <a:cubicBezTo>
+                  <a:pt x="2102883" y="121961"/>
+                  <a:pt x="2099202" y="264573"/>
+                  <a:pt x="2105405" y="338554"/>
+                </a:cubicBezTo>
+                <a:cubicBezTo>
+                  <a:pt x="1877830" y="353911"/>
+                  <a:pt x="1754894" y="361412"/>
+                  <a:pt x="1579054" y="338554"/>
+                </a:cubicBezTo>
+                <a:cubicBezTo>
+                  <a:pt x="1403214" y="315696"/>
+                  <a:pt x="1260917" y="356849"/>
+                  <a:pt x="1094811" y="338554"/>
+                </a:cubicBezTo>
+                <a:cubicBezTo>
+                  <a:pt x="928705" y="320259"/>
+                  <a:pt x="814940" y="327544"/>
+                  <a:pt x="610567" y="338554"/>
+                </a:cubicBezTo>
+                <a:cubicBezTo>
+                  <a:pt x="406194" y="349564"/>
+                  <a:pt x="243529" y="346959"/>
+                  <a:pt x="0" y="338554"/>
+                </a:cubicBezTo>
+                <a:cubicBezTo>
+                  <a:pt x="-5208" y="176273"/>
+                  <a:pt x="9892" y="90267"/>
+                  <a:pt x="0" y="0"/>
+                </a:cubicBezTo>
+                <a:close/>
+              </a:path>
+              <a:path w="2105405" h="338554" stroke="0" extrusionOk="0">
+                <a:moveTo>
+                  <a:pt x="0" y="0"/>
+                </a:moveTo>
+                <a:cubicBezTo>
+                  <a:pt x="111591" y="-8808"/>
+                  <a:pt x="374343" y="-8264"/>
+                  <a:pt x="505297" y="0"/>
+                </a:cubicBezTo>
+                <a:cubicBezTo>
+                  <a:pt x="636251" y="8264"/>
+                  <a:pt x="848773" y="-5896"/>
+                  <a:pt x="968486" y="0"/>
+                </a:cubicBezTo>
+                <a:cubicBezTo>
+                  <a:pt x="1088199" y="5896"/>
+                  <a:pt x="1380591" y="-24814"/>
+                  <a:pt x="1536946" y="0"/>
+                </a:cubicBezTo>
+                <a:cubicBezTo>
+                  <a:pt x="1693301" y="24814"/>
+                  <a:pt x="1909400" y="-25639"/>
+                  <a:pt x="2105405" y="0"/>
+                </a:cubicBezTo>
+                <a:cubicBezTo>
+                  <a:pt x="2106052" y="85468"/>
+                  <a:pt x="2103377" y="270253"/>
+                  <a:pt x="2105405" y="338554"/>
+                </a:cubicBezTo>
+                <a:cubicBezTo>
+                  <a:pt x="2006886" y="357507"/>
+                  <a:pt x="1843150" y="325539"/>
+                  <a:pt x="1621162" y="338554"/>
+                </a:cubicBezTo>
+                <a:cubicBezTo>
+                  <a:pt x="1399174" y="351569"/>
+                  <a:pt x="1290928" y="321201"/>
+                  <a:pt x="1136919" y="338554"/>
+                </a:cubicBezTo>
+                <a:cubicBezTo>
+                  <a:pt x="982910" y="355907"/>
+                  <a:pt x="726229" y="366096"/>
+                  <a:pt x="568459" y="338554"/>
+                </a:cubicBezTo>
+                <a:cubicBezTo>
+                  <a:pt x="410689" y="311012"/>
+                  <a:pt x="237483" y="329963"/>
+                  <a:pt x="0" y="338554"/>
+                </a:cubicBezTo>
+                <a:cubicBezTo>
+                  <a:pt x="3529" y="261899"/>
+                  <a:pt x="5472" y="67847"/>
+                  <a:pt x="0" y="0"/>
+                </a:cubicBezTo>
+                <a:close/>
+              </a:path>
+            </a:pathLst>
+          </a:custGeom>
+          <a:ln>
+            <a:extLst>
+              <a:ext uri="{C807C97D-BFC1-408E-A445-0C87EB9F89A2}">
+                <ask:lineSketchStyleProps xmlns:ask="http://schemas.microsoft.com/office/drawing/2018/sketchyshapes" sd="1219033472">
+                  <a:prstGeom prst="rect">
+                    <a:avLst/>
+                  </a:prstGeom>
+                  <ask:type>
+                    <ask:lineSketchFreehand/>
+                  </ask:type>
+                </ask:lineSketchStyleProps>
+              </a:ext>
+            </a:extLst>
+          </a:ln>
+        </p:spPr>
+        <p:style>
+          <a:lnRef idx="1">
+            <a:schemeClr val="accent6"/>
+          </a:lnRef>
+          <a:fillRef idx="2">
+            <a:schemeClr val="accent6"/>
+          </a:fillRef>
+          <a:effectRef idx="1">
+            <a:schemeClr val="accent6"/>
+          </a:effectRef>
+          <a:fontRef idx="minor">
+            <a:schemeClr val="dk1"/>
+          </a:fontRef>
+        </p:style>
+        <p:txBody>
+          <a:bodyPr rot="0" spcFirstLastPara="0" vertOverflow="overflow" horzOverflow="overflow" vert="horz" wrap="square" lIns="91440" tIns="45720" rIns="91440" bIns="45720" numCol="1" spcCol="0" rtlCol="0" fromWordArt="0" anchor="t" anchorCtr="0" forceAA="0" compatLnSpc="1">
+            <a:spAutoFit/>
+          </a:bodyPr>
+          <a:lstStyle/>
+          <a:p>
+            <a:pPr algn="ctr"/>
+            <a:r>
+              <a:rPr lang="en-GB" sz="1600" dirty="0" err="1">
+                <a:solidFill>
+                  <a:schemeClr val="accent6">
+                    <a:lumMod val="50000"/>
+                  </a:schemeClr>
+                </a:solidFill>
+                <a:latin typeface="Inconsolata" pitchFamily="49" charset="77"/>
+                <a:ea typeface="Inconsolata" pitchFamily="49" charset="77"/>
+              </a:rPr>
+              <a:t>VirtualAllocEx</a:t>
+            </a:r>
+            <a:r>
+              <a:rPr lang="en-GB" sz="1600" dirty="0">
+                <a:solidFill>
+                  <a:schemeClr val="accent6">
+                    <a:lumMod val="50000"/>
+                  </a:schemeClr>
+                </a:solidFill>
+                <a:latin typeface="Inconsolata" pitchFamily="49" charset="77"/>
+                <a:ea typeface="Inconsolata" pitchFamily="49" charset="77"/>
+              </a:rPr>
+              <a:t>()</a:t>
+            </a:r>
+            <a:r>
+              <a:rPr lang="en-GB" sz="1600" dirty="0">
+                <a:solidFill>
+                  <a:schemeClr val="accent6">
+                    <a:lumMod val="50000"/>
+                  </a:schemeClr>
+                </a:solidFill>
+                <a:latin typeface="Inconsolata" pitchFamily="49" charset="77"/>
+                <a:ea typeface="Inconsolata" pitchFamily="49" charset="77"/>
+                <a:cs typeface="Calibri" panose="020F0502020204030204"/>
+              </a:rPr>
+              <a:t>​</a:t>
+            </a:r>
+          </a:p>
+        </p:txBody>
+      </p:sp>
+      <p:cxnSp>
+        <p:nvCxnSpPr>
+          <p:cNvPr id="11" name="Straight Arrow Connector 10"/>
+          <p:cNvCxnSpPr/>
+          <p:nvPr/>
+        </p:nvCxnSpPr>
+        <p:spPr>
+          <a:xfrm>
+            <a:off x="8656721" y="1447800"/>
+            <a:ext cx="2006" cy="393032"/>
+          </a:xfrm>
+          <a:prstGeom prst="straightConnector1">
+            <a:avLst/>
+          </a:prstGeom>
+          <a:ln>
+            <a:prstDash val="dashDot"/>
+            <a:tailEnd type="triangle"/>
+          </a:ln>
+        </p:spPr>
+        <p:style>
+          <a:lnRef idx="1">
+            <a:schemeClr val="accent6"/>
+          </a:lnRef>
+          <a:fillRef idx="0">
+            <a:schemeClr val="accent6"/>
+          </a:fillRef>
+          <a:effectRef idx="0">
+            <a:schemeClr val="accent6"/>
+          </a:effectRef>
+          <a:fontRef idx="minor">
+            <a:schemeClr val="tx1"/>
+          </a:fontRef>
+        </p:style>
+      </p:cxnSp>
+      <p:cxnSp>
+        <p:nvCxnSpPr>
+          <p:cNvPr id="12" name="Straight Arrow Connector 11"/>
+          <p:cNvCxnSpPr>
+            <a:cxnSpLocks/>
+          </p:cNvCxnSpPr>
+          <p:nvPr/>
+        </p:nvCxnSpPr>
+        <p:spPr>
+          <a:xfrm>
+            <a:off x="8728910" y="2436032"/>
+            <a:ext cx="0" cy="369332"/>
+          </a:xfrm>
+          <a:prstGeom prst="straightConnector1">
+            <a:avLst/>
+          </a:prstGeom>
+          <a:ln>
+            <a:prstDash val="dashDot"/>
+            <a:tailEnd type="triangle"/>
+          </a:ln>
+        </p:spPr>
+        <p:style>
+          <a:lnRef idx="1">
+            <a:schemeClr val="accent6"/>
+          </a:lnRef>
+          <a:fillRef idx="0">
+            <a:schemeClr val="accent6"/>
+          </a:fillRef>
+          <a:effectRef idx="0">
+            <a:schemeClr val="accent6"/>
+          </a:effectRef>
+          <a:fontRef idx="minor">
+            <a:schemeClr val="tx1"/>
+          </a:fontRef>
+        </p:style>
+      </p:cxnSp>
+      <p:sp>
+        <p:nvSpPr>
+          <p:cNvPr id="13" name="TextBox 12"/>
+          <p:cNvSpPr txBox="1"/>
+          <p:nvPr/>
+        </p:nvSpPr>
+        <p:spPr>
+          <a:xfrm>
+            <a:off x="4535106" y="3661610"/>
+            <a:ext cx="3453862" cy="338554"/>
+          </a:xfrm>
+          <a:custGeom>
+            <a:avLst/>
+            <a:gdLst>
+              <a:gd name="connsiteX0" fmla="*/ 0 w 3453862"/>
+              <a:gd name="connsiteY0" fmla="*/ 0 h 338554"/>
+              <a:gd name="connsiteX1" fmla="*/ 656234 w 3453862"/>
+              <a:gd name="connsiteY1" fmla="*/ 0 h 338554"/>
+              <a:gd name="connsiteX2" fmla="*/ 1347006 w 3453862"/>
+              <a:gd name="connsiteY2" fmla="*/ 0 h 338554"/>
+              <a:gd name="connsiteX3" fmla="*/ 2072317 w 3453862"/>
+              <a:gd name="connsiteY3" fmla="*/ 0 h 338554"/>
+              <a:gd name="connsiteX4" fmla="*/ 2797628 w 3453862"/>
+              <a:gd name="connsiteY4" fmla="*/ 0 h 338554"/>
+              <a:gd name="connsiteX5" fmla="*/ 3453862 w 3453862"/>
+              <a:gd name="connsiteY5" fmla="*/ 0 h 338554"/>
+              <a:gd name="connsiteX6" fmla="*/ 3453862 w 3453862"/>
+              <a:gd name="connsiteY6" fmla="*/ 338554 h 338554"/>
+              <a:gd name="connsiteX7" fmla="*/ 2694012 w 3453862"/>
+              <a:gd name="connsiteY7" fmla="*/ 338554 h 338554"/>
+              <a:gd name="connsiteX8" fmla="*/ 1934163 w 3453862"/>
+              <a:gd name="connsiteY8" fmla="*/ 338554 h 338554"/>
+              <a:gd name="connsiteX9" fmla="*/ 1243390 w 3453862"/>
+              <a:gd name="connsiteY9" fmla="*/ 338554 h 338554"/>
+              <a:gd name="connsiteX10" fmla="*/ 0 w 3453862"/>
+              <a:gd name="connsiteY10" fmla="*/ 338554 h 338554"/>
+              <a:gd name="connsiteX11" fmla="*/ 0 w 3453862"/>
+              <a:gd name="connsiteY11" fmla="*/ 0 h 338554"/>
+            </a:gdLst>
+            <a:ahLst/>
+            <a:cxnLst>
+              <a:cxn ang="0">
+                <a:pos x="connsiteX0" y="connsiteY0"/>
+              </a:cxn>
+              <a:cxn ang="0">
+                <a:pos x="connsiteX1" y="connsiteY1"/>
+              </a:cxn>
+              <a:cxn ang="0">
+                <a:pos x="connsiteX2" y="connsiteY2"/>
+              </a:cxn>
+              <a:cxn ang="0">
+                <a:pos x="connsiteX3" y="connsiteY3"/>
+              </a:cxn>
+              <a:cxn ang="0">
+                <a:pos x="connsiteX4" y="connsiteY4"/>
+              </a:cxn>
+              <a:cxn ang="0">
+                <a:pos x="connsiteX5" y="connsiteY5"/>
+              </a:cxn>
+              <a:cxn ang="0">
+                <a:pos x="connsiteX6" y="connsiteY6"/>
+              </a:cxn>
+              <a:cxn ang="0">
+                <a:pos x="connsiteX7" y="connsiteY7"/>
+              </a:cxn>
+              <a:cxn ang="0">
+                <a:pos x="connsiteX8" y="connsiteY8"/>
+              </a:cxn>
+              <a:cxn ang="0">
+                <a:pos x="connsiteX9" y="connsiteY9"/>
+              </a:cxn>
+              <a:cxn ang="0">
+                <a:pos x="connsiteX10" y="connsiteY10"/>
+              </a:cxn>
+              <a:cxn ang="0">
+                <a:pos x="connsiteX11" y="connsiteY11"/>
+              </a:cxn>
+            </a:cxnLst>
+            <a:rect l="l" t="t" r="r" b="b"/>
+            <a:pathLst>
+              <a:path w="3453862" h="338554" fill="none" extrusionOk="0">
+                <a:moveTo>
+                  <a:pt x="0" y="0"/>
+                </a:moveTo>
+                <a:cubicBezTo>
+                  <a:pt x="245854" y="-24029"/>
+                  <a:pt x="523425" y="22259"/>
+                  <a:pt x="656234" y="0"/>
+                </a:cubicBezTo>
+                <a:cubicBezTo>
+                  <a:pt x="789043" y="-22259"/>
+                  <a:pt x="1073506" y="34002"/>
+                  <a:pt x="1347006" y="0"/>
+                </a:cubicBezTo>
+                <a:cubicBezTo>
+                  <a:pt x="1620506" y="-34002"/>
+                  <a:pt x="1826495" y="-26722"/>
+                  <a:pt x="2072317" y="0"/>
+                </a:cubicBezTo>
+                <a:cubicBezTo>
+                  <a:pt x="2318139" y="26722"/>
+                  <a:pt x="2441820" y="27605"/>
+                  <a:pt x="2797628" y="0"/>
+                </a:cubicBezTo>
+                <a:cubicBezTo>
+                  <a:pt x="3153436" y="-27605"/>
+                  <a:pt x="3190511" y="-23516"/>
+                  <a:pt x="3453862" y="0"/>
+                </a:cubicBezTo>
+                <a:cubicBezTo>
+                  <a:pt x="3452294" y="77933"/>
+                  <a:pt x="3442195" y="265755"/>
+                  <a:pt x="3453862" y="338554"/>
+                </a:cubicBezTo>
+                <a:cubicBezTo>
+                  <a:pt x="3290082" y="307994"/>
+                  <a:pt x="2857570" y="351175"/>
+                  <a:pt x="2694012" y="338554"/>
+                </a:cubicBezTo>
+                <a:cubicBezTo>
+                  <a:pt x="2530454" y="325934"/>
+                  <a:pt x="2196806" y="364024"/>
+                  <a:pt x="1934163" y="338554"/>
+                </a:cubicBezTo>
+                <a:cubicBezTo>
+                  <a:pt x="1671520" y="313084"/>
+                  <a:pt x="1576787" y="309554"/>
+                  <a:pt x="1243390" y="338554"/>
+                </a:cubicBezTo>
+                <a:cubicBezTo>
+                  <a:pt x="909993" y="367554"/>
+                  <a:pt x="542229" y="395423"/>
+                  <a:pt x="0" y="338554"/>
+                </a:cubicBezTo>
+                <a:cubicBezTo>
+                  <a:pt x="11858" y="268392"/>
+                  <a:pt x="-5048" y="129557"/>
+                  <a:pt x="0" y="0"/>
+                </a:cubicBezTo>
+                <a:close/>
+              </a:path>
+              <a:path w="3453862" h="338554" stroke="0" extrusionOk="0">
+                <a:moveTo>
+                  <a:pt x="0" y="0"/>
+                </a:moveTo>
+                <a:cubicBezTo>
+                  <a:pt x="307097" y="13056"/>
+                  <a:pt x="392865" y="-28657"/>
+                  <a:pt x="656234" y="0"/>
+                </a:cubicBezTo>
+                <a:cubicBezTo>
+                  <a:pt x="919603" y="28657"/>
+                  <a:pt x="1031681" y="24500"/>
+                  <a:pt x="1243390" y="0"/>
+                </a:cubicBezTo>
+                <a:cubicBezTo>
+                  <a:pt x="1455099" y="-24500"/>
+                  <a:pt x="1842131" y="-11387"/>
+                  <a:pt x="2003240" y="0"/>
+                </a:cubicBezTo>
+                <a:cubicBezTo>
+                  <a:pt x="2164349" y="11387"/>
+                  <a:pt x="2429568" y="26010"/>
+                  <a:pt x="2659474" y="0"/>
+                </a:cubicBezTo>
+                <a:cubicBezTo>
+                  <a:pt x="2889380" y="-26010"/>
+                  <a:pt x="3244129" y="19467"/>
+                  <a:pt x="3453862" y="0"/>
+                </a:cubicBezTo>
+                <a:cubicBezTo>
+                  <a:pt x="3459748" y="121780"/>
+                  <a:pt x="3468616" y="199125"/>
+                  <a:pt x="3453862" y="338554"/>
+                </a:cubicBezTo>
+                <a:cubicBezTo>
+                  <a:pt x="3179276" y="304117"/>
+                  <a:pt x="2924880" y="369960"/>
+                  <a:pt x="2763090" y="338554"/>
+                </a:cubicBezTo>
+                <a:cubicBezTo>
+                  <a:pt x="2601300" y="307148"/>
+                  <a:pt x="2214068" y="324668"/>
+                  <a:pt x="2003240" y="338554"/>
+                </a:cubicBezTo>
+                <a:cubicBezTo>
+                  <a:pt x="1792412" y="352441"/>
+                  <a:pt x="1679392" y="328709"/>
+                  <a:pt x="1416083" y="338554"/>
+                </a:cubicBezTo>
+                <a:cubicBezTo>
+                  <a:pt x="1152774" y="348399"/>
+                  <a:pt x="931679" y="315271"/>
+                  <a:pt x="725311" y="338554"/>
+                </a:cubicBezTo>
+                <a:cubicBezTo>
+                  <a:pt x="518943" y="361837"/>
+                  <a:pt x="250938" y="318716"/>
+                  <a:pt x="0" y="338554"/>
+                </a:cubicBezTo>
+                <a:cubicBezTo>
+                  <a:pt x="-9657" y="242476"/>
+                  <a:pt x="-16124" y="122932"/>
+                  <a:pt x="0" y="0"/>
+                </a:cubicBezTo>
+                <a:close/>
+              </a:path>
+            </a:pathLst>
+          </a:custGeom>
+          <a:ln>
+            <a:solidFill>
+              <a:schemeClr val="accent5"/>
+            </a:solidFill>
+            <a:extLst>
+              <a:ext uri="{C807C97D-BFC1-408E-A445-0C87EB9F89A2}">
+                <ask:lineSketchStyleProps xmlns:ask="http://schemas.microsoft.com/office/drawing/2018/sketchyshapes" sd="1219033472">
+                  <a:prstGeom prst="rect">
+                    <a:avLst/>
+                  </a:prstGeom>
+                  <ask:type>
+                    <ask:lineSketchFreehand/>
+                  </ask:type>
+                </ask:lineSketchStyleProps>
+              </a:ext>
+            </a:extLst>
+          </a:ln>
+        </p:spPr>
+        <p:style>
+          <a:lnRef idx="1">
+            <a:schemeClr val="accent5"/>
+          </a:lnRef>
+          <a:fillRef idx="2">
+            <a:schemeClr val="accent5"/>
+          </a:fillRef>
+          <a:effectRef idx="1">
+            <a:schemeClr val="accent5"/>
+          </a:effectRef>
+          <a:fontRef idx="minor">
+            <a:schemeClr val="dk1"/>
+          </a:fontRef>
+        </p:style>
+        <p:txBody>
+          <a:bodyPr rot="0" spcFirstLastPara="0" vertOverflow="overflow" horzOverflow="overflow" vert="horz" wrap="square" lIns="91440" tIns="45720" rIns="91440" bIns="45720" numCol="1" spcCol="0" rtlCol="0" fromWordArt="0" anchor="t" anchorCtr="0" forceAA="0" compatLnSpc="1">
+            <a:spAutoFit/>
+          </a:bodyPr>
+          <a:lstStyle/>
+          <a:p>
+            <a:pPr algn="ctr"/>
+            <a:r>
+              <a:rPr lang="en-GB" sz="1600" dirty="0" err="1">
+                <a:solidFill>
+                  <a:srgbClr val="002060"/>
+                </a:solidFill>
+                <a:latin typeface="Inconsolata" pitchFamily="49" charset="77"/>
+                <a:ea typeface="Inconsolata" pitchFamily="49" charset="77"/>
+              </a:rPr>
+              <a:t>GetProcessAdress</a:t>
+            </a:r>
+            <a:r>
+              <a:rPr lang="en-GB" sz="1600" dirty="0">
+                <a:solidFill>
+                  <a:srgbClr val="002060"/>
+                </a:solidFill>
+                <a:latin typeface="Inconsolata" pitchFamily="49" charset="77"/>
+                <a:ea typeface="Inconsolata" pitchFamily="49" charset="77"/>
+              </a:rPr>
+              <a:t>("</a:t>
+            </a:r>
+            <a:r>
+              <a:rPr lang="en-GB" sz="1600" dirty="0" err="1">
+                <a:solidFill>
+                  <a:srgbClr val="002060"/>
+                </a:solidFill>
+                <a:latin typeface="Inconsolata" pitchFamily="49" charset="77"/>
+                <a:ea typeface="Inconsolata" pitchFamily="49" charset="77"/>
+              </a:rPr>
+              <a:t>LoadLibrary</a:t>
+            </a:r>
+            <a:r>
+              <a:rPr lang="en-GB" sz="1600" dirty="0">
+                <a:solidFill>
+                  <a:srgbClr val="002060"/>
+                </a:solidFill>
+                <a:latin typeface="Inconsolata" pitchFamily="49" charset="77"/>
+                <a:ea typeface="Inconsolata" pitchFamily="49" charset="77"/>
+              </a:rPr>
+              <a:t>")</a:t>
+            </a:r>
+            <a:endParaRPr lang="en-US" sz="1600" dirty="0">
+              <a:solidFill>
+                <a:srgbClr val="002060"/>
+              </a:solidFill>
+              <a:latin typeface="Inconsolata" pitchFamily="49" charset="77"/>
+              <a:ea typeface="Inconsolata" pitchFamily="49" charset="77"/>
+            </a:endParaRPr>
+          </a:p>
+        </p:txBody>
+      </p:sp>
+      <p:sp>
+        <p:nvSpPr>
+          <p:cNvPr id="14" name="TextBox 13"/>
+          <p:cNvSpPr txBox="1"/>
+          <p:nvPr/>
+        </p:nvSpPr>
+        <p:spPr>
+          <a:xfrm>
+            <a:off x="4264716" y="609542"/>
+            <a:ext cx="3495174" cy="830997"/>
+          </a:xfrm>
+          <a:prstGeom prst="rect">
+            <a:avLst/>
+          </a:prstGeom>
+        </p:spPr>
+        <p:txBody>
+          <a:bodyPr rot="0" spcFirstLastPara="0" vertOverflow="overflow" horzOverflow="overflow" vert="horz" wrap="square" lIns="91440" tIns="45720" rIns="91440" bIns="45720" numCol="1" spcCol="0" rtlCol="0" fromWordArt="0" anchor="t" anchorCtr="0" forceAA="0" compatLnSpc="1">
+            <a:spAutoFit/>
+          </a:bodyPr>
+          <a:lstStyle/>
+          <a:p>
+            <a:pPr algn="just"/>
+            <a:r>
+              <a:rPr lang="en-GB" sz="1600" dirty="0">
+                <a:solidFill>
+                  <a:schemeClr val="accent6">
+                    <a:lumMod val="75000"/>
+                  </a:schemeClr>
+                </a:solidFill>
+                <a:latin typeface="Inconsolata" pitchFamily="49" charset="77"/>
+                <a:ea typeface="Inconsolata" pitchFamily="49" charset="77"/>
+                <a:cs typeface="Calibri" panose="020F0502020204030204"/>
+              </a:rPr>
+              <a:t>// </a:t>
+            </a:r>
+            <a:r>
+              <a:rPr lang="en-GB" sz="1600" dirty="0" err="1">
+                <a:solidFill>
+                  <a:schemeClr val="accent6">
+                    <a:lumMod val="75000"/>
+                  </a:schemeClr>
+                </a:solidFill>
+                <a:latin typeface="Inconsolata" pitchFamily="49" charset="77"/>
+                <a:ea typeface="Inconsolata" pitchFamily="49" charset="77"/>
+                <a:cs typeface="Calibri" panose="020F0502020204030204"/>
+              </a:rPr>
+              <a:t>mal.dll’s</a:t>
+            </a:r>
+            <a:r>
+              <a:rPr lang="en-GB" sz="1600" dirty="0">
+                <a:solidFill>
+                  <a:schemeClr val="accent6">
+                    <a:lumMod val="75000"/>
+                  </a:schemeClr>
+                </a:solidFill>
+                <a:latin typeface="Inconsolata" pitchFamily="49" charset="77"/>
+                <a:ea typeface="Inconsolata" pitchFamily="49" charset="77"/>
+                <a:cs typeface="Calibri" panose="020F0502020204030204"/>
+              </a:rPr>
+              <a:t> path string in the RAM within the process address space</a:t>
+            </a:r>
+          </a:p>
+        </p:txBody>
+      </p:sp>
+      <p:sp>
+        <p:nvSpPr>
+          <p:cNvPr id="15" name="TextBox 14"/>
+          <p:cNvSpPr txBox="1"/>
+          <p:nvPr/>
+        </p:nvSpPr>
+        <p:spPr>
+          <a:xfrm>
+            <a:off x="4814636" y="4503820"/>
+            <a:ext cx="2743200" cy="338554"/>
+          </a:xfrm>
+          <a:custGeom>
+            <a:avLst/>
+            <a:gdLst>
+              <a:gd name="connsiteX0" fmla="*/ 0 w 2743200"/>
+              <a:gd name="connsiteY0" fmla="*/ 0 h 338554"/>
+              <a:gd name="connsiteX1" fmla="*/ 713232 w 2743200"/>
+              <a:gd name="connsiteY1" fmla="*/ 0 h 338554"/>
+              <a:gd name="connsiteX2" fmla="*/ 1316736 w 2743200"/>
+              <a:gd name="connsiteY2" fmla="*/ 0 h 338554"/>
+              <a:gd name="connsiteX3" fmla="*/ 2029968 w 2743200"/>
+              <a:gd name="connsiteY3" fmla="*/ 0 h 338554"/>
+              <a:gd name="connsiteX4" fmla="*/ 2743200 w 2743200"/>
+              <a:gd name="connsiteY4" fmla="*/ 0 h 338554"/>
+              <a:gd name="connsiteX5" fmla="*/ 2743200 w 2743200"/>
+              <a:gd name="connsiteY5" fmla="*/ 338554 h 338554"/>
+              <a:gd name="connsiteX6" fmla="*/ 2084832 w 2743200"/>
+              <a:gd name="connsiteY6" fmla="*/ 338554 h 338554"/>
+              <a:gd name="connsiteX7" fmla="*/ 1399032 w 2743200"/>
+              <a:gd name="connsiteY7" fmla="*/ 338554 h 338554"/>
+              <a:gd name="connsiteX8" fmla="*/ 685800 w 2743200"/>
+              <a:gd name="connsiteY8" fmla="*/ 338554 h 338554"/>
+              <a:gd name="connsiteX9" fmla="*/ 0 w 2743200"/>
+              <a:gd name="connsiteY9" fmla="*/ 338554 h 338554"/>
+              <a:gd name="connsiteX10" fmla="*/ 0 w 2743200"/>
+              <a:gd name="connsiteY10" fmla="*/ 0 h 338554"/>
+            </a:gdLst>
+            <a:ahLst/>
+            <a:cxnLst>
+              <a:cxn ang="0">
+                <a:pos x="connsiteX0" y="connsiteY0"/>
+              </a:cxn>
+              <a:cxn ang="0">
+                <a:pos x="connsiteX1" y="connsiteY1"/>
+              </a:cxn>
+              <a:cxn ang="0">
+                <a:pos x="connsiteX2" y="connsiteY2"/>
+              </a:cxn>
+              <a:cxn ang="0">
+                <a:pos x="connsiteX3" y="connsiteY3"/>
+              </a:cxn>
+              <a:cxn ang="0">
+                <a:pos x="connsiteX4" y="connsiteY4"/>
+              </a:cxn>
+              <a:cxn ang="0">
+                <a:pos x="connsiteX5" y="connsiteY5"/>
+              </a:cxn>
+              <a:cxn ang="0">
+                <a:pos x="connsiteX6" y="connsiteY6"/>
+              </a:cxn>
+              <a:cxn ang="0">
+                <a:pos x="connsiteX7" y="connsiteY7"/>
+              </a:cxn>
+              <a:cxn ang="0">
+                <a:pos x="connsiteX8" y="connsiteY8"/>
+              </a:cxn>
+              <a:cxn ang="0">
+                <a:pos x="connsiteX9" y="connsiteY9"/>
+              </a:cxn>
+              <a:cxn ang="0">
+                <a:pos x="connsiteX10" y="connsiteY10"/>
+              </a:cxn>
+            </a:cxnLst>
+            <a:rect l="l" t="t" r="r" b="b"/>
+            <a:pathLst>
+              <a:path w="2743200" h="338554" fill="none" extrusionOk="0">
+                <a:moveTo>
+                  <a:pt x="0" y="0"/>
+                </a:moveTo>
+                <a:cubicBezTo>
+                  <a:pt x="158740" y="828"/>
+                  <a:pt x="438263" y="4619"/>
+                  <a:pt x="713232" y="0"/>
+                </a:cubicBezTo>
+                <a:cubicBezTo>
+                  <a:pt x="988201" y="-4619"/>
+                  <a:pt x="1027228" y="27811"/>
+                  <a:pt x="1316736" y="0"/>
+                </a:cubicBezTo>
+                <a:cubicBezTo>
+                  <a:pt x="1606244" y="-27811"/>
+                  <a:pt x="1813580" y="-9474"/>
+                  <a:pt x="2029968" y="0"/>
+                </a:cubicBezTo>
+                <a:cubicBezTo>
+                  <a:pt x="2246356" y="9474"/>
+                  <a:pt x="2571392" y="-31820"/>
+                  <a:pt x="2743200" y="0"/>
+                </a:cubicBezTo>
+                <a:cubicBezTo>
+                  <a:pt x="2727227" y="154606"/>
+                  <a:pt x="2739709" y="241635"/>
+                  <a:pt x="2743200" y="338554"/>
+                </a:cubicBezTo>
+                <a:cubicBezTo>
+                  <a:pt x="2512613" y="325043"/>
+                  <a:pt x="2294643" y="336566"/>
+                  <a:pt x="2084832" y="338554"/>
+                </a:cubicBezTo>
+                <a:cubicBezTo>
+                  <a:pt x="1875021" y="340542"/>
+                  <a:pt x="1645260" y="357698"/>
+                  <a:pt x="1399032" y="338554"/>
+                </a:cubicBezTo>
+                <a:cubicBezTo>
+                  <a:pt x="1152804" y="319410"/>
+                  <a:pt x="843801" y="337227"/>
+                  <a:pt x="685800" y="338554"/>
+                </a:cubicBezTo>
+                <a:cubicBezTo>
+                  <a:pt x="527799" y="339881"/>
+                  <a:pt x="292696" y="359047"/>
+                  <a:pt x="0" y="338554"/>
+                </a:cubicBezTo>
+                <a:cubicBezTo>
+                  <a:pt x="-16751" y="231664"/>
+                  <a:pt x="-5222" y="76498"/>
+                  <a:pt x="0" y="0"/>
+                </a:cubicBezTo>
+                <a:close/>
+              </a:path>
+              <a:path w="2743200" h="338554" stroke="0" extrusionOk="0">
+                <a:moveTo>
+                  <a:pt x="0" y="0"/>
+                </a:moveTo>
+                <a:cubicBezTo>
+                  <a:pt x="255602" y="-20544"/>
+                  <a:pt x="447907" y="-27390"/>
+                  <a:pt x="603504" y="0"/>
+                </a:cubicBezTo>
+                <a:cubicBezTo>
+                  <a:pt x="759101" y="27390"/>
+                  <a:pt x="935531" y="10899"/>
+                  <a:pt x="1207008" y="0"/>
+                </a:cubicBezTo>
+                <a:cubicBezTo>
+                  <a:pt x="1478485" y="-10899"/>
+                  <a:pt x="1610210" y="-30596"/>
+                  <a:pt x="1865376" y="0"/>
+                </a:cubicBezTo>
+                <a:cubicBezTo>
+                  <a:pt x="2120542" y="30596"/>
+                  <a:pt x="2467805" y="22127"/>
+                  <a:pt x="2743200" y="0"/>
+                </a:cubicBezTo>
+                <a:cubicBezTo>
+                  <a:pt x="2754506" y="110070"/>
+                  <a:pt x="2744167" y="183342"/>
+                  <a:pt x="2743200" y="338554"/>
+                </a:cubicBezTo>
+                <a:cubicBezTo>
+                  <a:pt x="2588823" y="322165"/>
+                  <a:pt x="2197237" y="367625"/>
+                  <a:pt x="2057400" y="338554"/>
+                </a:cubicBezTo>
+                <a:cubicBezTo>
+                  <a:pt x="1917563" y="309483"/>
+                  <a:pt x="1542565" y="350115"/>
+                  <a:pt x="1371600" y="338554"/>
+                </a:cubicBezTo>
+                <a:cubicBezTo>
+                  <a:pt x="1200635" y="326993"/>
+                  <a:pt x="851306" y="338077"/>
+                  <a:pt x="630936" y="338554"/>
+                </a:cubicBezTo>
+                <a:cubicBezTo>
+                  <a:pt x="410566" y="339031"/>
+                  <a:pt x="290941" y="339573"/>
+                  <a:pt x="0" y="338554"/>
+                </a:cubicBezTo>
+                <a:cubicBezTo>
+                  <a:pt x="8497" y="202276"/>
+                  <a:pt x="7109" y="109089"/>
+                  <a:pt x="0" y="0"/>
+                </a:cubicBezTo>
+                <a:close/>
+              </a:path>
+            </a:pathLst>
+          </a:custGeom>
+          <a:ln>
+            <a:extLst>
+              <a:ext uri="{C807C97D-BFC1-408E-A445-0C87EB9F89A2}">
+                <ask:lineSketchStyleProps xmlns:ask="http://schemas.microsoft.com/office/drawing/2018/sketchyshapes" sd="1048302887">
+                  <a:prstGeom prst="rect">
+                    <a:avLst/>
+                  </a:prstGeom>
+                  <ask:type>
+                    <ask:lineSketchFreehand/>
+                  </ask:type>
+                </ask:lineSketchStyleProps>
+              </a:ext>
+            </a:extLst>
+          </a:ln>
+        </p:spPr>
+        <p:style>
+          <a:lnRef idx="1">
+            <a:schemeClr val="accent5"/>
+          </a:lnRef>
+          <a:fillRef idx="2">
+            <a:schemeClr val="accent5"/>
+          </a:fillRef>
+          <a:effectRef idx="1">
+            <a:schemeClr val="accent5"/>
+          </a:effectRef>
+          <a:fontRef idx="minor">
+            <a:schemeClr val="dk1"/>
+          </a:fontRef>
+        </p:style>
+        <p:txBody>
+          <a:bodyPr rot="0" spcFirstLastPara="0" vertOverflow="overflow" horzOverflow="overflow" vert="horz" wrap="square" lIns="91440" tIns="45720" rIns="91440" bIns="45720" numCol="1" spcCol="0" rtlCol="0" fromWordArt="0" anchor="t" anchorCtr="0" forceAA="0" compatLnSpc="1">
+            <a:spAutoFit/>
+          </a:bodyPr>
+          <a:lstStyle/>
+          <a:p>
+            <a:pPr algn="ctr"/>
+            <a:r>
+              <a:rPr lang="en-GB" sz="1600" dirty="0" err="1">
+                <a:solidFill>
+                  <a:srgbClr val="002060"/>
+                </a:solidFill>
+                <a:latin typeface="Inconsolata" pitchFamily="49" charset="77"/>
+                <a:ea typeface="Inconsolata" pitchFamily="49" charset="77"/>
+              </a:rPr>
+              <a:t>GetModuleHandle</a:t>
+            </a:r>
+            <a:r>
+              <a:rPr lang="en-GB" sz="1600" dirty="0">
+                <a:solidFill>
+                  <a:srgbClr val="002060"/>
+                </a:solidFill>
+                <a:latin typeface="Inconsolata" pitchFamily="49" charset="77"/>
+                <a:ea typeface="Inconsolata" pitchFamily="49" charset="77"/>
+                <a:cs typeface="Calibri" panose="020F0502020204030204"/>
+              </a:rPr>
+              <a:t>()</a:t>
+            </a:r>
+          </a:p>
+        </p:txBody>
+      </p:sp>
+      <p:sp>
+        <p:nvSpPr>
+          <p:cNvPr id="16" name="TextBox 15"/>
+          <p:cNvSpPr txBox="1"/>
+          <p:nvPr/>
+        </p:nvSpPr>
+        <p:spPr>
+          <a:xfrm>
+            <a:off x="7511715" y="4503820"/>
+            <a:ext cx="4678278" cy="338554"/>
+          </a:xfrm>
+          <a:prstGeom prst="rect">
+            <a:avLst/>
+          </a:prstGeom>
+        </p:spPr>
+        <p:txBody>
+          <a:bodyPr rot="0" spcFirstLastPara="0" vertOverflow="overflow" horzOverflow="overflow" vert="horz" wrap="square" lIns="91440" tIns="45720" rIns="91440" bIns="45720" numCol="1" spcCol="0" rtlCol="0" fromWordArt="0" anchor="t" anchorCtr="0" forceAA="0" compatLnSpc="1">
+            <a:spAutoFit/>
+          </a:bodyPr>
+          <a:lstStyle/>
+          <a:p>
+            <a:pPr algn="ctr"/>
+            <a:r>
+              <a:rPr lang="en-GB" sz="1600" dirty="0">
+                <a:solidFill>
+                  <a:schemeClr val="accent6">
+                    <a:lumMod val="75000"/>
+                  </a:schemeClr>
+                </a:solidFill>
+                <a:latin typeface="Inconsolata" pitchFamily="49" charset="77"/>
+                <a:ea typeface="Inconsolata" pitchFamily="49" charset="77"/>
+                <a:cs typeface="Calibri" panose="020F0502020204030204"/>
+              </a:rPr>
+              <a:t>// find kernel32.dll address in RAM</a:t>
+            </a:r>
+          </a:p>
+        </p:txBody>
+      </p:sp>
+      <p:cxnSp>
+        <p:nvCxnSpPr>
+          <p:cNvPr id="17" name="Straight Arrow Connector 16"/>
+          <p:cNvCxnSpPr/>
+          <p:nvPr/>
+        </p:nvCxnSpPr>
+        <p:spPr>
+          <a:xfrm flipH="1" flipV="1">
+            <a:off x="6352673" y="4036593"/>
+            <a:ext cx="8021" cy="479259"/>
+          </a:xfrm>
+          <a:prstGeom prst="straightConnector1">
+            <a:avLst/>
+          </a:prstGeom>
+          <a:ln>
+            <a:prstDash val="dashDot"/>
+            <a:tailEnd type="triangle"/>
+          </a:ln>
+        </p:spPr>
+        <p:style>
+          <a:lnRef idx="1">
+            <a:schemeClr val="accent1"/>
+          </a:lnRef>
+          <a:fillRef idx="0">
+            <a:schemeClr val="accent1"/>
+          </a:fillRef>
+          <a:effectRef idx="0">
+            <a:schemeClr val="accent1"/>
+          </a:effectRef>
+          <a:fontRef idx="minor">
+            <a:schemeClr val="tx1"/>
+          </a:fontRef>
+        </p:style>
+      </p:cxnSp>
+      <p:cxnSp>
+        <p:nvCxnSpPr>
+          <p:cNvPr id="18" name="Straight Arrow Connector 17"/>
+          <p:cNvCxnSpPr/>
+          <p:nvPr/>
+        </p:nvCxnSpPr>
+        <p:spPr>
+          <a:xfrm flipH="1" flipV="1">
+            <a:off x="6352672" y="3284621"/>
+            <a:ext cx="8021" cy="338890"/>
+          </a:xfrm>
+          <a:prstGeom prst="straightConnector1">
+            <a:avLst/>
+          </a:prstGeom>
+          <a:ln>
+            <a:prstDash val="dashDot"/>
+            <a:tailEnd type="triangle"/>
+          </a:ln>
+        </p:spPr>
+        <p:style>
+          <a:lnRef idx="1">
+            <a:schemeClr val="accent1"/>
+          </a:lnRef>
+          <a:fillRef idx="0">
+            <a:schemeClr val="accent1"/>
+          </a:fillRef>
+          <a:effectRef idx="0">
+            <a:schemeClr val="accent1"/>
+          </a:effectRef>
+          <a:fontRef idx="minor">
+            <a:schemeClr val="tx1"/>
+          </a:fontRef>
+        </p:style>
+      </p:cxnSp>
+      <p:sp>
+        <p:nvSpPr>
+          <p:cNvPr id="19" name="TextBox 18"/>
+          <p:cNvSpPr txBox="1"/>
+          <p:nvPr/>
+        </p:nvSpPr>
+        <p:spPr>
+          <a:xfrm>
+            <a:off x="7371346" y="3661609"/>
+            <a:ext cx="4678278" cy="338554"/>
+          </a:xfrm>
+          <a:prstGeom prst="rect">
+            <a:avLst/>
+          </a:prstGeom>
+        </p:spPr>
+        <p:txBody>
+          <a:bodyPr rot="0" spcFirstLastPara="0" vertOverflow="overflow" horzOverflow="overflow" vert="horz" wrap="square" lIns="91440" tIns="45720" rIns="91440" bIns="45720" numCol="1" spcCol="0" rtlCol="0" fromWordArt="0" anchor="t" anchorCtr="0" forceAA="0" compatLnSpc="1">
+            <a:spAutoFit/>
+          </a:bodyPr>
+          <a:lstStyle/>
+          <a:p>
+            <a:pPr algn="ctr"/>
+            <a:r>
+              <a:rPr lang="en-GB" sz="1600" dirty="0">
+                <a:solidFill>
+                  <a:schemeClr val="accent6">
+                    <a:lumMod val="75000"/>
+                  </a:schemeClr>
+                </a:solidFill>
+                <a:latin typeface="Inconsolata" pitchFamily="49" charset="77"/>
+                <a:ea typeface="Inconsolata" pitchFamily="49" charset="77"/>
+                <a:cs typeface="Calibri" panose="020F0502020204030204"/>
+              </a:rPr>
+              <a:t>// get </a:t>
+            </a:r>
+            <a:r>
+              <a:rPr lang="en-GB" sz="1600" dirty="0" err="1">
+                <a:solidFill>
+                  <a:schemeClr val="accent6">
+                    <a:lumMod val="75000"/>
+                  </a:schemeClr>
+                </a:solidFill>
+                <a:latin typeface="Inconsolata" pitchFamily="49" charset="77"/>
+                <a:ea typeface="Inconsolata" pitchFamily="49" charset="77"/>
+                <a:cs typeface="Calibri" panose="020F0502020204030204"/>
+              </a:rPr>
+              <a:t>LoadLibrary</a:t>
+            </a:r>
+            <a:r>
+              <a:rPr lang="en-GB" sz="1600" dirty="0">
+                <a:solidFill>
+                  <a:schemeClr val="accent6">
+                    <a:lumMod val="75000"/>
+                  </a:schemeClr>
+                </a:solidFill>
+                <a:latin typeface="Inconsolata" pitchFamily="49" charset="77"/>
+                <a:ea typeface="Inconsolata" pitchFamily="49" charset="77"/>
+                <a:cs typeface="Calibri" panose="020F0502020204030204"/>
+              </a:rPr>
+              <a:t>() address</a:t>
+            </a:r>
+          </a:p>
+        </p:txBody>
+      </p:sp>
+      <p:cxnSp>
+        <p:nvCxnSpPr>
+          <p:cNvPr id="20" name="Straight Connector 19">
+            <a:extLst>
+              <a:ext uri="{FF2B5EF4-FFF2-40B4-BE49-F238E27FC236}">
+                <a16:creationId xmlns:a16="http://schemas.microsoft.com/office/drawing/2014/main" id="{A5773F46-C848-9943-BC85-5CE495C8783B}"/>
+              </a:ext>
+            </a:extLst>
+          </p:cNvPr>
+          <p:cNvCxnSpPr>
+            <a:cxnSpLocks/>
+          </p:cNvCxnSpPr>
+          <p:nvPr/>
+        </p:nvCxnSpPr>
+        <p:spPr>
+          <a:xfrm>
+            <a:off x="6975369" y="4053732"/>
+            <a:ext cx="4195551" cy="0"/>
+          </a:xfrm>
+          <a:prstGeom prst="line">
+            <a:avLst/>
+          </a:prstGeom>
+          <a:ln>
+            <a:solidFill>
+              <a:schemeClr val="accent6">
+                <a:lumMod val="75000"/>
+              </a:schemeClr>
+            </a:solidFill>
+            <a:prstDash val="sysDash"/>
+          </a:ln>
+        </p:spPr>
+        <p:style>
+          <a:lnRef idx="1">
+            <a:schemeClr val="accent1"/>
+          </a:lnRef>
+          <a:fillRef idx="0">
+            <a:schemeClr val="accent1"/>
+          </a:fillRef>
+          <a:effectRef idx="0">
+            <a:schemeClr val="accent1"/>
+          </a:effectRef>
+          <a:fontRef idx="minor">
+            <a:schemeClr val="tx1"/>
+          </a:fontRef>
+        </p:style>
+      </p:cxnSp>
+      <p:cxnSp>
+        <p:nvCxnSpPr>
+          <p:cNvPr id="21" name="Straight Connector 20">
+            <a:extLst>
+              <a:ext uri="{FF2B5EF4-FFF2-40B4-BE49-F238E27FC236}">
+                <a16:creationId xmlns:a16="http://schemas.microsoft.com/office/drawing/2014/main" id="{0F0D5BA0-A915-B046-A7A6-EB1EF2BE25EF}"/>
+              </a:ext>
+            </a:extLst>
+          </p:cNvPr>
+          <p:cNvCxnSpPr>
+            <a:cxnSpLocks/>
+          </p:cNvCxnSpPr>
+          <p:nvPr/>
+        </p:nvCxnSpPr>
+        <p:spPr>
+          <a:xfrm>
+            <a:off x="6903180" y="4887986"/>
+            <a:ext cx="4746593" cy="0"/>
+          </a:xfrm>
+          <a:prstGeom prst="line">
+            <a:avLst/>
+          </a:prstGeom>
+          <a:ln>
+            <a:solidFill>
+              <a:schemeClr val="accent6">
+                <a:lumMod val="75000"/>
+              </a:schemeClr>
+            </a:solidFill>
+            <a:prstDash val="sysDash"/>
+          </a:ln>
+        </p:spPr>
+        <p:style>
+          <a:lnRef idx="1">
+            <a:schemeClr val="accent1"/>
+          </a:lnRef>
+          <a:fillRef idx="0">
+            <a:schemeClr val="accent1"/>
+          </a:fillRef>
+          <a:effectRef idx="0">
+            <a:schemeClr val="accent1"/>
+          </a:effectRef>
+          <a:fontRef idx="minor">
+            <a:schemeClr val="tx1"/>
+          </a:fontRef>
+        </p:style>
+      </p:cxnSp>
+      <p:cxnSp>
+        <p:nvCxnSpPr>
+          <p:cNvPr id="24" name="Straight Connector 23">
+            <a:extLst>
+              <a:ext uri="{FF2B5EF4-FFF2-40B4-BE49-F238E27FC236}">
+                <a16:creationId xmlns:a16="http://schemas.microsoft.com/office/drawing/2014/main" id="{5DF5F664-DBCC-5B4F-97BC-05D1C4611687}"/>
+              </a:ext>
+            </a:extLst>
+          </p:cNvPr>
+          <p:cNvCxnSpPr>
+            <a:cxnSpLocks/>
+          </p:cNvCxnSpPr>
+          <p:nvPr/>
+        </p:nvCxnSpPr>
+        <p:spPr>
+          <a:xfrm>
+            <a:off x="4264716" y="1447800"/>
+            <a:ext cx="4100438" cy="0"/>
+          </a:xfrm>
+          <a:prstGeom prst="line">
+            <a:avLst/>
+          </a:prstGeom>
+          <a:ln>
+            <a:solidFill>
+              <a:schemeClr val="accent6">
+                <a:lumMod val="75000"/>
+              </a:schemeClr>
+            </a:solidFill>
+            <a:prstDash val="sysDash"/>
+          </a:ln>
+        </p:spPr>
+        <p:style>
+          <a:lnRef idx="1">
+            <a:schemeClr val="accent1"/>
+          </a:lnRef>
+          <a:fillRef idx="0">
+            <a:schemeClr val="accent1"/>
+          </a:fillRef>
+          <a:effectRef idx="0">
+            <a:schemeClr val="accent1"/>
+          </a:effectRef>
+          <a:fontRef idx="minor">
+            <a:schemeClr val="tx1"/>
+          </a:fontRef>
+        </p:style>
+      </p:cxnSp>
+    </p:spTree>
+    <p:extLst>
+      <p:ext uri="{BB962C8B-B14F-4D97-AF65-F5344CB8AC3E}">
+        <p14:creationId xmlns:p14="http://schemas.microsoft.com/office/powerpoint/2010/main" val="1809022351"/>
+      </p:ext>
+    </p:extLst>
+  </p:cSld>
+  <p:clrMapOvr>
+    <a:masterClrMapping/>
+  </p:clrMapOvr>
+</p:sld>
+</file>
+
+<file path=ppt/slides/slide33.xml><?xml version="1.0" encoding="utf-8"?>
+<p:sld xmlns:a="http://schemas.openxmlformats.org/drawingml/2006/main" xmlns:r="http://schemas.openxmlformats.org/officeDocument/2006/relationships" xmlns:p="http://schemas.openxmlformats.org/presentationml/2006/main">
+  <p:cSld>
+    <p:spTree>
+      <p:nvGrpSpPr>
+        <p:cNvPr id="1" name=""/>
+        <p:cNvGrpSpPr/>
+        <p:nvPr/>
+      </p:nvGrpSpPr>
+      <p:grpSpPr>
+        <a:xfrm>
+          <a:off x="0" y="0"/>
+          <a:ext cx="0" cy="0"/>
+          <a:chOff x="0" y="0"/>
+          <a:chExt cx="0" cy="0"/>
+        </a:xfrm>
+      </p:grpSpPr>
+      <p:sp>
+        <p:nvSpPr>
+          <p:cNvPr id="3" name="Rectangle 2"/>
+          <p:cNvSpPr/>
+          <p:nvPr/>
+        </p:nvSpPr>
+        <p:spPr>
+          <a:xfrm>
+            <a:off x="4365458" y="1477879"/>
+            <a:ext cx="2889585" cy="4975057"/>
+          </a:xfrm>
+          <a:custGeom>
+            <a:avLst/>
+            <a:gdLst>
+              <a:gd name="connsiteX0" fmla="*/ 0 w 2889585"/>
+              <a:gd name="connsiteY0" fmla="*/ 0 h 4975057"/>
+              <a:gd name="connsiteX1" fmla="*/ 520125 w 2889585"/>
+              <a:gd name="connsiteY1" fmla="*/ 0 h 4975057"/>
+              <a:gd name="connsiteX2" fmla="*/ 1069146 w 2889585"/>
+              <a:gd name="connsiteY2" fmla="*/ 0 h 4975057"/>
+              <a:gd name="connsiteX3" fmla="*/ 1704855 w 2889585"/>
+              <a:gd name="connsiteY3" fmla="*/ 0 h 4975057"/>
+              <a:gd name="connsiteX4" fmla="*/ 2282772 w 2889585"/>
+              <a:gd name="connsiteY4" fmla="*/ 0 h 4975057"/>
+              <a:gd name="connsiteX5" fmla="*/ 2889585 w 2889585"/>
+              <a:gd name="connsiteY5" fmla="*/ 0 h 4975057"/>
+              <a:gd name="connsiteX6" fmla="*/ 2889585 w 2889585"/>
+              <a:gd name="connsiteY6" fmla="*/ 572132 h 4975057"/>
+              <a:gd name="connsiteX7" fmla="*/ 2889585 w 2889585"/>
+              <a:gd name="connsiteY7" fmla="*/ 1094513 h 4975057"/>
+              <a:gd name="connsiteX8" fmla="*/ 2889585 w 2889585"/>
+              <a:gd name="connsiteY8" fmla="*/ 1766145 h 4975057"/>
+              <a:gd name="connsiteX9" fmla="*/ 2889585 w 2889585"/>
+              <a:gd name="connsiteY9" fmla="*/ 2288526 h 4975057"/>
+              <a:gd name="connsiteX10" fmla="*/ 2889585 w 2889585"/>
+              <a:gd name="connsiteY10" fmla="*/ 2761157 h 4975057"/>
+              <a:gd name="connsiteX11" fmla="*/ 2889585 w 2889585"/>
+              <a:gd name="connsiteY11" fmla="*/ 3283538 h 4975057"/>
+              <a:gd name="connsiteX12" fmla="*/ 2889585 w 2889585"/>
+              <a:gd name="connsiteY12" fmla="*/ 3855669 h 4975057"/>
+              <a:gd name="connsiteX13" fmla="*/ 2889585 w 2889585"/>
+              <a:gd name="connsiteY13" fmla="*/ 4975057 h 4975057"/>
+              <a:gd name="connsiteX14" fmla="*/ 2369460 w 2889585"/>
+              <a:gd name="connsiteY14" fmla="*/ 4975057 h 4975057"/>
+              <a:gd name="connsiteX15" fmla="*/ 1849334 w 2889585"/>
+              <a:gd name="connsiteY15" fmla="*/ 4975057 h 4975057"/>
+              <a:gd name="connsiteX16" fmla="*/ 1271417 w 2889585"/>
+              <a:gd name="connsiteY16" fmla="*/ 4975057 h 4975057"/>
+              <a:gd name="connsiteX17" fmla="*/ 693500 w 2889585"/>
+              <a:gd name="connsiteY17" fmla="*/ 4975057 h 4975057"/>
+              <a:gd name="connsiteX18" fmla="*/ 0 w 2889585"/>
+              <a:gd name="connsiteY18" fmla="*/ 4975057 h 4975057"/>
+              <a:gd name="connsiteX19" fmla="*/ 0 w 2889585"/>
+              <a:gd name="connsiteY19" fmla="*/ 4353175 h 4975057"/>
+              <a:gd name="connsiteX20" fmla="*/ 0 w 2889585"/>
+              <a:gd name="connsiteY20" fmla="*/ 3781043 h 4975057"/>
+              <a:gd name="connsiteX21" fmla="*/ 0 w 2889585"/>
+              <a:gd name="connsiteY21" fmla="*/ 3159161 h 4975057"/>
+              <a:gd name="connsiteX22" fmla="*/ 0 w 2889585"/>
+              <a:gd name="connsiteY22" fmla="*/ 2487529 h 4975057"/>
+              <a:gd name="connsiteX23" fmla="*/ 0 w 2889585"/>
+              <a:gd name="connsiteY23" fmla="*/ 1815896 h 4975057"/>
+              <a:gd name="connsiteX24" fmla="*/ 0 w 2889585"/>
+              <a:gd name="connsiteY24" fmla="*/ 1144263 h 4975057"/>
+              <a:gd name="connsiteX25" fmla="*/ 0 w 2889585"/>
+              <a:gd name="connsiteY25" fmla="*/ 0 h 4975057"/>
+            </a:gdLst>
+            <a:ahLst/>
+            <a:cxnLst>
+              <a:cxn ang="0">
+                <a:pos x="connsiteX0" y="connsiteY0"/>
+              </a:cxn>
+              <a:cxn ang="0">
+                <a:pos x="connsiteX1" y="connsiteY1"/>
+              </a:cxn>
+              <a:cxn ang="0">
+                <a:pos x="connsiteX2" y="connsiteY2"/>
+              </a:cxn>
+              <a:cxn ang="0">
+                <a:pos x="connsiteX3" y="connsiteY3"/>
+              </a:cxn>
+              <a:cxn ang="0">
+                <a:pos x="connsiteX4" y="connsiteY4"/>
+              </a:cxn>
+              <a:cxn ang="0">
+                <a:pos x="connsiteX5" y="connsiteY5"/>
+              </a:cxn>
+              <a:cxn ang="0">
+                <a:pos x="connsiteX6" y="connsiteY6"/>
+              </a:cxn>
+              <a:cxn ang="0">
+                <a:pos x="connsiteX7" y="connsiteY7"/>
+              </a:cxn>
+              <a:cxn ang="0">
+                <a:pos x="connsiteX8" y="connsiteY8"/>
+              </a:cxn>
+              <a:cxn ang="0">
+                <a:pos x="connsiteX9" y="connsiteY9"/>
+              </a:cxn>
+              <a:cxn ang="0">
+                <a:pos x="connsiteX10" y="connsiteY10"/>
+              </a:cxn>
+              <a:cxn ang="0">
+                <a:pos x="connsiteX11" y="connsiteY11"/>
+              </a:cxn>
+              <a:cxn ang="0">
+                <a:pos x="connsiteX12" y="connsiteY12"/>
+              </a:cxn>
+              <a:cxn ang="0">
+                <a:pos x="connsiteX13" y="connsiteY13"/>
+              </a:cxn>
+              <a:cxn ang="0">
+                <a:pos x="connsiteX14" y="connsiteY14"/>
+              </a:cxn>
+              <a:cxn ang="0">
+                <a:pos x="connsiteX15" y="connsiteY15"/>
+              </a:cxn>
+              <a:cxn ang="0">
+                <a:pos x="connsiteX16" y="connsiteY16"/>
+              </a:cxn>
+              <a:cxn ang="0">
+                <a:pos x="connsiteX17" y="connsiteY17"/>
+              </a:cxn>
+              <a:cxn ang="0">
+                <a:pos x="connsiteX18" y="connsiteY18"/>
+              </a:cxn>
+              <a:cxn ang="0">
+                <a:pos x="connsiteX19" y="connsiteY19"/>
+              </a:cxn>
+              <a:cxn ang="0">
+                <a:pos x="connsiteX20" y="connsiteY20"/>
+              </a:cxn>
+              <a:cxn ang="0">
+                <a:pos x="connsiteX21" y="connsiteY21"/>
+              </a:cxn>
+              <a:cxn ang="0">
+                <a:pos x="connsiteX22" y="connsiteY22"/>
+              </a:cxn>
+              <a:cxn ang="0">
+                <a:pos x="connsiteX23" y="connsiteY23"/>
+              </a:cxn>
+              <a:cxn ang="0">
+                <a:pos x="connsiteX24" y="connsiteY24"/>
+              </a:cxn>
+              <a:cxn ang="0">
+                <a:pos x="connsiteX25" y="connsiteY25"/>
+              </a:cxn>
+            </a:cxnLst>
+            <a:rect l="l" t="t" r="r" b="b"/>
+            <a:pathLst>
+              <a:path w="2889585" h="4975057" fill="none" extrusionOk="0">
+                <a:moveTo>
+                  <a:pt x="0" y="0"/>
+                </a:moveTo>
+                <a:cubicBezTo>
+                  <a:pt x="150609" y="9140"/>
+                  <a:pt x="388318" y="-25903"/>
+                  <a:pt x="520125" y="0"/>
+                </a:cubicBezTo>
+                <a:cubicBezTo>
+                  <a:pt x="651932" y="25903"/>
+                  <a:pt x="883687" y="-26077"/>
+                  <a:pt x="1069146" y="0"/>
+                </a:cubicBezTo>
+                <a:cubicBezTo>
+                  <a:pt x="1254605" y="26077"/>
+                  <a:pt x="1565787" y="-21252"/>
+                  <a:pt x="1704855" y="0"/>
+                </a:cubicBezTo>
+                <a:cubicBezTo>
+                  <a:pt x="1843923" y="21252"/>
+                  <a:pt x="2049478" y="4373"/>
+                  <a:pt x="2282772" y="0"/>
+                </a:cubicBezTo>
+                <a:cubicBezTo>
+                  <a:pt x="2516066" y="-4373"/>
+                  <a:pt x="2683343" y="-3703"/>
+                  <a:pt x="2889585" y="0"/>
+                </a:cubicBezTo>
+                <a:cubicBezTo>
+                  <a:pt x="2863251" y="199124"/>
+                  <a:pt x="2903502" y="316993"/>
+                  <a:pt x="2889585" y="572132"/>
+                </a:cubicBezTo>
+                <a:cubicBezTo>
+                  <a:pt x="2875668" y="827271"/>
+                  <a:pt x="2877833" y="906859"/>
+                  <a:pt x="2889585" y="1094513"/>
+                </a:cubicBezTo>
+                <a:cubicBezTo>
+                  <a:pt x="2901337" y="1282167"/>
+                  <a:pt x="2886874" y="1519064"/>
+                  <a:pt x="2889585" y="1766145"/>
+                </a:cubicBezTo>
+                <a:cubicBezTo>
+                  <a:pt x="2892296" y="2013226"/>
+                  <a:pt x="2868173" y="2125220"/>
+                  <a:pt x="2889585" y="2288526"/>
+                </a:cubicBezTo>
+                <a:cubicBezTo>
+                  <a:pt x="2910997" y="2451832"/>
+                  <a:pt x="2876843" y="2604653"/>
+                  <a:pt x="2889585" y="2761157"/>
+                </a:cubicBezTo>
+                <a:cubicBezTo>
+                  <a:pt x="2902327" y="2917661"/>
+                  <a:pt x="2868417" y="3108224"/>
+                  <a:pt x="2889585" y="3283538"/>
+                </a:cubicBezTo>
+                <a:cubicBezTo>
+                  <a:pt x="2910753" y="3458852"/>
+                  <a:pt x="2892106" y="3573460"/>
+                  <a:pt x="2889585" y="3855669"/>
+                </a:cubicBezTo>
+                <a:cubicBezTo>
+                  <a:pt x="2887064" y="4137878"/>
+                  <a:pt x="2840289" y="4745732"/>
+                  <a:pt x="2889585" y="4975057"/>
+                </a:cubicBezTo>
+                <a:cubicBezTo>
+                  <a:pt x="2649096" y="4991408"/>
+                  <a:pt x="2510581" y="4983162"/>
+                  <a:pt x="2369460" y="4975057"/>
+                </a:cubicBezTo>
+                <a:cubicBezTo>
+                  <a:pt x="2228339" y="4966952"/>
+                  <a:pt x="2044270" y="4956317"/>
+                  <a:pt x="1849334" y="4975057"/>
+                </a:cubicBezTo>
+                <a:cubicBezTo>
+                  <a:pt x="1654398" y="4993797"/>
+                  <a:pt x="1478543" y="4985984"/>
+                  <a:pt x="1271417" y="4975057"/>
+                </a:cubicBezTo>
+                <a:cubicBezTo>
+                  <a:pt x="1064291" y="4964130"/>
+                  <a:pt x="948015" y="4957564"/>
+                  <a:pt x="693500" y="4975057"/>
+                </a:cubicBezTo>
+                <a:cubicBezTo>
+                  <a:pt x="438985" y="4992550"/>
+                  <a:pt x="260129" y="4995879"/>
+                  <a:pt x="0" y="4975057"/>
+                </a:cubicBezTo>
+                <a:cubicBezTo>
+                  <a:pt x="-4841" y="4789595"/>
+                  <a:pt x="24724" y="4588550"/>
+                  <a:pt x="0" y="4353175"/>
+                </a:cubicBezTo>
+                <a:cubicBezTo>
+                  <a:pt x="-24724" y="4117800"/>
+                  <a:pt x="13750" y="3951143"/>
+                  <a:pt x="0" y="3781043"/>
+                </a:cubicBezTo>
+                <a:cubicBezTo>
+                  <a:pt x="-13750" y="3610943"/>
+                  <a:pt x="-18330" y="3346557"/>
+                  <a:pt x="0" y="3159161"/>
+                </a:cubicBezTo>
+                <a:cubicBezTo>
+                  <a:pt x="18330" y="2971765"/>
+                  <a:pt x="2148" y="2707877"/>
+                  <a:pt x="0" y="2487529"/>
+                </a:cubicBezTo>
+                <a:cubicBezTo>
+                  <a:pt x="-2148" y="2267181"/>
+                  <a:pt x="-10172" y="2082264"/>
+                  <a:pt x="0" y="1815896"/>
+                </a:cubicBezTo>
+                <a:cubicBezTo>
+                  <a:pt x="10172" y="1549528"/>
+                  <a:pt x="-32563" y="1361734"/>
+                  <a:pt x="0" y="1144263"/>
+                </a:cubicBezTo>
+                <a:cubicBezTo>
+                  <a:pt x="32563" y="926792"/>
+                  <a:pt x="-52381" y="508145"/>
+                  <a:pt x="0" y="0"/>
+                </a:cubicBezTo>
+                <a:close/>
+              </a:path>
+              <a:path w="2889585" h="4975057" stroke="0" extrusionOk="0">
+                <a:moveTo>
+                  <a:pt x="0" y="0"/>
+                </a:moveTo>
+                <a:cubicBezTo>
+                  <a:pt x="200652" y="-1230"/>
+                  <a:pt x="371300" y="-23452"/>
+                  <a:pt x="549021" y="0"/>
+                </a:cubicBezTo>
+                <a:cubicBezTo>
+                  <a:pt x="726742" y="23452"/>
+                  <a:pt x="929149" y="22054"/>
+                  <a:pt x="1040251" y="0"/>
+                </a:cubicBezTo>
+                <a:cubicBezTo>
+                  <a:pt x="1151353" y="-22054"/>
+                  <a:pt x="1407757" y="-6368"/>
+                  <a:pt x="1675959" y="0"/>
+                </a:cubicBezTo>
+                <a:cubicBezTo>
+                  <a:pt x="1944161" y="6368"/>
+                  <a:pt x="2044644" y="11355"/>
+                  <a:pt x="2224980" y="0"/>
+                </a:cubicBezTo>
+                <a:cubicBezTo>
+                  <a:pt x="2405316" y="-11355"/>
+                  <a:pt x="2697638" y="4865"/>
+                  <a:pt x="2889585" y="0"/>
+                </a:cubicBezTo>
+                <a:cubicBezTo>
+                  <a:pt x="2886954" y="253926"/>
+                  <a:pt x="2890042" y="557417"/>
+                  <a:pt x="2889585" y="721383"/>
+                </a:cubicBezTo>
+                <a:cubicBezTo>
+                  <a:pt x="2889128" y="885349"/>
+                  <a:pt x="2896702" y="1148424"/>
+                  <a:pt x="2889585" y="1343265"/>
+                </a:cubicBezTo>
+                <a:cubicBezTo>
+                  <a:pt x="2882468" y="1538106"/>
+                  <a:pt x="2906432" y="1711958"/>
+                  <a:pt x="2889585" y="1965148"/>
+                </a:cubicBezTo>
+                <a:cubicBezTo>
+                  <a:pt x="2872738" y="2218338"/>
+                  <a:pt x="2892633" y="2348256"/>
+                  <a:pt x="2889585" y="2487529"/>
+                </a:cubicBezTo>
+                <a:cubicBezTo>
+                  <a:pt x="2886537" y="2626802"/>
+                  <a:pt x="2881409" y="2851666"/>
+                  <a:pt x="2889585" y="3009909"/>
+                </a:cubicBezTo>
+                <a:cubicBezTo>
+                  <a:pt x="2897761" y="3168152"/>
+                  <a:pt x="2876079" y="3503515"/>
+                  <a:pt x="2889585" y="3631792"/>
+                </a:cubicBezTo>
+                <a:cubicBezTo>
+                  <a:pt x="2903091" y="3760069"/>
+                  <a:pt x="2914671" y="4102196"/>
+                  <a:pt x="2889585" y="4303424"/>
+                </a:cubicBezTo>
+                <a:cubicBezTo>
+                  <a:pt x="2864499" y="4504652"/>
+                  <a:pt x="2857472" y="4688927"/>
+                  <a:pt x="2889585" y="4975057"/>
+                </a:cubicBezTo>
+                <a:cubicBezTo>
+                  <a:pt x="2640092" y="4959362"/>
+                  <a:pt x="2476182" y="4986166"/>
+                  <a:pt x="2311668" y="4975057"/>
+                </a:cubicBezTo>
+                <a:cubicBezTo>
+                  <a:pt x="2147154" y="4963948"/>
+                  <a:pt x="1951907" y="4997580"/>
+                  <a:pt x="1791543" y="4975057"/>
+                </a:cubicBezTo>
+                <a:cubicBezTo>
+                  <a:pt x="1631179" y="4952534"/>
+                  <a:pt x="1376305" y="4994146"/>
+                  <a:pt x="1213626" y="4975057"/>
+                </a:cubicBezTo>
+                <a:cubicBezTo>
+                  <a:pt x="1050947" y="4955968"/>
+                  <a:pt x="785889" y="4969011"/>
+                  <a:pt x="577917" y="4975057"/>
+                </a:cubicBezTo>
+                <a:cubicBezTo>
+                  <a:pt x="369945" y="4981103"/>
+                  <a:pt x="253429" y="4973596"/>
+                  <a:pt x="0" y="4975057"/>
+                </a:cubicBezTo>
+                <a:cubicBezTo>
+                  <a:pt x="-21423" y="4875065"/>
+                  <a:pt x="17486" y="4688309"/>
+                  <a:pt x="0" y="4502427"/>
+                </a:cubicBezTo>
+                <a:cubicBezTo>
+                  <a:pt x="-17486" y="4316545"/>
+                  <a:pt x="22031" y="4187726"/>
+                  <a:pt x="0" y="3980046"/>
+                </a:cubicBezTo>
+                <a:cubicBezTo>
+                  <a:pt x="-22031" y="3772366"/>
+                  <a:pt x="3521" y="3682263"/>
+                  <a:pt x="0" y="3407914"/>
+                </a:cubicBezTo>
+                <a:cubicBezTo>
+                  <a:pt x="-3521" y="3133565"/>
+                  <a:pt x="19285" y="2912381"/>
+                  <a:pt x="0" y="2686531"/>
+                </a:cubicBezTo>
+                <a:cubicBezTo>
+                  <a:pt x="-19285" y="2460681"/>
+                  <a:pt x="-1578" y="2366939"/>
+                  <a:pt x="0" y="2064649"/>
+                </a:cubicBezTo>
+                <a:cubicBezTo>
+                  <a:pt x="1578" y="1762359"/>
+                  <a:pt x="-14555" y="1676966"/>
+                  <a:pt x="0" y="1492517"/>
+                </a:cubicBezTo>
+                <a:cubicBezTo>
+                  <a:pt x="14555" y="1308068"/>
+                  <a:pt x="-1687" y="1162968"/>
+                  <a:pt x="0" y="1019887"/>
+                </a:cubicBezTo>
+                <a:cubicBezTo>
+                  <a:pt x="1687" y="876806"/>
+                  <a:pt x="-16303" y="776320"/>
+                  <a:pt x="0" y="547256"/>
+                </a:cubicBezTo>
+                <a:cubicBezTo>
+                  <a:pt x="16303" y="318192"/>
+                  <a:pt x="-18671" y="246683"/>
+                  <a:pt x="0" y="0"/>
+                </a:cubicBezTo>
+                <a:close/>
+              </a:path>
+            </a:pathLst>
+          </a:custGeom>
+          <a:gradFill>
+            <a:lin ang="5400000" scaled="0"/>
+          </a:gradFill>
+          <a:ln cap="rnd">
+            <a:extLst>
+              <a:ext uri="{C807C97D-BFC1-408E-A445-0C87EB9F89A2}">
+                <ask:lineSketchStyleProps xmlns:ask="http://schemas.microsoft.com/office/drawing/2018/sketchyshapes" sd="1219033472">
+                  <a:prstGeom prst="rect">
+                    <a:avLst/>
+                  </a:prstGeom>
+                  <ask:type>
+                    <ask:lineSketchFreehand/>
+                  </ask:type>
+                </ask:lineSketchStyleProps>
+              </a:ext>
+            </a:extLst>
+          </a:ln>
+        </p:spPr>
+        <p:style>
+          <a:lnRef idx="1">
+            <a:schemeClr val="accent5"/>
+          </a:lnRef>
+          <a:fillRef idx="2">
+            <a:schemeClr val="accent5"/>
+          </a:fillRef>
+          <a:effectRef idx="1">
+            <a:schemeClr val="accent5"/>
+          </a:effectRef>
+          <a:fontRef idx="minor">
+            <a:schemeClr val="dk1"/>
+          </a:fontRef>
+        </p:style>
+        <p:txBody>
+          <a:bodyPr rtlCol="0" anchor="ctr"/>
+          <a:lstStyle/>
+          <a:p>
+            <a:pPr algn="ctr"/>
+            <a:endParaRPr lang="en-GB" sz="1600" dirty="0">
+              <a:solidFill>
+                <a:srgbClr val="002060"/>
+              </a:solidFill>
+              <a:latin typeface="Inconsolata" pitchFamily="49" charset="77"/>
+              <a:ea typeface="Inconsolata" pitchFamily="49" charset="77"/>
+            </a:endParaRPr>
+          </a:p>
+        </p:txBody>
+      </p:sp>
+      <p:sp>
+        <p:nvSpPr>
+          <p:cNvPr id="4" name="TextBox 3"/>
+          <p:cNvSpPr txBox="1"/>
+          <p:nvPr/>
+        </p:nvSpPr>
+        <p:spPr>
+          <a:xfrm>
+            <a:off x="4403557" y="904373"/>
+            <a:ext cx="2743200" cy="523220"/>
+          </a:xfrm>
+          <a:prstGeom prst="rect">
+            <a:avLst/>
+          </a:prstGeom>
+        </p:spPr>
+        <p:txBody>
+          <a:bodyPr rot="0" spcFirstLastPara="0" vertOverflow="overflow" horzOverflow="overflow" vert="horz" wrap="square" lIns="91440" tIns="45720" rIns="91440" bIns="45720" numCol="1" spcCol="0" rtlCol="0" fromWordArt="0" anchor="t" anchorCtr="0" forceAA="0" compatLnSpc="1">
+            <a:spAutoFit/>
+          </a:bodyPr>
+          <a:lstStyle/>
+          <a:p>
+            <a:pPr algn="ctr"/>
+            <a:r>
+              <a:rPr lang="en-GB" sz="1600" dirty="0">
+                <a:solidFill>
+                  <a:srgbClr val="002060"/>
+                </a:solidFill>
+                <a:latin typeface="Inconsolata" pitchFamily="49" charset="77"/>
+                <a:ea typeface="Inconsolata" pitchFamily="49" charset="77"/>
+              </a:rPr>
+              <a:t>Our “</a:t>
+            </a:r>
+            <a:r>
+              <a:rPr lang="en-GB" sz="1600" dirty="0" err="1">
+                <a:solidFill>
+                  <a:srgbClr val="002060"/>
+                </a:solidFill>
+                <a:latin typeface="Inconsolata" pitchFamily="49" charset="77"/>
+                <a:ea typeface="Inconsolata" pitchFamily="49" charset="77"/>
+              </a:rPr>
+              <a:t>sick”process</a:t>
+            </a:r>
+            <a:r>
+              <a:rPr lang="en-GB" sz="1600" dirty="0">
+                <a:solidFill>
+                  <a:srgbClr val="002060"/>
+                </a:solidFill>
+                <a:latin typeface="Inconsolata" pitchFamily="49" charset="77"/>
+                <a:ea typeface="Inconsolata" pitchFamily="49" charset="77"/>
+              </a:rPr>
+              <a:t> </a:t>
+            </a:r>
+            <a:r>
+              <a:rPr lang="en-GB" sz="2800" dirty="0">
+                <a:solidFill>
+                  <a:srgbClr val="002060"/>
+                </a:solidFill>
+                <a:latin typeface="Inconsolata" pitchFamily="49" charset="77"/>
+                <a:ea typeface="Inconsolata" pitchFamily="49" charset="77"/>
+              </a:rPr>
+              <a:t>🤒</a:t>
+            </a:r>
+            <a:r>
+              <a:rPr lang="en-GB" sz="1600" dirty="0">
+                <a:solidFill>
+                  <a:srgbClr val="002060"/>
+                </a:solidFill>
+                <a:latin typeface="Inconsolata" pitchFamily="49" charset="77"/>
+                <a:ea typeface="Inconsolata" pitchFamily="49" charset="77"/>
+              </a:rPr>
+              <a:t> </a:t>
+            </a:r>
+            <a:endParaRPr lang="en-US" sz="1600" dirty="0" err="1">
+              <a:solidFill>
+                <a:srgbClr val="002060"/>
+              </a:solidFill>
+              <a:latin typeface="Inconsolata" pitchFamily="49" charset="77"/>
+              <a:ea typeface="Inconsolata" pitchFamily="49" charset="77"/>
+            </a:endParaRPr>
+          </a:p>
+        </p:txBody>
+      </p:sp>
+      <p:sp>
+        <p:nvSpPr>
+          <p:cNvPr id="5" name="TextBox 4"/>
+          <p:cNvSpPr txBox="1"/>
+          <p:nvPr/>
+        </p:nvSpPr>
+        <p:spPr>
+          <a:xfrm>
+            <a:off x="4664241" y="2257925"/>
+            <a:ext cx="2041358" cy="338554"/>
+          </a:xfrm>
+          <a:custGeom>
+            <a:avLst/>
+            <a:gdLst>
+              <a:gd name="connsiteX0" fmla="*/ 0 w 2041358"/>
+              <a:gd name="connsiteY0" fmla="*/ 0 h 338554"/>
+              <a:gd name="connsiteX1" fmla="*/ 721280 w 2041358"/>
+              <a:gd name="connsiteY1" fmla="*/ 0 h 338554"/>
+              <a:gd name="connsiteX2" fmla="*/ 1422146 w 2041358"/>
+              <a:gd name="connsiteY2" fmla="*/ 0 h 338554"/>
+              <a:gd name="connsiteX3" fmla="*/ 2041358 w 2041358"/>
+              <a:gd name="connsiteY3" fmla="*/ 0 h 338554"/>
+              <a:gd name="connsiteX4" fmla="*/ 2041358 w 2041358"/>
+              <a:gd name="connsiteY4" fmla="*/ 338554 h 338554"/>
+              <a:gd name="connsiteX5" fmla="*/ 1401732 w 2041358"/>
+              <a:gd name="connsiteY5" fmla="*/ 338554 h 338554"/>
+              <a:gd name="connsiteX6" fmla="*/ 721280 w 2041358"/>
+              <a:gd name="connsiteY6" fmla="*/ 338554 h 338554"/>
+              <a:gd name="connsiteX7" fmla="*/ 0 w 2041358"/>
+              <a:gd name="connsiteY7" fmla="*/ 338554 h 338554"/>
+              <a:gd name="connsiteX8" fmla="*/ 0 w 2041358"/>
+              <a:gd name="connsiteY8" fmla="*/ 0 h 338554"/>
+            </a:gdLst>
+            <a:ahLst/>
+            <a:cxnLst>
+              <a:cxn ang="0">
+                <a:pos x="connsiteX0" y="connsiteY0"/>
+              </a:cxn>
+              <a:cxn ang="0">
+                <a:pos x="connsiteX1" y="connsiteY1"/>
+              </a:cxn>
+              <a:cxn ang="0">
+                <a:pos x="connsiteX2" y="connsiteY2"/>
+              </a:cxn>
+              <a:cxn ang="0">
+                <a:pos x="connsiteX3" y="connsiteY3"/>
+              </a:cxn>
+              <a:cxn ang="0">
+                <a:pos x="connsiteX4" y="connsiteY4"/>
+              </a:cxn>
+              <a:cxn ang="0">
+                <a:pos x="connsiteX5" y="connsiteY5"/>
+              </a:cxn>
+              <a:cxn ang="0">
+                <a:pos x="connsiteX6" y="connsiteY6"/>
+              </a:cxn>
+              <a:cxn ang="0">
+                <a:pos x="connsiteX7" y="connsiteY7"/>
+              </a:cxn>
+              <a:cxn ang="0">
+                <a:pos x="connsiteX8" y="connsiteY8"/>
+              </a:cxn>
+            </a:cxnLst>
+            <a:rect l="l" t="t" r="r" b="b"/>
+            <a:pathLst>
+              <a:path w="2041358" h="338554" fill="none" extrusionOk="0">
+                <a:moveTo>
+                  <a:pt x="0" y="0"/>
+                </a:moveTo>
+                <a:cubicBezTo>
+                  <a:pt x="238494" y="-28139"/>
+                  <a:pt x="413603" y="-2293"/>
+                  <a:pt x="721280" y="0"/>
+                </a:cubicBezTo>
+                <a:cubicBezTo>
+                  <a:pt x="1028957" y="2293"/>
+                  <a:pt x="1245273" y="16622"/>
+                  <a:pt x="1422146" y="0"/>
+                </a:cubicBezTo>
+                <a:cubicBezTo>
+                  <a:pt x="1599019" y="-16622"/>
+                  <a:pt x="1750677" y="-626"/>
+                  <a:pt x="2041358" y="0"/>
+                </a:cubicBezTo>
+                <a:cubicBezTo>
+                  <a:pt x="2048184" y="115344"/>
+                  <a:pt x="2047890" y="246378"/>
+                  <a:pt x="2041358" y="338554"/>
+                </a:cubicBezTo>
+                <a:cubicBezTo>
+                  <a:pt x="1762136" y="313214"/>
+                  <a:pt x="1687148" y="340018"/>
+                  <a:pt x="1401732" y="338554"/>
+                </a:cubicBezTo>
+                <a:cubicBezTo>
+                  <a:pt x="1116316" y="337090"/>
+                  <a:pt x="1053005" y="331918"/>
+                  <a:pt x="721280" y="338554"/>
+                </a:cubicBezTo>
+                <a:cubicBezTo>
+                  <a:pt x="389555" y="345190"/>
+                  <a:pt x="257556" y="324130"/>
+                  <a:pt x="0" y="338554"/>
+                </a:cubicBezTo>
+                <a:cubicBezTo>
+                  <a:pt x="-576" y="255260"/>
+                  <a:pt x="1568" y="159055"/>
+                  <a:pt x="0" y="0"/>
+                </a:cubicBezTo>
+                <a:close/>
+              </a:path>
+              <a:path w="2041358" h="338554" stroke="0" extrusionOk="0">
+                <a:moveTo>
+                  <a:pt x="0" y="0"/>
+                </a:moveTo>
+                <a:cubicBezTo>
+                  <a:pt x="202630" y="18806"/>
+                  <a:pt x="516247" y="18929"/>
+                  <a:pt x="660039" y="0"/>
+                </a:cubicBezTo>
+                <a:cubicBezTo>
+                  <a:pt x="803831" y="-18929"/>
+                  <a:pt x="1109130" y="10251"/>
+                  <a:pt x="1279251" y="0"/>
+                </a:cubicBezTo>
+                <a:cubicBezTo>
+                  <a:pt x="1449372" y="-10251"/>
+                  <a:pt x="1677100" y="-35737"/>
+                  <a:pt x="2041358" y="0"/>
+                </a:cubicBezTo>
+                <a:cubicBezTo>
+                  <a:pt x="2032924" y="98340"/>
+                  <a:pt x="2030473" y="172793"/>
+                  <a:pt x="2041358" y="338554"/>
+                </a:cubicBezTo>
+                <a:cubicBezTo>
+                  <a:pt x="1745569" y="362549"/>
+                  <a:pt x="1621887" y="344001"/>
+                  <a:pt x="1401732" y="338554"/>
+                </a:cubicBezTo>
+                <a:cubicBezTo>
+                  <a:pt x="1181577" y="333107"/>
+                  <a:pt x="984961" y="333700"/>
+                  <a:pt x="680453" y="338554"/>
+                </a:cubicBezTo>
+                <a:cubicBezTo>
+                  <a:pt x="375945" y="343408"/>
+                  <a:pt x="214911" y="366421"/>
+                  <a:pt x="0" y="338554"/>
+                </a:cubicBezTo>
+                <a:cubicBezTo>
+                  <a:pt x="7027" y="256353"/>
+                  <a:pt x="-1773" y="77906"/>
+                  <a:pt x="0" y="0"/>
+                </a:cubicBezTo>
+                <a:close/>
+              </a:path>
+            </a:pathLst>
+          </a:custGeom>
+          <a:solidFill>
+            <a:schemeClr val="accent2">
+              <a:lumMod val="60000"/>
+              <a:lumOff val="40000"/>
+            </a:schemeClr>
+          </a:solidFill>
+          <a:ln>
+            <a:extLst>
+              <a:ext uri="{C807C97D-BFC1-408E-A445-0C87EB9F89A2}">
+                <ask:lineSketchStyleProps xmlns:ask="http://schemas.microsoft.com/office/drawing/2018/sketchyshapes" sd="1219033472">
+                  <a:prstGeom prst="rect">
+                    <a:avLst/>
+                  </a:prstGeom>
+                  <ask:type>
+                    <ask:lineSketchFreehand/>
+                  </ask:type>
+                </ask:lineSketchStyleProps>
+              </a:ext>
+            </a:extLst>
+          </a:ln>
+        </p:spPr>
+        <p:style>
+          <a:lnRef idx="1">
+            <a:schemeClr val="accent2"/>
+          </a:lnRef>
+          <a:fillRef idx="2">
+            <a:schemeClr val="accent2"/>
+          </a:fillRef>
+          <a:effectRef idx="1">
+            <a:schemeClr val="accent2"/>
+          </a:effectRef>
+          <a:fontRef idx="minor">
+            <a:schemeClr val="dk1"/>
+          </a:fontRef>
+        </p:style>
+        <p:txBody>
+          <a:bodyPr rot="0" spcFirstLastPara="0" vertOverflow="overflow" horzOverflow="overflow" vert="horz" wrap="square" lIns="91440" tIns="45720" rIns="91440" bIns="45720" numCol="1" spcCol="0" rtlCol="0" fromWordArt="0" anchor="t" anchorCtr="0" forceAA="0" compatLnSpc="1">
+            <a:spAutoFit/>
+          </a:bodyPr>
+          <a:lstStyle/>
+          <a:p>
+            <a:pPr algn="ctr"/>
+            <a:r>
+              <a:rPr lang="en-GB" sz="1600" dirty="0">
+                <a:solidFill>
+                  <a:schemeClr val="accent2">
+                    <a:lumMod val="50000"/>
+                  </a:schemeClr>
+                </a:solidFill>
+                <a:latin typeface="Inconsolata" pitchFamily="49" charset="77"/>
+                <a:ea typeface="Inconsolata" pitchFamily="49" charset="77"/>
+                <a:cs typeface="Calibri" panose="020F0502020204030204"/>
+              </a:rPr>
+              <a:t>C://MyDocs/mal.dll</a:t>
+            </a:r>
+          </a:p>
+        </p:txBody>
+      </p:sp>
+      <p:sp>
+        <p:nvSpPr>
+          <p:cNvPr id="6" name="TextBox 5"/>
+          <p:cNvSpPr txBox="1"/>
+          <p:nvPr/>
+        </p:nvSpPr>
+        <p:spPr>
+          <a:xfrm>
+            <a:off x="1941094" y="1117881"/>
+            <a:ext cx="2743200" cy="338554"/>
+          </a:xfrm>
+          <a:prstGeom prst="rect">
+            <a:avLst/>
+          </a:prstGeom>
+        </p:spPr>
+        <p:txBody>
+          <a:bodyPr rot="0" spcFirstLastPara="0" vertOverflow="overflow" horzOverflow="overflow" vert="horz" wrap="square" lIns="91440" tIns="45720" rIns="91440" bIns="45720" numCol="1" spcCol="0" rtlCol="0" fromWordArt="0" anchor="t" anchorCtr="0" forceAA="0" compatLnSpc="1">
+            <a:spAutoFit/>
+          </a:bodyPr>
+          <a:lstStyle/>
+          <a:p>
+            <a:pPr algn="ctr"/>
+            <a:r>
+              <a:rPr lang="en-GB" sz="1600" dirty="0">
+                <a:solidFill>
+                  <a:srgbClr val="002060"/>
+                </a:solidFill>
+                <a:latin typeface="Inconsolata" pitchFamily="49" charset="77"/>
+                <a:ea typeface="Inconsolata" pitchFamily="49" charset="77"/>
+              </a:rPr>
+              <a:t>0xffffffff</a:t>
+            </a:r>
+            <a:endParaRPr lang="en-US" sz="1600" dirty="0">
+              <a:solidFill>
+                <a:srgbClr val="002060"/>
+              </a:solidFill>
+              <a:latin typeface="Inconsolata" pitchFamily="49" charset="77"/>
+              <a:ea typeface="Inconsolata" pitchFamily="49" charset="77"/>
+            </a:endParaRPr>
+          </a:p>
+        </p:txBody>
+      </p:sp>
+      <p:sp>
+        <p:nvSpPr>
+          <p:cNvPr id="7" name="TextBox 6"/>
+          <p:cNvSpPr txBox="1"/>
+          <p:nvPr/>
+        </p:nvSpPr>
+        <p:spPr>
+          <a:xfrm>
+            <a:off x="2047373" y="6087978"/>
+            <a:ext cx="2743200" cy="338554"/>
+          </a:xfrm>
+          <a:prstGeom prst="rect">
+            <a:avLst/>
+          </a:prstGeom>
+        </p:spPr>
+        <p:txBody>
+          <a:bodyPr rot="0" spcFirstLastPara="0" vertOverflow="overflow" horzOverflow="overflow" vert="horz" wrap="square" lIns="91440" tIns="45720" rIns="91440" bIns="45720" numCol="1" spcCol="0" rtlCol="0" fromWordArt="0" anchor="t" anchorCtr="0" forceAA="0" compatLnSpc="1">
+            <a:spAutoFit/>
+          </a:bodyPr>
+          <a:lstStyle/>
+          <a:p>
+            <a:pPr algn="ctr"/>
+            <a:r>
+              <a:rPr lang="en-GB" sz="1600" dirty="0">
+                <a:solidFill>
+                  <a:srgbClr val="002060"/>
+                </a:solidFill>
+                <a:latin typeface="Inconsolata" pitchFamily="49" charset="77"/>
+                <a:ea typeface="Inconsolata" pitchFamily="49" charset="77"/>
+              </a:rPr>
+              <a:t>0x00000000</a:t>
+            </a:r>
+            <a:endParaRPr lang="en-US" sz="1600" dirty="0">
+              <a:solidFill>
+                <a:srgbClr val="002060"/>
+              </a:solidFill>
+              <a:latin typeface="Inconsolata" pitchFamily="49" charset="77"/>
+              <a:ea typeface="Inconsolata" pitchFamily="49" charset="77"/>
+            </a:endParaRPr>
+          </a:p>
+        </p:txBody>
+      </p:sp>
+      <p:sp>
+        <p:nvSpPr>
+          <p:cNvPr id="8" name="Rectangle 7"/>
+          <p:cNvSpPr/>
+          <p:nvPr/>
+        </p:nvSpPr>
+        <p:spPr>
+          <a:xfrm>
+            <a:off x="4365458" y="3052011"/>
+            <a:ext cx="2889583" cy="904374"/>
+          </a:xfrm>
+          <a:custGeom>
+            <a:avLst/>
+            <a:gdLst>
+              <a:gd name="connsiteX0" fmla="*/ 0 w 2889583"/>
+              <a:gd name="connsiteY0" fmla="*/ 0 h 904374"/>
+              <a:gd name="connsiteX1" fmla="*/ 520125 w 2889583"/>
+              <a:gd name="connsiteY1" fmla="*/ 0 h 904374"/>
+              <a:gd name="connsiteX2" fmla="*/ 1069146 w 2889583"/>
+              <a:gd name="connsiteY2" fmla="*/ 0 h 904374"/>
+              <a:gd name="connsiteX3" fmla="*/ 1675958 w 2889583"/>
+              <a:gd name="connsiteY3" fmla="*/ 0 h 904374"/>
+              <a:gd name="connsiteX4" fmla="*/ 2311666 w 2889583"/>
+              <a:gd name="connsiteY4" fmla="*/ 0 h 904374"/>
+              <a:gd name="connsiteX5" fmla="*/ 2889583 w 2889583"/>
+              <a:gd name="connsiteY5" fmla="*/ 0 h 904374"/>
+              <a:gd name="connsiteX6" fmla="*/ 2889583 w 2889583"/>
+              <a:gd name="connsiteY6" fmla="*/ 425056 h 904374"/>
+              <a:gd name="connsiteX7" fmla="*/ 2889583 w 2889583"/>
+              <a:gd name="connsiteY7" fmla="*/ 904374 h 904374"/>
+              <a:gd name="connsiteX8" fmla="*/ 2340562 w 2889583"/>
+              <a:gd name="connsiteY8" fmla="*/ 904374 h 904374"/>
+              <a:gd name="connsiteX9" fmla="*/ 1704854 w 2889583"/>
+              <a:gd name="connsiteY9" fmla="*/ 904374 h 904374"/>
+              <a:gd name="connsiteX10" fmla="*/ 1213625 w 2889583"/>
+              <a:gd name="connsiteY10" fmla="*/ 904374 h 904374"/>
+              <a:gd name="connsiteX11" fmla="*/ 693500 w 2889583"/>
+              <a:gd name="connsiteY11" fmla="*/ 904374 h 904374"/>
+              <a:gd name="connsiteX12" fmla="*/ 0 w 2889583"/>
+              <a:gd name="connsiteY12" fmla="*/ 904374 h 904374"/>
+              <a:gd name="connsiteX13" fmla="*/ 0 w 2889583"/>
+              <a:gd name="connsiteY13" fmla="*/ 479318 h 904374"/>
+              <a:gd name="connsiteX14" fmla="*/ 0 w 2889583"/>
+              <a:gd name="connsiteY14" fmla="*/ 0 h 904374"/>
+            </a:gdLst>
+            <a:ahLst/>
+            <a:cxnLst>
+              <a:cxn ang="0">
+                <a:pos x="connsiteX0" y="connsiteY0"/>
+              </a:cxn>
+              <a:cxn ang="0">
+                <a:pos x="connsiteX1" y="connsiteY1"/>
+              </a:cxn>
+              <a:cxn ang="0">
+                <a:pos x="connsiteX2" y="connsiteY2"/>
+              </a:cxn>
+              <a:cxn ang="0">
+                <a:pos x="connsiteX3" y="connsiteY3"/>
+              </a:cxn>
+              <a:cxn ang="0">
+                <a:pos x="connsiteX4" y="connsiteY4"/>
+              </a:cxn>
+              <a:cxn ang="0">
+                <a:pos x="connsiteX5" y="connsiteY5"/>
+              </a:cxn>
+              <a:cxn ang="0">
+                <a:pos x="connsiteX6" y="connsiteY6"/>
+              </a:cxn>
+              <a:cxn ang="0">
+                <a:pos x="connsiteX7" y="connsiteY7"/>
+              </a:cxn>
+              <a:cxn ang="0">
+                <a:pos x="connsiteX8" y="connsiteY8"/>
+              </a:cxn>
+              <a:cxn ang="0">
+                <a:pos x="connsiteX9" y="connsiteY9"/>
+              </a:cxn>
+              <a:cxn ang="0">
+                <a:pos x="connsiteX10" y="connsiteY10"/>
+              </a:cxn>
+              <a:cxn ang="0">
+                <a:pos x="connsiteX11" y="connsiteY11"/>
+              </a:cxn>
+              <a:cxn ang="0">
+                <a:pos x="connsiteX12" y="connsiteY12"/>
+              </a:cxn>
+              <a:cxn ang="0">
+                <a:pos x="connsiteX13" y="connsiteY13"/>
+              </a:cxn>
+              <a:cxn ang="0">
+                <a:pos x="connsiteX14" y="connsiteY14"/>
+              </a:cxn>
+            </a:cxnLst>
+            <a:rect l="l" t="t" r="r" b="b"/>
+            <a:pathLst>
+              <a:path w="2889583" h="904374" fill="none" extrusionOk="0">
+                <a:moveTo>
+                  <a:pt x="0" y="0"/>
+                </a:moveTo>
+                <a:cubicBezTo>
+                  <a:pt x="221243" y="-15464"/>
+                  <a:pt x="269449" y="10346"/>
+                  <a:pt x="520125" y="0"/>
+                </a:cubicBezTo>
+                <a:cubicBezTo>
+                  <a:pt x="770802" y="-10346"/>
+                  <a:pt x="849882" y="24716"/>
+                  <a:pt x="1069146" y="0"/>
+                </a:cubicBezTo>
+                <a:cubicBezTo>
+                  <a:pt x="1288410" y="-24716"/>
+                  <a:pt x="1506256" y="-10070"/>
+                  <a:pt x="1675958" y="0"/>
+                </a:cubicBezTo>
+                <a:cubicBezTo>
+                  <a:pt x="1845660" y="10070"/>
+                  <a:pt x="2151445" y="-26609"/>
+                  <a:pt x="2311666" y="0"/>
+                </a:cubicBezTo>
+                <a:cubicBezTo>
+                  <a:pt x="2471887" y="26609"/>
+                  <a:pt x="2644712" y="-10410"/>
+                  <a:pt x="2889583" y="0"/>
+                </a:cubicBezTo>
+                <a:cubicBezTo>
+                  <a:pt x="2893122" y="150526"/>
+                  <a:pt x="2897594" y="339223"/>
+                  <a:pt x="2889583" y="425056"/>
+                </a:cubicBezTo>
+                <a:cubicBezTo>
+                  <a:pt x="2881572" y="510889"/>
+                  <a:pt x="2885969" y="728184"/>
+                  <a:pt x="2889583" y="904374"/>
+                </a:cubicBezTo>
+                <a:cubicBezTo>
+                  <a:pt x="2675398" y="923298"/>
+                  <a:pt x="2506578" y="895276"/>
+                  <a:pt x="2340562" y="904374"/>
+                </a:cubicBezTo>
+                <a:cubicBezTo>
+                  <a:pt x="2174546" y="913472"/>
+                  <a:pt x="1917036" y="879642"/>
+                  <a:pt x="1704854" y="904374"/>
+                </a:cubicBezTo>
+                <a:cubicBezTo>
+                  <a:pt x="1492672" y="929106"/>
+                  <a:pt x="1438241" y="917624"/>
+                  <a:pt x="1213625" y="904374"/>
+                </a:cubicBezTo>
+                <a:cubicBezTo>
+                  <a:pt x="989009" y="891124"/>
+                  <a:pt x="899125" y="918340"/>
+                  <a:pt x="693500" y="904374"/>
+                </a:cubicBezTo>
+                <a:cubicBezTo>
+                  <a:pt x="487876" y="890408"/>
+                  <a:pt x="287616" y="873145"/>
+                  <a:pt x="0" y="904374"/>
+                </a:cubicBezTo>
+                <a:cubicBezTo>
+                  <a:pt x="-19599" y="709730"/>
+                  <a:pt x="-18735" y="595698"/>
+                  <a:pt x="0" y="479318"/>
+                </a:cubicBezTo>
+                <a:cubicBezTo>
+                  <a:pt x="18735" y="362938"/>
+                  <a:pt x="-23587" y="228589"/>
+                  <a:pt x="0" y="0"/>
+                </a:cubicBezTo>
+                <a:close/>
+              </a:path>
+              <a:path w="2889583" h="904374" stroke="0" extrusionOk="0">
+                <a:moveTo>
+                  <a:pt x="0" y="0"/>
+                </a:moveTo>
+                <a:cubicBezTo>
+                  <a:pt x="193575" y="25698"/>
+                  <a:pt x="301094" y="25134"/>
+                  <a:pt x="520125" y="0"/>
+                </a:cubicBezTo>
+                <a:cubicBezTo>
+                  <a:pt x="739157" y="-25134"/>
+                  <a:pt x="910918" y="28895"/>
+                  <a:pt x="1126937" y="0"/>
+                </a:cubicBezTo>
+                <a:cubicBezTo>
+                  <a:pt x="1342956" y="-28895"/>
+                  <a:pt x="1479749" y="6030"/>
+                  <a:pt x="1733750" y="0"/>
+                </a:cubicBezTo>
+                <a:cubicBezTo>
+                  <a:pt x="1987751" y="-6030"/>
+                  <a:pt x="2241481" y="-23364"/>
+                  <a:pt x="2369458" y="0"/>
+                </a:cubicBezTo>
+                <a:cubicBezTo>
+                  <a:pt x="2497435" y="23364"/>
+                  <a:pt x="2707576" y="23668"/>
+                  <a:pt x="2889583" y="0"/>
+                </a:cubicBezTo>
+                <a:cubicBezTo>
+                  <a:pt x="2875081" y="115759"/>
+                  <a:pt x="2873651" y="234993"/>
+                  <a:pt x="2889583" y="434100"/>
+                </a:cubicBezTo>
+                <a:cubicBezTo>
+                  <a:pt x="2905515" y="633207"/>
+                  <a:pt x="2895515" y="708584"/>
+                  <a:pt x="2889583" y="904374"/>
+                </a:cubicBezTo>
+                <a:cubicBezTo>
+                  <a:pt x="2723792" y="898659"/>
+                  <a:pt x="2428559" y="889591"/>
+                  <a:pt x="2282771" y="904374"/>
+                </a:cubicBezTo>
+                <a:cubicBezTo>
+                  <a:pt x="2136983" y="919157"/>
+                  <a:pt x="1847542" y="926447"/>
+                  <a:pt x="1647062" y="904374"/>
+                </a:cubicBezTo>
+                <a:cubicBezTo>
+                  <a:pt x="1446582" y="882301"/>
+                  <a:pt x="1270887" y="927525"/>
+                  <a:pt x="1126937" y="904374"/>
+                </a:cubicBezTo>
+                <a:cubicBezTo>
+                  <a:pt x="982987" y="881223"/>
+                  <a:pt x="693836" y="925311"/>
+                  <a:pt x="577917" y="904374"/>
+                </a:cubicBezTo>
+                <a:cubicBezTo>
+                  <a:pt x="461998" y="883437"/>
+                  <a:pt x="231260" y="913476"/>
+                  <a:pt x="0" y="904374"/>
+                </a:cubicBezTo>
+                <a:cubicBezTo>
+                  <a:pt x="-14285" y="761692"/>
+                  <a:pt x="8526" y="655472"/>
+                  <a:pt x="0" y="461231"/>
+                </a:cubicBezTo>
+                <a:cubicBezTo>
+                  <a:pt x="-8526" y="266990"/>
+                  <a:pt x="-18747" y="164389"/>
+                  <a:pt x="0" y="0"/>
+                </a:cubicBezTo>
+                <a:close/>
+              </a:path>
+            </a:pathLst>
+          </a:custGeom>
+          <a:ln>
+            <a:extLst>
+              <a:ext uri="{C807C97D-BFC1-408E-A445-0C87EB9F89A2}">
+                <ask:lineSketchStyleProps xmlns:ask="http://schemas.microsoft.com/office/drawing/2018/sketchyshapes" sd="852854689">
+                  <a:prstGeom prst="rect">
+                    <a:avLst/>
+                  </a:prstGeom>
+                  <ask:type>
+                    <ask:lineSketchFreehand/>
+                  </ask:type>
+                </ask:lineSketchStyleProps>
+              </a:ext>
+            </a:extLst>
+          </a:ln>
+        </p:spPr>
+        <p:style>
+          <a:lnRef idx="2">
+            <a:schemeClr val="accent1">
+              <a:shade val="50000"/>
+            </a:schemeClr>
+          </a:lnRef>
+          <a:fillRef idx="1">
+            <a:schemeClr val="accent1"/>
+          </a:fillRef>
+          <a:effectRef idx="0">
+            <a:schemeClr val="accent1"/>
+          </a:effectRef>
+          <a:fontRef idx="minor">
+            <a:schemeClr val="lt1"/>
+          </a:fontRef>
+        </p:style>
+        <p:txBody>
+          <a:bodyPr rtlCol="0" anchor="ctr"/>
+          <a:lstStyle/>
+          <a:p>
+            <a:pPr algn="ctr"/>
+            <a:r>
+              <a:rPr lang="en-GB" sz="1600" dirty="0">
+                <a:solidFill>
+                  <a:srgbClr val="002060"/>
+                </a:solidFill>
+                <a:latin typeface="Inconsolata" pitchFamily="49" charset="77"/>
+                <a:ea typeface="Inconsolata" pitchFamily="49" charset="77"/>
+                <a:cs typeface="Calibri" panose="020F0502020204030204"/>
+              </a:rPr>
+              <a:t>Stack</a:t>
+            </a:r>
+            <a:endParaRPr lang="en-GB" sz="1600" dirty="0">
+              <a:solidFill>
+                <a:srgbClr val="002060"/>
+              </a:solidFill>
+              <a:latin typeface="Inconsolata" pitchFamily="49" charset="77"/>
+              <a:ea typeface="Inconsolata" pitchFamily="49" charset="77"/>
+            </a:endParaRPr>
+          </a:p>
+        </p:txBody>
+      </p:sp>
+      <p:sp>
+        <p:nvSpPr>
+          <p:cNvPr id="9" name="Rectangle 8"/>
+          <p:cNvSpPr/>
+          <p:nvPr/>
+        </p:nvSpPr>
+        <p:spPr>
+          <a:xfrm>
+            <a:off x="4365458" y="5127458"/>
+            <a:ext cx="2889583" cy="904374"/>
+          </a:xfrm>
+          <a:custGeom>
+            <a:avLst/>
+            <a:gdLst>
+              <a:gd name="connsiteX0" fmla="*/ 0 w 2889583"/>
+              <a:gd name="connsiteY0" fmla="*/ 0 h 904374"/>
+              <a:gd name="connsiteX1" fmla="*/ 635708 w 2889583"/>
+              <a:gd name="connsiteY1" fmla="*/ 0 h 904374"/>
+              <a:gd name="connsiteX2" fmla="*/ 1213625 w 2889583"/>
+              <a:gd name="connsiteY2" fmla="*/ 0 h 904374"/>
+              <a:gd name="connsiteX3" fmla="*/ 1820437 w 2889583"/>
+              <a:gd name="connsiteY3" fmla="*/ 0 h 904374"/>
+              <a:gd name="connsiteX4" fmla="*/ 2889583 w 2889583"/>
+              <a:gd name="connsiteY4" fmla="*/ 0 h 904374"/>
+              <a:gd name="connsiteX5" fmla="*/ 2889583 w 2889583"/>
+              <a:gd name="connsiteY5" fmla="*/ 470274 h 904374"/>
+              <a:gd name="connsiteX6" fmla="*/ 2889583 w 2889583"/>
+              <a:gd name="connsiteY6" fmla="*/ 904374 h 904374"/>
+              <a:gd name="connsiteX7" fmla="*/ 2311666 w 2889583"/>
+              <a:gd name="connsiteY7" fmla="*/ 904374 h 904374"/>
+              <a:gd name="connsiteX8" fmla="*/ 1762646 w 2889583"/>
+              <a:gd name="connsiteY8" fmla="*/ 904374 h 904374"/>
+              <a:gd name="connsiteX9" fmla="*/ 1155833 w 2889583"/>
+              <a:gd name="connsiteY9" fmla="*/ 904374 h 904374"/>
+              <a:gd name="connsiteX10" fmla="*/ 635708 w 2889583"/>
+              <a:gd name="connsiteY10" fmla="*/ 904374 h 904374"/>
+              <a:gd name="connsiteX11" fmla="*/ 0 w 2889583"/>
+              <a:gd name="connsiteY11" fmla="*/ 904374 h 904374"/>
+              <a:gd name="connsiteX12" fmla="*/ 0 w 2889583"/>
+              <a:gd name="connsiteY12" fmla="*/ 479318 h 904374"/>
+              <a:gd name="connsiteX13" fmla="*/ 0 w 2889583"/>
+              <a:gd name="connsiteY13" fmla="*/ 0 h 904374"/>
+            </a:gdLst>
+            <a:ahLst/>
+            <a:cxnLst>
+              <a:cxn ang="0">
+                <a:pos x="connsiteX0" y="connsiteY0"/>
+              </a:cxn>
+              <a:cxn ang="0">
+                <a:pos x="connsiteX1" y="connsiteY1"/>
+              </a:cxn>
+              <a:cxn ang="0">
+                <a:pos x="connsiteX2" y="connsiteY2"/>
+              </a:cxn>
+              <a:cxn ang="0">
+                <a:pos x="connsiteX3" y="connsiteY3"/>
+              </a:cxn>
+              <a:cxn ang="0">
+                <a:pos x="connsiteX4" y="connsiteY4"/>
+              </a:cxn>
+              <a:cxn ang="0">
+                <a:pos x="connsiteX5" y="connsiteY5"/>
+              </a:cxn>
+              <a:cxn ang="0">
+                <a:pos x="connsiteX6" y="connsiteY6"/>
+              </a:cxn>
+              <a:cxn ang="0">
+                <a:pos x="connsiteX7" y="connsiteY7"/>
+              </a:cxn>
+              <a:cxn ang="0">
+                <a:pos x="connsiteX8" y="connsiteY8"/>
+              </a:cxn>
+              <a:cxn ang="0">
+                <a:pos x="connsiteX9" y="connsiteY9"/>
+              </a:cxn>
+              <a:cxn ang="0">
+                <a:pos x="connsiteX10" y="connsiteY10"/>
+              </a:cxn>
+              <a:cxn ang="0">
+                <a:pos x="connsiteX11" y="connsiteY11"/>
+              </a:cxn>
+              <a:cxn ang="0">
+                <a:pos x="connsiteX12" y="connsiteY12"/>
+              </a:cxn>
+              <a:cxn ang="0">
+                <a:pos x="connsiteX13" y="connsiteY13"/>
+              </a:cxn>
+            </a:cxnLst>
+            <a:rect l="l" t="t" r="r" b="b"/>
+            <a:pathLst>
+              <a:path w="2889583" h="904374" fill="none" extrusionOk="0">
+                <a:moveTo>
+                  <a:pt x="0" y="0"/>
+                </a:moveTo>
+                <a:cubicBezTo>
+                  <a:pt x="174083" y="29214"/>
+                  <a:pt x="446986" y="-26820"/>
+                  <a:pt x="635708" y="0"/>
+                </a:cubicBezTo>
+                <a:cubicBezTo>
+                  <a:pt x="824430" y="26820"/>
+                  <a:pt x="1040062" y="-3042"/>
+                  <a:pt x="1213625" y="0"/>
+                </a:cubicBezTo>
+                <a:cubicBezTo>
+                  <a:pt x="1387188" y="3042"/>
+                  <a:pt x="1530093" y="-26182"/>
+                  <a:pt x="1820437" y="0"/>
+                </a:cubicBezTo>
+                <a:cubicBezTo>
+                  <a:pt x="2110781" y="26182"/>
+                  <a:pt x="2359248" y="-11943"/>
+                  <a:pt x="2889583" y="0"/>
+                </a:cubicBezTo>
+                <a:cubicBezTo>
+                  <a:pt x="2867206" y="146115"/>
+                  <a:pt x="2882262" y="344336"/>
+                  <a:pt x="2889583" y="470274"/>
+                </a:cubicBezTo>
+                <a:cubicBezTo>
+                  <a:pt x="2896904" y="596212"/>
+                  <a:pt x="2895646" y="764165"/>
+                  <a:pt x="2889583" y="904374"/>
+                </a:cubicBezTo>
+                <a:cubicBezTo>
+                  <a:pt x="2724938" y="889137"/>
+                  <a:pt x="2547368" y="917087"/>
+                  <a:pt x="2311666" y="904374"/>
+                </a:cubicBezTo>
+                <a:cubicBezTo>
+                  <a:pt x="2075964" y="891661"/>
+                  <a:pt x="1912325" y="879466"/>
+                  <a:pt x="1762646" y="904374"/>
+                </a:cubicBezTo>
+                <a:cubicBezTo>
+                  <a:pt x="1612967" y="929282"/>
+                  <a:pt x="1296899" y="893934"/>
+                  <a:pt x="1155833" y="904374"/>
+                </a:cubicBezTo>
+                <a:cubicBezTo>
+                  <a:pt x="1014767" y="914814"/>
+                  <a:pt x="807609" y="921854"/>
+                  <a:pt x="635708" y="904374"/>
+                </a:cubicBezTo>
+                <a:cubicBezTo>
+                  <a:pt x="463807" y="886894"/>
+                  <a:pt x="263859" y="902880"/>
+                  <a:pt x="0" y="904374"/>
+                </a:cubicBezTo>
+                <a:cubicBezTo>
+                  <a:pt x="-21067" y="808618"/>
+                  <a:pt x="14950" y="626373"/>
+                  <a:pt x="0" y="479318"/>
+                </a:cubicBezTo>
+                <a:cubicBezTo>
+                  <a:pt x="-14950" y="332263"/>
+                  <a:pt x="11021" y="170722"/>
+                  <a:pt x="0" y="0"/>
+                </a:cubicBezTo>
+                <a:close/>
+              </a:path>
+              <a:path w="2889583" h="904374" stroke="0" extrusionOk="0">
+                <a:moveTo>
+                  <a:pt x="0" y="0"/>
+                </a:moveTo>
+                <a:cubicBezTo>
+                  <a:pt x="260472" y="22044"/>
+                  <a:pt x="357722" y="2440"/>
+                  <a:pt x="606812" y="0"/>
+                </a:cubicBezTo>
+                <a:cubicBezTo>
+                  <a:pt x="855902" y="-2440"/>
+                  <a:pt x="915900" y="-10003"/>
+                  <a:pt x="1098042" y="0"/>
+                </a:cubicBezTo>
+                <a:cubicBezTo>
+                  <a:pt x="1280184" y="10003"/>
+                  <a:pt x="1425736" y="13222"/>
+                  <a:pt x="1589271" y="0"/>
+                </a:cubicBezTo>
+                <a:cubicBezTo>
+                  <a:pt x="1752806" y="-13222"/>
+                  <a:pt x="1876979" y="2125"/>
+                  <a:pt x="2138291" y="0"/>
+                </a:cubicBezTo>
+                <a:cubicBezTo>
+                  <a:pt x="2399603" y="-2125"/>
+                  <a:pt x="2626909" y="28115"/>
+                  <a:pt x="2889583" y="0"/>
+                </a:cubicBezTo>
+                <a:cubicBezTo>
+                  <a:pt x="2897801" y="149688"/>
+                  <a:pt x="2884152" y="265107"/>
+                  <a:pt x="2889583" y="470274"/>
+                </a:cubicBezTo>
+                <a:cubicBezTo>
+                  <a:pt x="2895014" y="675441"/>
+                  <a:pt x="2910616" y="804863"/>
+                  <a:pt x="2889583" y="904374"/>
+                </a:cubicBezTo>
+                <a:cubicBezTo>
+                  <a:pt x="2629787" y="885909"/>
+                  <a:pt x="2566124" y="878723"/>
+                  <a:pt x="2311666" y="904374"/>
+                </a:cubicBezTo>
+                <a:cubicBezTo>
+                  <a:pt x="2057208" y="930025"/>
+                  <a:pt x="1940654" y="924194"/>
+                  <a:pt x="1791541" y="904374"/>
+                </a:cubicBezTo>
+                <a:cubicBezTo>
+                  <a:pt x="1642429" y="884554"/>
+                  <a:pt x="1379993" y="918255"/>
+                  <a:pt x="1213625" y="904374"/>
+                </a:cubicBezTo>
+                <a:cubicBezTo>
+                  <a:pt x="1047257" y="890493"/>
+                  <a:pt x="961189" y="890623"/>
+                  <a:pt x="722396" y="904374"/>
+                </a:cubicBezTo>
+                <a:cubicBezTo>
+                  <a:pt x="483603" y="918125"/>
+                  <a:pt x="300324" y="892628"/>
+                  <a:pt x="0" y="904374"/>
+                </a:cubicBezTo>
+                <a:cubicBezTo>
+                  <a:pt x="11787" y="684070"/>
+                  <a:pt x="-20619" y="559710"/>
+                  <a:pt x="0" y="434100"/>
+                </a:cubicBezTo>
+                <a:cubicBezTo>
+                  <a:pt x="20619" y="308490"/>
+                  <a:pt x="-10019" y="135468"/>
+                  <a:pt x="0" y="0"/>
+                </a:cubicBezTo>
+                <a:close/>
+              </a:path>
+            </a:pathLst>
+          </a:custGeom>
+          <a:ln>
+            <a:extLst>
+              <a:ext uri="{C807C97D-BFC1-408E-A445-0C87EB9F89A2}">
+                <ask:lineSketchStyleProps xmlns:ask="http://schemas.microsoft.com/office/drawing/2018/sketchyshapes" sd="4120144349">
+                  <a:prstGeom prst="rect">
+                    <a:avLst/>
+                  </a:prstGeom>
+                  <ask:type>
+                    <ask:lineSketchFreehand/>
+                  </ask:type>
+                </ask:lineSketchStyleProps>
+              </a:ext>
+            </a:extLst>
+          </a:ln>
+        </p:spPr>
+        <p:style>
+          <a:lnRef idx="1">
+            <a:schemeClr val="accent1"/>
+          </a:lnRef>
+          <a:fillRef idx="2">
+            <a:schemeClr val="accent1"/>
+          </a:fillRef>
+          <a:effectRef idx="1">
+            <a:schemeClr val="accent1"/>
+          </a:effectRef>
+          <a:fontRef idx="minor">
+            <a:schemeClr val="dk1"/>
+          </a:fontRef>
+        </p:style>
+        <p:txBody>
+          <a:bodyPr rtlCol="0" anchor="ctr"/>
+          <a:lstStyle/>
+          <a:p>
+            <a:pPr algn="ctr"/>
+            <a:r>
+              <a:rPr lang="en-GB" sz="1600" dirty="0">
+                <a:solidFill>
+                  <a:srgbClr val="002060"/>
+                </a:solidFill>
+                <a:latin typeface="Inconsolata" pitchFamily="49" charset="77"/>
+                <a:ea typeface="Inconsolata" pitchFamily="49" charset="77"/>
+                <a:cs typeface="Calibri" panose="020F0502020204030204"/>
+              </a:rPr>
+              <a:t>Code</a:t>
+            </a:r>
+            <a:endParaRPr lang="en-GB" sz="1600" dirty="0">
+              <a:solidFill>
+                <a:srgbClr val="002060"/>
+              </a:solidFill>
+              <a:latin typeface="Inconsolata" pitchFamily="49" charset="77"/>
+              <a:ea typeface="Inconsolata" pitchFamily="49" charset="77"/>
+            </a:endParaRPr>
+          </a:p>
+        </p:txBody>
+      </p:sp>
+      <p:sp>
+        <p:nvSpPr>
+          <p:cNvPr id="10" name="Rectangle 9"/>
+          <p:cNvSpPr/>
+          <p:nvPr/>
+        </p:nvSpPr>
+        <p:spPr>
+          <a:xfrm>
+            <a:off x="8987590" y="3312695"/>
+            <a:ext cx="2127584" cy="553453"/>
+          </a:xfrm>
+          <a:custGeom>
+            <a:avLst/>
+            <a:gdLst>
+              <a:gd name="connsiteX0" fmla="*/ 0 w 2127584"/>
+              <a:gd name="connsiteY0" fmla="*/ 0 h 553453"/>
+              <a:gd name="connsiteX1" fmla="*/ 510620 w 2127584"/>
+              <a:gd name="connsiteY1" fmla="*/ 0 h 553453"/>
+              <a:gd name="connsiteX2" fmla="*/ 1042516 w 2127584"/>
+              <a:gd name="connsiteY2" fmla="*/ 0 h 553453"/>
+              <a:gd name="connsiteX3" fmla="*/ 1574412 w 2127584"/>
+              <a:gd name="connsiteY3" fmla="*/ 0 h 553453"/>
+              <a:gd name="connsiteX4" fmla="*/ 2127584 w 2127584"/>
+              <a:gd name="connsiteY4" fmla="*/ 0 h 553453"/>
+              <a:gd name="connsiteX5" fmla="*/ 2127584 w 2127584"/>
+              <a:gd name="connsiteY5" fmla="*/ 553453 h 553453"/>
+              <a:gd name="connsiteX6" fmla="*/ 1595688 w 2127584"/>
+              <a:gd name="connsiteY6" fmla="*/ 553453 h 553453"/>
+              <a:gd name="connsiteX7" fmla="*/ 1106344 w 2127584"/>
+              <a:gd name="connsiteY7" fmla="*/ 553453 h 553453"/>
+              <a:gd name="connsiteX8" fmla="*/ 616999 w 2127584"/>
+              <a:gd name="connsiteY8" fmla="*/ 553453 h 553453"/>
+              <a:gd name="connsiteX9" fmla="*/ 0 w 2127584"/>
+              <a:gd name="connsiteY9" fmla="*/ 553453 h 553453"/>
+              <a:gd name="connsiteX10" fmla="*/ 0 w 2127584"/>
+              <a:gd name="connsiteY10" fmla="*/ 0 h 553453"/>
+            </a:gdLst>
+            <a:ahLst/>
+            <a:cxnLst>
+              <a:cxn ang="0">
+                <a:pos x="connsiteX0" y="connsiteY0"/>
+              </a:cxn>
+              <a:cxn ang="0">
+                <a:pos x="connsiteX1" y="connsiteY1"/>
+              </a:cxn>
+              <a:cxn ang="0">
+                <a:pos x="connsiteX2" y="connsiteY2"/>
+              </a:cxn>
+              <a:cxn ang="0">
+                <a:pos x="connsiteX3" y="connsiteY3"/>
+              </a:cxn>
+              <a:cxn ang="0">
+                <a:pos x="connsiteX4" y="connsiteY4"/>
+              </a:cxn>
+              <a:cxn ang="0">
+                <a:pos x="connsiteX5" y="connsiteY5"/>
+              </a:cxn>
+              <a:cxn ang="0">
+                <a:pos x="connsiteX6" y="connsiteY6"/>
+              </a:cxn>
+              <a:cxn ang="0">
+                <a:pos x="connsiteX7" y="connsiteY7"/>
+              </a:cxn>
+              <a:cxn ang="0">
+                <a:pos x="connsiteX8" y="connsiteY8"/>
+              </a:cxn>
+              <a:cxn ang="0">
+                <a:pos x="connsiteX9" y="connsiteY9"/>
+              </a:cxn>
+              <a:cxn ang="0">
+                <a:pos x="connsiteX10" y="connsiteY10"/>
+              </a:cxn>
+            </a:cxnLst>
+            <a:rect l="l" t="t" r="r" b="b"/>
+            <a:pathLst>
+              <a:path w="2127584" h="553453" fill="none" extrusionOk="0">
+                <a:moveTo>
+                  <a:pt x="0" y="0"/>
+                </a:moveTo>
+                <a:cubicBezTo>
+                  <a:pt x="199690" y="-14199"/>
+                  <a:pt x="296167" y="602"/>
+                  <a:pt x="510620" y="0"/>
+                </a:cubicBezTo>
+                <a:cubicBezTo>
+                  <a:pt x="725073" y="-602"/>
+                  <a:pt x="908909" y="9264"/>
+                  <a:pt x="1042516" y="0"/>
+                </a:cubicBezTo>
+                <a:cubicBezTo>
+                  <a:pt x="1176123" y="-9264"/>
+                  <a:pt x="1375502" y="-14677"/>
+                  <a:pt x="1574412" y="0"/>
+                </a:cubicBezTo>
+                <a:cubicBezTo>
+                  <a:pt x="1773322" y="14677"/>
+                  <a:pt x="1894756" y="-11250"/>
+                  <a:pt x="2127584" y="0"/>
+                </a:cubicBezTo>
+                <a:cubicBezTo>
+                  <a:pt x="2137391" y="271893"/>
+                  <a:pt x="2141565" y="343975"/>
+                  <a:pt x="2127584" y="553453"/>
+                </a:cubicBezTo>
+                <a:cubicBezTo>
+                  <a:pt x="1865963" y="527828"/>
+                  <a:pt x="1747995" y="543517"/>
+                  <a:pt x="1595688" y="553453"/>
+                </a:cubicBezTo>
+                <a:cubicBezTo>
+                  <a:pt x="1443381" y="563389"/>
+                  <a:pt x="1237096" y="551954"/>
+                  <a:pt x="1106344" y="553453"/>
+                </a:cubicBezTo>
+                <a:cubicBezTo>
+                  <a:pt x="975592" y="554952"/>
+                  <a:pt x="798985" y="567062"/>
+                  <a:pt x="616999" y="553453"/>
+                </a:cubicBezTo>
+                <a:cubicBezTo>
+                  <a:pt x="435013" y="539844"/>
+                  <a:pt x="201687" y="575649"/>
+                  <a:pt x="0" y="553453"/>
+                </a:cubicBezTo>
+                <a:cubicBezTo>
+                  <a:pt x="5613" y="292690"/>
+                  <a:pt x="170" y="177975"/>
+                  <a:pt x="0" y="0"/>
+                </a:cubicBezTo>
+                <a:close/>
+              </a:path>
+              <a:path w="2127584" h="553453" stroke="0" extrusionOk="0">
+                <a:moveTo>
+                  <a:pt x="0" y="0"/>
+                </a:moveTo>
+                <a:cubicBezTo>
+                  <a:pt x="142654" y="-13988"/>
+                  <a:pt x="333854" y="-18160"/>
+                  <a:pt x="510620" y="0"/>
+                </a:cubicBezTo>
+                <a:cubicBezTo>
+                  <a:pt x="687386" y="18160"/>
+                  <a:pt x="835968" y="-11548"/>
+                  <a:pt x="978689" y="0"/>
+                </a:cubicBezTo>
+                <a:cubicBezTo>
+                  <a:pt x="1121410" y="11548"/>
+                  <a:pt x="1300954" y="7373"/>
+                  <a:pt x="1553136" y="0"/>
+                </a:cubicBezTo>
+                <a:cubicBezTo>
+                  <a:pt x="1805318" y="-7373"/>
+                  <a:pt x="1969479" y="-23642"/>
+                  <a:pt x="2127584" y="0"/>
+                </a:cubicBezTo>
+                <a:cubicBezTo>
+                  <a:pt x="2147954" y="195239"/>
+                  <a:pt x="2126360" y="389506"/>
+                  <a:pt x="2127584" y="553453"/>
+                </a:cubicBezTo>
+                <a:cubicBezTo>
+                  <a:pt x="1902226" y="529134"/>
+                  <a:pt x="1767713" y="533494"/>
+                  <a:pt x="1638240" y="553453"/>
+                </a:cubicBezTo>
+                <a:cubicBezTo>
+                  <a:pt x="1508767" y="573412"/>
+                  <a:pt x="1256875" y="573606"/>
+                  <a:pt x="1148895" y="553453"/>
+                </a:cubicBezTo>
+                <a:cubicBezTo>
+                  <a:pt x="1040915" y="533300"/>
+                  <a:pt x="788231" y="551148"/>
+                  <a:pt x="574448" y="553453"/>
+                </a:cubicBezTo>
+                <a:cubicBezTo>
+                  <a:pt x="360665" y="555758"/>
+                  <a:pt x="170605" y="548100"/>
+                  <a:pt x="0" y="553453"/>
+                </a:cubicBezTo>
+                <a:cubicBezTo>
+                  <a:pt x="-1644" y="343482"/>
+                  <a:pt x="16746" y="256455"/>
+                  <a:pt x="0" y="0"/>
+                </a:cubicBezTo>
+                <a:close/>
+              </a:path>
+            </a:pathLst>
+          </a:custGeom>
+          <a:solidFill>
+            <a:schemeClr val="accent2">
+              <a:lumMod val="60000"/>
+              <a:lumOff val="40000"/>
+            </a:schemeClr>
+          </a:solidFill>
+          <a:ln cap="rnd">
+            <a:extLst>
+              <a:ext uri="{C807C97D-BFC1-408E-A445-0C87EB9F89A2}">
+                <ask:lineSketchStyleProps xmlns:ask="http://schemas.microsoft.com/office/drawing/2018/sketchyshapes" sd="1219033472">
+                  <a:prstGeom prst="rect">
+                    <a:avLst/>
+                  </a:prstGeom>
+                  <ask:type>
+                    <ask:lineSketchFreehand/>
+                  </ask:type>
+                </ask:lineSketchStyleProps>
+              </a:ext>
+            </a:extLst>
+          </a:ln>
+        </p:spPr>
+        <p:style>
+          <a:lnRef idx="2">
+            <a:schemeClr val="accent2">
+              <a:shade val="50000"/>
+            </a:schemeClr>
+          </a:lnRef>
+          <a:fillRef idx="1">
+            <a:schemeClr val="accent2"/>
+          </a:fillRef>
+          <a:effectRef idx="0">
+            <a:schemeClr val="accent2"/>
+          </a:effectRef>
+          <a:fontRef idx="minor">
+            <a:schemeClr val="lt1"/>
+          </a:fontRef>
+        </p:style>
+        <p:txBody>
+          <a:bodyPr rtlCol="0" anchor="ctr"/>
+          <a:lstStyle/>
+          <a:p>
+            <a:pPr algn="ctr"/>
+            <a:r>
+              <a:rPr lang="en-GB" sz="1600" dirty="0">
+                <a:solidFill>
+                  <a:schemeClr val="accent2">
+                    <a:lumMod val="50000"/>
+                  </a:schemeClr>
+                </a:solidFill>
+                <a:latin typeface="Inconsolata" pitchFamily="49" charset="77"/>
+                <a:ea typeface="Inconsolata" pitchFamily="49" charset="77"/>
+                <a:cs typeface="Calibri" panose="020F0502020204030204"/>
+              </a:rPr>
+              <a:t>MZPE  👹</a:t>
+            </a:r>
+          </a:p>
+        </p:txBody>
+      </p:sp>
+      <p:sp>
+        <p:nvSpPr>
+          <p:cNvPr id="12" name="TextBox 11"/>
+          <p:cNvSpPr txBox="1"/>
+          <p:nvPr/>
+        </p:nvSpPr>
+        <p:spPr>
+          <a:xfrm>
+            <a:off x="7127769" y="3590846"/>
+            <a:ext cx="1859819" cy="336047"/>
+          </a:xfrm>
+          <a:prstGeom prst="rect">
+            <a:avLst/>
+          </a:prstGeom>
+        </p:spPr>
+        <p:txBody>
+          <a:bodyPr rot="0" spcFirstLastPara="0" vertOverflow="overflow" horzOverflow="overflow" vert="horz" wrap="square" lIns="91440" tIns="45720" rIns="91440" bIns="45720" numCol="1" spcCol="0" rtlCol="0" fromWordArt="0" anchor="t" anchorCtr="0" forceAA="0" compatLnSpc="1">
+            <a:spAutoFit/>
+          </a:bodyPr>
+          <a:lstStyle/>
+          <a:p>
+            <a:pPr algn="ctr"/>
+            <a:r>
+              <a:rPr lang="en-GB" sz="1600" dirty="0">
+                <a:solidFill>
+                  <a:schemeClr val="accent6">
+                    <a:lumMod val="75000"/>
+                  </a:schemeClr>
+                </a:solidFill>
+                <a:latin typeface="Inconsolata" pitchFamily="49" charset="77"/>
+                <a:ea typeface="Inconsolata" pitchFamily="49" charset="77"/>
+              </a:rPr>
+              <a:t>// </a:t>
+            </a:r>
+            <a:r>
+              <a:rPr lang="en-GB" sz="1600" dirty="0" err="1">
+                <a:solidFill>
+                  <a:schemeClr val="accent6">
+                    <a:lumMod val="75000"/>
+                  </a:schemeClr>
+                </a:solidFill>
+                <a:latin typeface="Inconsolata" pitchFamily="49" charset="77"/>
+                <a:ea typeface="Inconsolata" pitchFamily="49" charset="77"/>
+              </a:rPr>
+              <a:t>mal.</a:t>
+            </a:r>
+            <a:r>
+              <a:rPr lang="en-GB" sz="1600" dirty="0" err="1">
+                <a:solidFill>
+                  <a:schemeClr val="accent6">
+                    <a:lumMod val="75000"/>
+                  </a:schemeClr>
+                </a:solidFill>
+                <a:latin typeface="Inconsolata" pitchFamily="49" charset="77"/>
+                <a:ea typeface="Inconsolata" pitchFamily="49" charset="77"/>
+                <a:cs typeface="Calibri" panose="020F0502020204030204"/>
+              </a:rPr>
+              <a:t>dll</a:t>
+            </a:r>
+            <a:endParaRPr lang="en-US" sz="1600" dirty="0">
+              <a:solidFill>
+                <a:schemeClr val="accent6">
+                  <a:lumMod val="75000"/>
+                </a:schemeClr>
+              </a:solidFill>
+              <a:latin typeface="Inconsolata" pitchFamily="49" charset="77"/>
+              <a:ea typeface="Inconsolata" pitchFamily="49" charset="77"/>
+            </a:endParaRPr>
+          </a:p>
+        </p:txBody>
+      </p:sp>
+      <p:cxnSp>
+        <p:nvCxnSpPr>
+          <p:cNvPr id="13" name="Straight Arrow Connector 12"/>
+          <p:cNvCxnSpPr/>
+          <p:nvPr/>
+        </p:nvCxnSpPr>
+        <p:spPr>
+          <a:xfrm>
+            <a:off x="7293142" y="2490536"/>
+            <a:ext cx="1716504" cy="1034715"/>
+          </a:xfrm>
+          <a:prstGeom prst="straightConnector1">
+            <a:avLst/>
+          </a:prstGeom>
+          <a:ln w="12700">
+            <a:prstDash val="dashDot"/>
+            <a:tailEnd type="triangle"/>
+          </a:ln>
+        </p:spPr>
+        <p:style>
+          <a:lnRef idx="1">
+            <a:schemeClr val="accent2"/>
+          </a:lnRef>
+          <a:fillRef idx="0">
+            <a:schemeClr val="accent2"/>
+          </a:fillRef>
+          <a:effectRef idx="0">
+            <a:schemeClr val="accent2"/>
+          </a:effectRef>
+          <a:fontRef idx="minor">
+            <a:schemeClr val="tx1"/>
+          </a:fontRef>
+        </p:style>
+      </p:cxnSp>
+      <p:sp>
+        <p:nvSpPr>
+          <p:cNvPr id="14" name="Rectangle: Rounded Corners 13"/>
+          <p:cNvSpPr/>
+          <p:nvPr/>
+        </p:nvSpPr>
+        <p:spPr>
+          <a:xfrm>
+            <a:off x="204537" y="3272588"/>
+            <a:ext cx="1736557" cy="633664"/>
+          </a:xfrm>
+          <a:custGeom>
+            <a:avLst/>
+            <a:gdLst>
+              <a:gd name="connsiteX0" fmla="*/ 0 w 1736557"/>
+              <a:gd name="connsiteY0" fmla="*/ 105613 h 633664"/>
+              <a:gd name="connsiteX1" fmla="*/ 105613 w 1736557"/>
+              <a:gd name="connsiteY1" fmla="*/ 0 h 633664"/>
+              <a:gd name="connsiteX2" fmla="*/ 629310 w 1736557"/>
+              <a:gd name="connsiteY2" fmla="*/ 0 h 633664"/>
+              <a:gd name="connsiteX3" fmla="*/ 1137754 w 1736557"/>
+              <a:gd name="connsiteY3" fmla="*/ 0 h 633664"/>
+              <a:gd name="connsiteX4" fmla="*/ 1630944 w 1736557"/>
+              <a:gd name="connsiteY4" fmla="*/ 0 h 633664"/>
+              <a:gd name="connsiteX5" fmla="*/ 1736557 w 1736557"/>
+              <a:gd name="connsiteY5" fmla="*/ 105613 h 633664"/>
+              <a:gd name="connsiteX6" fmla="*/ 1736557 w 1736557"/>
+              <a:gd name="connsiteY6" fmla="*/ 528051 h 633664"/>
+              <a:gd name="connsiteX7" fmla="*/ 1630944 w 1736557"/>
+              <a:gd name="connsiteY7" fmla="*/ 633664 h 633664"/>
+              <a:gd name="connsiteX8" fmla="*/ 1091994 w 1736557"/>
+              <a:gd name="connsiteY8" fmla="*/ 633664 h 633664"/>
+              <a:gd name="connsiteX9" fmla="*/ 614057 w 1736557"/>
+              <a:gd name="connsiteY9" fmla="*/ 633664 h 633664"/>
+              <a:gd name="connsiteX10" fmla="*/ 105613 w 1736557"/>
+              <a:gd name="connsiteY10" fmla="*/ 633664 h 633664"/>
+              <a:gd name="connsiteX11" fmla="*/ 0 w 1736557"/>
+              <a:gd name="connsiteY11" fmla="*/ 528051 h 633664"/>
+              <a:gd name="connsiteX12" fmla="*/ 0 w 1736557"/>
+              <a:gd name="connsiteY12" fmla="*/ 105613 h 633664"/>
+            </a:gdLst>
+            <a:ahLst/>
+            <a:cxnLst>
+              <a:cxn ang="0">
+                <a:pos x="connsiteX0" y="connsiteY0"/>
+              </a:cxn>
+              <a:cxn ang="0">
+                <a:pos x="connsiteX1" y="connsiteY1"/>
+              </a:cxn>
+              <a:cxn ang="0">
+                <a:pos x="connsiteX2" y="connsiteY2"/>
+              </a:cxn>
+              <a:cxn ang="0">
+                <a:pos x="connsiteX3" y="connsiteY3"/>
+              </a:cxn>
+              <a:cxn ang="0">
+                <a:pos x="connsiteX4" y="connsiteY4"/>
+              </a:cxn>
+              <a:cxn ang="0">
+                <a:pos x="connsiteX5" y="connsiteY5"/>
+              </a:cxn>
+              <a:cxn ang="0">
+                <a:pos x="connsiteX6" y="connsiteY6"/>
+              </a:cxn>
+              <a:cxn ang="0">
+                <a:pos x="connsiteX7" y="connsiteY7"/>
+              </a:cxn>
+              <a:cxn ang="0">
+                <a:pos x="connsiteX8" y="connsiteY8"/>
+              </a:cxn>
+              <a:cxn ang="0">
+                <a:pos x="connsiteX9" y="connsiteY9"/>
+              </a:cxn>
+              <a:cxn ang="0">
+                <a:pos x="connsiteX10" y="connsiteY10"/>
+              </a:cxn>
+              <a:cxn ang="0">
+                <a:pos x="connsiteX11" y="connsiteY11"/>
+              </a:cxn>
+              <a:cxn ang="0">
+                <a:pos x="connsiteX12" y="connsiteY12"/>
+              </a:cxn>
+            </a:cxnLst>
+            <a:rect l="l" t="t" r="r" b="b"/>
+            <a:pathLst>
+              <a:path w="1736557" h="633664" fill="none" extrusionOk="0">
+                <a:moveTo>
+                  <a:pt x="0" y="105613"/>
+                </a:moveTo>
+                <a:cubicBezTo>
+                  <a:pt x="-4663" y="47405"/>
+                  <a:pt x="54766" y="9807"/>
+                  <a:pt x="105613" y="0"/>
+                </a:cubicBezTo>
+                <a:cubicBezTo>
+                  <a:pt x="219324" y="-412"/>
+                  <a:pt x="462630" y="-1034"/>
+                  <a:pt x="629310" y="0"/>
+                </a:cubicBezTo>
+                <a:cubicBezTo>
+                  <a:pt x="795990" y="1034"/>
+                  <a:pt x="929320" y="-19590"/>
+                  <a:pt x="1137754" y="0"/>
+                </a:cubicBezTo>
+                <a:cubicBezTo>
+                  <a:pt x="1346188" y="19590"/>
+                  <a:pt x="1411180" y="2904"/>
+                  <a:pt x="1630944" y="0"/>
+                </a:cubicBezTo>
+                <a:cubicBezTo>
+                  <a:pt x="1686391" y="50"/>
+                  <a:pt x="1736249" y="48781"/>
+                  <a:pt x="1736557" y="105613"/>
+                </a:cubicBezTo>
+                <a:cubicBezTo>
+                  <a:pt x="1736941" y="261655"/>
+                  <a:pt x="1743781" y="409859"/>
+                  <a:pt x="1736557" y="528051"/>
+                </a:cubicBezTo>
+                <a:cubicBezTo>
+                  <a:pt x="1738431" y="584006"/>
+                  <a:pt x="1689294" y="629694"/>
+                  <a:pt x="1630944" y="633664"/>
+                </a:cubicBezTo>
+                <a:cubicBezTo>
+                  <a:pt x="1421611" y="614645"/>
+                  <a:pt x="1296072" y="606802"/>
+                  <a:pt x="1091994" y="633664"/>
+                </a:cubicBezTo>
+                <a:cubicBezTo>
+                  <a:pt x="887916" y="660527"/>
+                  <a:pt x="748591" y="627836"/>
+                  <a:pt x="614057" y="633664"/>
+                </a:cubicBezTo>
+                <a:cubicBezTo>
+                  <a:pt x="479523" y="639492"/>
+                  <a:pt x="222928" y="630978"/>
+                  <a:pt x="105613" y="633664"/>
+                </a:cubicBezTo>
+                <a:cubicBezTo>
+                  <a:pt x="34270" y="638622"/>
+                  <a:pt x="-9018" y="580070"/>
+                  <a:pt x="0" y="528051"/>
+                </a:cubicBezTo>
+                <a:cubicBezTo>
+                  <a:pt x="8645" y="357948"/>
+                  <a:pt x="-3383" y="218167"/>
+                  <a:pt x="0" y="105613"/>
+                </a:cubicBezTo>
+                <a:close/>
+              </a:path>
+              <a:path w="1736557" h="633664" stroke="0" extrusionOk="0">
+                <a:moveTo>
+                  <a:pt x="0" y="105613"/>
+                </a:moveTo>
+                <a:cubicBezTo>
+                  <a:pt x="2655" y="45965"/>
+                  <a:pt x="42784" y="-2869"/>
+                  <a:pt x="105613" y="0"/>
+                </a:cubicBezTo>
+                <a:cubicBezTo>
+                  <a:pt x="308343" y="15031"/>
+                  <a:pt x="503465" y="13375"/>
+                  <a:pt x="614057" y="0"/>
+                </a:cubicBezTo>
+                <a:cubicBezTo>
+                  <a:pt x="724649" y="-13375"/>
+                  <a:pt x="921126" y="-6649"/>
+                  <a:pt x="1153007" y="0"/>
+                </a:cubicBezTo>
+                <a:cubicBezTo>
+                  <a:pt x="1384888" y="6649"/>
+                  <a:pt x="1452093" y="12856"/>
+                  <a:pt x="1630944" y="0"/>
+                </a:cubicBezTo>
+                <a:cubicBezTo>
+                  <a:pt x="1696380" y="2171"/>
+                  <a:pt x="1729080" y="44577"/>
+                  <a:pt x="1736557" y="105613"/>
+                </a:cubicBezTo>
+                <a:cubicBezTo>
+                  <a:pt x="1755079" y="291902"/>
+                  <a:pt x="1716105" y="340602"/>
+                  <a:pt x="1736557" y="528051"/>
+                </a:cubicBezTo>
+                <a:cubicBezTo>
+                  <a:pt x="1722773" y="584648"/>
+                  <a:pt x="1694952" y="633728"/>
+                  <a:pt x="1630944" y="633664"/>
+                </a:cubicBezTo>
+                <a:cubicBezTo>
+                  <a:pt x="1455239" y="641757"/>
+                  <a:pt x="1337819" y="626864"/>
+                  <a:pt x="1137754" y="633664"/>
+                </a:cubicBezTo>
+                <a:cubicBezTo>
+                  <a:pt x="937689" y="640465"/>
+                  <a:pt x="777118" y="638557"/>
+                  <a:pt x="659817" y="633664"/>
+                </a:cubicBezTo>
+                <a:cubicBezTo>
+                  <a:pt x="542516" y="628771"/>
+                  <a:pt x="284092" y="615921"/>
+                  <a:pt x="105613" y="633664"/>
+                </a:cubicBezTo>
+                <a:cubicBezTo>
+                  <a:pt x="55246" y="645146"/>
+                  <a:pt x="1305" y="577728"/>
+                  <a:pt x="0" y="528051"/>
+                </a:cubicBezTo>
+                <a:cubicBezTo>
+                  <a:pt x="-15676" y="340943"/>
+                  <a:pt x="2609" y="263921"/>
+                  <a:pt x="0" y="105613"/>
+                </a:cubicBezTo>
+                <a:close/>
+              </a:path>
+            </a:pathLst>
+          </a:custGeom>
+          <a:solidFill>
+            <a:schemeClr val="accent2">
+              <a:lumMod val="60000"/>
+              <a:lumOff val="40000"/>
+            </a:schemeClr>
+          </a:solidFill>
+          <a:ln cap="rnd">
+            <a:extLst>
+              <a:ext uri="{C807C97D-BFC1-408E-A445-0C87EB9F89A2}">
+                <ask:lineSketchStyleProps xmlns:ask="http://schemas.microsoft.com/office/drawing/2018/sketchyshapes" sd="25469283">
+                  <a:prstGeom prst="roundRect">
+                    <a:avLst/>
+                  </a:prstGeom>
+                  <ask:type>
+                    <ask:lineSketchFreehand/>
+                  </ask:type>
+                </ask:lineSketchStyleProps>
+              </a:ext>
+            </a:extLst>
+          </a:ln>
+        </p:spPr>
+        <p:style>
+          <a:lnRef idx="2">
+            <a:schemeClr val="accent2">
+              <a:shade val="50000"/>
+            </a:schemeClr>
+          </a:lnRef>
+          <a:fillRef idx="1">
+            <a:schemeClr val="accent2"/>
+          </a:fillRef>
+          <a:effectRef idx="0">
+            <a:schemeClr val="accent2"/>
+          </a:effectRef>
+          <a:fontRef idx="minor">
+            <a:schemeClr val="lt1"/>
+          </a:fontRef>
+        </p:style>
+        <p:txBody>
+          <a:bodyPr rtlCol="0" anchor="ctr"/>
+          <a:lstStyle/>
+          <a:p>
+            <a:pPr algn="ctr"/>
+            <a:r>
+              <a:rPr lang="en-GB" sz="1600" dirty="0">
+                <a:solidFill>
+                  <a:schemeClr val="accent2">
+                    <a:lumMod val="50000"/>
+                  </a:schemeClr>
+                </a:solidFill>
+                <a:latin typeface="Inconsolata" pitchFamily="49" charset="77"/>
+                <a:ea typeface="Inconsolata" pitchFamily="49" charset="77"/>
+                <a:cs typeface="Calibri" panose="020F0502020204030204"/>
+              </a:rPr>
+              <a:t>MZPE  👹</a:t>
+            </a:r>
+          </a:p>
+        </p:txBody>
+      </p:sp>
+      <p:sp>
+        <p:nvSpPr>
+          <p:cNvPr id="16" name="TextBox 15"/>
+          <p:cNvSpPr txBox="1"/>
+          <p:nvPr/>
+        </p:nvSpPr>
+        <p:spPr>
+          <a:xfrm>
+            <a:off x="1189171" y="2260154"/>
+            <a:ext cx="2398889" cy="338554"/>
+          </a:xfrm>
+          <a:custGeom>
+            <a:avLst/>
+            <a:gdLst>
+              <a:gd name="connsiteX0" fmla="*/ 0 w 2398889"/>
+              <a:gd name="connsiteY0" fmla="*/ 0 h 338554"/>
+              <a:gd name="connsiteX1" fmla="*/ 551744 w 2398889"/>
+              <a:gd name="connsiteY1" fmla="*/ 0 h 338554"/>
+              <a:gd name="connsiteX2" fmla="*/ 1151467 w 2398889"/>
+              <a:gd name="connsiteY2" fmla="*/ 0 h 338554"/>
+              <a:gd name="connsiteX3" fmla="*/ 1799167 w 2398889"/>
+              <a:gd name="connsiteY3" fmla="*/ 0 h 338554"/>
+              <a:gd name="connsiteX4" fmla="*/ 2398889 w 2398889"/>
+              <a:gd name="connsiteY4" fmla="*/ 0 h 338554"/>
+              <a:gd name="connsiteX5" fmla="*/ 2398889 w 2398889"/>
+              <a:gd name="connsiteY5" fmla="*/ 338554 h 338554"/>
+              <a:gd name="connsiteX6" fmla="*/ 1775178 w 2398889"/>
+              <a:gd name="connsiteY6" fmla="*/ 338554 h 338554"/>
+              <a:gd name="connsiteX7" fmla="*/ 1175456 w 2398889"/>
+              <a:gd name="connsiteY7" fmla="*/ 338554 h 338554"/>
+              <a:gd name="connsiteX8" fmla="*/ 575733 w 2398889"/>
+              <a:gd name="connsiteY8" fmla="*/ 338554 h 338554"/>
+              <a:gd name="connsiteX9" fmla="*/ 0 w 2398889"/>
+              <a:gd name="connsiteY9" fmla="*/ 338554 h 338554"/>
+              <a:gd name="connsiteX10" fmla="*/ 0 w 2398889"/>
+              <a:gd name="connsiteY10" fmla="*/ 0 h 338554"/>
+            </a:gdLst>
+            <a:ahLst/>
+            <a:cxnLst>
+              <a:cxn ang="0">
+                <a:pos x="connsiteX0" y="connsiteY0"/>
+              </a:cxn>
+              <a:cxn ang="0">
+                <a:pos x="connsiteX1" y="connsiteY1"/>
+              </a:cxn>
+              <a:cxn ang="0">
+                <a:pos x="connsiteX2" y="connsiteY2"/>
+              </a:cxn>
+              <a:cxn ang="0">
+                <a:pos x="connsiteX3" y="connsiteY3"/>
+              </a:cxn>
+              <a:cxn ang="0">
+                <a:pos x="connsiteX4" y="connsiteY4"/>
+              </a:cxn>
+              <a:cxn ang="0">
+                <a:pos x="connsiteX5" y="connsiteY5"/>
+              </a:cxn>
+              <a:cxn ang="0">
+                <a:pos x="connsiteX6" y="connsiteY6"/>
+              </a:cxn>
+              <a:cxn ang="0">
+                <a:pos x="connsiteX7" y="connsiteY7"/>
+              </a:cxn>
+              <a:cxn ang="0">
+                <a:pos x="connsiteX8" y="connsiteY8"/>
+              </a:cxn>
+              <a:cxn ang="0">
+                <a:pos x="connsiteX9" y="connsiteY9"/>
+              </a:cxn>
+              <a:cxn ang="0">
+                <a:pos x="connsiteX10" y="connsiteY10"/>
+              </a:cxn>
+            </a:cxnLst>
+            <a:rect l="l" t="t" r="r" b="b"/>
+            <a:pathLst>
+              <a:path w="2398889" h="338554" fill="none" extrusionOk="0">
+                <a:moveTo>
+                  <a:pt x="0" y="0"/>
+                </a:moveTo>
+                <a:cubicBezTo>
+                  <a:pt x="144290" y="-1769"/>
+                  <a:pt x="294624" y="-17215"/>
+                  <a:pt x="551744" y="0"/>
+                </a:cubicBezTo>
+                <a:cubicBezTo>
+                  <a:pt x="808864" y="17215"/>
+                  <a:pt x="940866" y="27432"/>
+                  <a:pt x="1151467" y="0"/>
+                </a:cubicBezTo>
+                <a:cubicBezTo>
+                  <a:pt x="1362068" y="-27432"/>
+                  <a:pt x="1654092" y="14731"/>
+                  <a:pt x="1799167" y="0"/>
+                </a:cubicBezTo>
+                <a:cubicBezTo>
+                  <a:pt x="1944242" y="-14731"/>
+                  <a:pt x="2275624" y="20004"/>
+                  <a:pt x="2398889" y="0"/>
+                </a:cubicBezTo>
+                <a:cubicBezTo>
+                  <a:pt x="2401301" y="136758"/>
+                  <a:pt x="2390465" y="248392"/>
+                  <a:pt x="2398889" y="338554"/>
+                </a:cubicBezTo>
+                <a:cubicBezTo>
+                  <a:pt x="2256788" y="330270"/>
+                  <a:pt x="1908399" y="337312"/>
+                  <a:pt x="1775178" y="338554"/>
+                </a:cubicBezTo>
+                <a:cubicBezTo>
+                  <a:pt x="1641957" y="339796"/>
+                  <a:pt x="1465748" y="319820"/>
+                  <a:pt x="1175456" y="338554"/>
+                </a:cubicBezTo>
+                <a:cubicBezTo>
+                  <a:pt x="885164" y="357288"/>
+                  <a:pt x="861087" y="320044"/>
+                  <a:pt x="575733" y="338554"/>
+                </a:cubicBezTo>
+                <a:cubicBezTo>
+                  <a:pt x="290379" y="357064"/>
+                  <a:pt x="115859" y="333425"/>
+                  <a:pt x="0" y="338554"/>
+                </a:cubicBezTo>
+                <a:cubicBezTo>
+                  <a:pt x="14922" y="207243"/>
+                  <a:pt x="11908" y="86203"/>
+                  <a:pt x="0" y="0"/>
+                </a:cubicBezTo>
+                <a:close/>
+              </a:path>
+              <a:path w="2398889" h="338554" stroke="0" extrusionOk="0">
+                <a:moveTo>
+                  <a:pt x="0" y="0"/>
+                </a:moveTo>
+                <a:cubicBezTo>
+                  <a:pt x="295589" y="12802"/>
+                  <a:pt x="478788" y="-29201"/>
+                  <a:pt x="599722" y="0"/>
+                </a:cubicBezTo>
+                <a:cubicBezTo>
+                  <a:pt x="720656" y="29201"/>
+                  <a:pt x="1048954" y="19277"/>
+                  <a:pt x="1247422" y="0"/>
+                </a:cubicBezTo>
+                <a:cubicBezTo>
+                  <a:pt x="1445890" y="-19277"/>
+                  <a:pt x="1629690" y="-22883"/>
+                  <a:pt x="1775178" y="0"/>
+                </a:cubicBezTo>
+                <a:cubicBezTo>
+                  <a:pt x="1920666" y="22883"/>
+                  <a:pt x="2146758" y="-11387"/>
+                  <a:pt x="2398889" y="0"/>
+                </a:cubicBezTo>
+                <a:cubicBezTo>
+                  <a:pt x="2391270" y="135521"/>
+                  <a:pt x="2415422" y="170875"/>
+                  <a:pt x="2398889" y="338554"/>
+                </a:cubicBezTo>
+                <a:cubicBezTo>
+                  <a:pt x="2219541" y="344278"/>
+                  <a:pt x="1924897" y="357463"/>
+                  <a:pt x="1799167" y="338554"/>
+                </a:cubicBezTo>
+                <a:cubicBezTo>
+                  <a:pt x="1673437" y="319645"/>
+                  <a:pt x="1451428" y="310588"/>
+                  <a:pt x="1151467" y="338554"/>
+                </a:cubicBezTo>
+                <a:cubicBezTo>
+                  <a:pt x="851506" y="366520"/>
+                  <a:pt x="706149" y="324737"/>
+                  <a:pt x="575733" y="338554"/>
+                </a:cubicBezTo>
+                <a:cubicBezTo>
+                  <a:pt x="445317" y="352371"/>
+                  <a:pt x="206774" y="339864"/>
+                  <a:pt x="0" y="338554"/>
+                </a:cubicBezTo>
+                <a:cubicBezTo>
+                  <a:pt x="-695" y="250083"/>
+                  <a:pt x="-7495" y="88931"/>
+                  <a:pt x="0" y="0"/>
+                </a:cubicBezTo>
+                <a:close/>
+              </a:path>
+            </a:pathLst>
+          </a:custGeom>
+          <a:solidFill>
+            <a:schemeClr val="accent4">
+              <a:lumMod val="20000"/>
+              <a:lumOff val="80000"/>
+            </a:schemeClr>
+          </a:solidFill>
+          <a:ln cap="rnd">
+            <a:extLst>
+              <a:ext uri="{C807C97D-BFC1-408E-A445-0C87EB9F89A2}">
+                <ask:lineSketchStyleProps xmlns:ask="http://schemas.microsoft.com/office/drawing/2018/sketchyshapes" sd="782294884">
+                  <a:prstGeom prst="rect">
+                    <a:avLst/>
+                  </a:prstGeom>
+                  <ask:type>
+                    <ask:lineSketchFreehand/>
+                  </ask:type>
+                </ask:lineSketchStyleProps>
+              </a:ext>
+            </a:extLst>
+          </a:ln>
+        </p:spPr>
+        <p:style>
+          <a:lnRef idx="2">
+            <a:schemeClr val="accent4"/>
+          </a:lnRef>
+          <a:fillRef idx="1">
+            <a:schemeClr val="lt1"/>
+          </a:fillRef>
+          <a:effectRef idx="0">
+            <a:schemeClr val="accent4"/>
+          </a:effectRef>
+          <a:fontRef idx="minor">
+            <a:schemeClr val="dk1"/>
+          </a:fontRef>
+        </p:style>
+        <p:txBody>
+          <a:bodyPr rot="0" spcFirstLastPara="0" vertOverflow="overflow" horzOverflow="overflow" vert="horz" wrap="square" lIns="91440" tIns="45720" rIns="91440" bIns="45720" numCol="1" spcCol="0" rtlCol="0" fromWordArt="0" anchor="t" anchorCtr="0" forceAA="0" compatLnSpc="1">
+            <a:spAutoFit/>
+          </a:bodyPr>
+          <a:lstStyle/>
+          <a:p>
+            <a:pPr algn="ctr"/>
+            <a:r>
+              <a:rPr lang="en-GB" sz="1600" dirty="0" err="1">
+                <a:solidFill>
+                  <a:schemeClr val="accent4">
+                    <a:lumMod val="50000"/>
+                  </a:schemeClr>
+                </a:solidFill>
+                <a:latin typeface="Inconsolata" pitchFamily="49" charset="77"/>
+                <a:ea typeface="Inconsolata" pitchFamily="49" charset="77"/>
+              </a:rPr>
+              <a:t>WriteProcessMemory</a:t>
+            </a:r>
+            <a:r>
+              <a:rPr lang="en-GB" sz="1600" dirty="0">
+                <a:solidFill>
+                  <a:schemeClr val="accent4">
+                    <a:lumMod val="50000"/>
+                  </a:schemeClr>
+                </a:solidFill>
+                <a:latin typeface="Inconsolata" pitchFamily="49" charset="77"/>
+                <a:ea typeface="Inconsolata" pitchFamily="49" charset="77"/>
+              </a:rPr>
+              <a:t>()</a:t>
+            </a:r>
+            <a:r>
+              <a:rPr lang="en-GB" sz="1600" dirty="0">
+                <a:solidFill>
+                  <a:schemeClr val="accent4">
+                    <a:lumMod val="50000"/>
+                  </a:schemeClr>
+                </a:solidFill>
+                <a:latin typeface="Inconsolata" pitchFamily="49" charset="77"/>
+                <a:ea typeface="Inconsolata" pitchFamily="49" charset="77"/>
+                <a:cs typeface="Calibri" panose="020F0502020204030204"/>
+              </a:rPr>
+              <a:t>​</a:t>
+            </a:r>
+          </a:p>
+        </p:txBody>
+      </p:sp>
+      <p:cxnSp>
+        <p:nvCxnSpPr>
+          <p:cNvPr id="17" name="Straight Arrow Connector 16"/>
+          <p:cNvCxnSpPr/>
+          <p:nvPr/>
+        </p:nvCxnSpPr>
+        <p:spPr>
+          <a:xfrm flipV="1">
+            <a:off x="786063" y="2642939"/>
+            <a:ext cx="1576136" cy="629652"/>
+          </a:xfrm>
+          <a:prstGeom prst="straightConnector1">
+            <a:avLst/>
+          </a:prstGeom>
+          <a:ln w="12700">
+            <a:prstDash val="dashDot"/>
+            <a:tailEnd type="triangle"/>
+          </a:ln>
+        </p:spPr>
+        <p:style>
+          <a:lnRef idx="1">
+            <a:schemeClr val="accent2"/>
+          </a:lnRef>
+          <a:fillRef idx="0">
+            <a:schemeClr val="accent2"/>
+          </a:fillRef>
+          <a:effectRef idx="0">
+            <a:schemeClr val="accent2"/>
+          </a:effectRef>
+          <a:fontRef idx="minor">
+            <a:schemeClr val="tx1"/>
+          </a:fontRef>
+        </p:style>
+      </p:cxnSp>
+      <p:cxnSp>
+        <p:nvCxnSpPr>
+          <p:cNvPr id="18" name="Straight Arrow Connector 17"/>
+          <p:cNvCxnSpPr/>
+          <p:nvPr/>
+        </p:nvCxnSpPr>
+        <p:spPr>
+          <a:xfrm flipV="1">
+            <a:off x="3583405" y="2452438"/>
+            <a:ext cx="1044741" cy="8021"/>
+          </a:xfrm>
+          <a:prstGeom prst="straightConnector1">
+            <a:avLst/>
+          </a:prstGeom>
+          <a:ln w="12700">
+            <a:prstDash val="dashDot"/>
+            <a:tailEnd type="triangle"/>
+          </a:ln>
+        </p:spPr>
+        <p:style>
+          <a:lnRef idx="1">
+            <a:schemeClr val="accent2"/>
+          </a:lnRef>
+          <a:fillRef idx="0">
+            <a:schemeClr val="accent2"/>
+          </a:fillRef>
+          <a:effectRef idx="0">
+            <a:schemeClr val="accent2"/>
+          </a:effectRef>
+          <a:fontRef idx="minor">
+            <a:schemeClr val="tx1"/>
+          </a:fontRef>
+        </p:style>
+      </p:cxnSp>
+      <p:cxnSp>
+        <p:nvCxnSpPr>
+          <p:cNvPr id="20" name="Straight Connector 19">
+            <a:extLst>
+              <a:ext uri="{FF2B5EF4-FFF2-40B4-BE49-F238E27FC236}">
+                <a16:creationId xmlns:a16="http://schemas.microsoft.com/office/drawing/2014/main" id="{93245FC4-F227-6E4E-A796-06DC1E20B1A0}"/>
+              </a:ext>
+            </a:extLst>
+          </p:cNvPr>
+          <p:cNvCxnSpPr>
+            <a:cxnSpLocks/>
+          </p:cNvCxnSpPr>
+          <p:nvPr/>
+        </p:nvCxnSpPr>
+        <p:spPr>
+          <a:xfrm>
+            <a:off x="2362199" y="1477879"/>
+            <a:ext cx="2265947" cy="4411"/>
+          </a:xfrm>
+          <a:prstGeom prst="line">
+            <a:avLst/>
+          </a:prstGeom>
+          <a:ln>
+            <a:solidFill>
+              <a:schemeClr val="accent5">
+                <a:lumMod val="50000"/>
+              </a:schemeClr>
+            </a:solidFill>
+            <a:prstDash val="sysDash"/>
+          </a:ln>
+        </p:spPr>
+        <p:style>
+          <a:lnRef idx="1">
+            <a:schemeClr val="accent1"/>
+          </a:lnRef>
+          <a:fillRef idx="0">
+            <a:schemeClr val="accent1"/>
+          </a:fillRef>
+          <a:effectRef idx="0">
+            <a:schemeClr val="accent1"/>
+          </a:effectRef>
+          <a:fontRef idx="minor">
+            <a:schemeClr val="tx1"/>
+          </a:fontRef>
+        </p:style>
+      </p:cxnSp>
+      <p:cxnSp>
+        <p:nvCxnSpPr>
+          <p:cNvPr id="22" name="Straight Connector 21">
+            <a:extLst>
+              <a:ext uri="{FF2B5EF4-FFF2-40B4-BE49-F238E27FC236}">
+                <a16:creationId xmlns:a16="http://schemas.microsoft.com/office/drawing/2014/main" id="{9E2B14B8-87CD-2844-B71B-B95C52708EB9}"/>
+              </a:ext>
+            </a:extLst>
+          </p:cNvPr>
+          <p:cNvCxnSpPr>
+            <a:cxnSpLocks/>
+          </p:cNvCxnSpPr>
+          <p:nvPr/>
+        </p:nvCxnSpPr>
+        <p:spPr>
+          <a:xfrm>
+            <a:off x="2285999" y="6448525"/>
+            <a:ext cx="2265947" cy="4411"/>
+          </a:xfrm>
+          <a:prstGeom prst="line">
+            <a:avLst/>
+          </a:prstGeom>
+          <a:ln>
+            <a:solidFill>
+              <a:schemeClr val="accent5">
+                <a:lumMod val="50000"/>
+              </a:schemeClr>
+            </a:solidFill>
+            <a:prstDash val="sysDash"/>
+          </a:ln>
+        </p:spPr>
+        <p:style>
+          <a:lnRef idx="1">
+            <a:schemeClr val="accent1"/>
+          </a:lnRef>
+          <a:fillRef idx="0">
+            <a:schemeClr val="accent1"/>
+          </a:fillRef>
+          <a:effectRef idx="0">
+            <a:schemeClr val="accent1"/>
+          </a:effectRef>
+          <a:fontRef idx="minor">
+            <a:schemeClr val="tx1"/>
+          </a:fontRef>
+        </p:style>
+      </p:cxnSp>
+      <p:sp>
+        <p:nvSpPr>
+          <p:cNvPr id="23" name="TextBox 22">
+            <a:extLst>
+              <a:ext uri="{FF2B5EF4-FFF2-40B4-BE49-F238E27FC236}">
+                <a16:creationId xmlns:a16="http://schemas.microsoft.com/office/drawing/2014/main" id="{95DED5B2-BE92-DF48-B585-54EC35D0D19D}"/>
+              </a:ext>
+            </a:extLst>
+          </p:cNvPr>
+          <p:cNvSpPr txBox="1"/>
+          <p:nvPr/>
+        </p:nvSpPr>
+        <p:spPr>
+          <a:xfrm>
+            <a:off x="1826795" y="3531604"/>
+            <a:ext cx="2117558" cy="338554"/>
+          </a:xfrm>
+          <a:prstGeom prst="rect">
+            <a:avLst/>
+          </a:prstGeom>
+        </p:spPr>
+        <p:txBody>
+          <a:bodyPr rot="0" spcFirstLastPara="0" vertOverflow="overflow" horzOverflow="overflow" vert="horz" wrap="square" lIns="91440" tIns="45720" rIns="91440" bIns="45720" numCol="1" spcCol="0" rtlCol="0" fromWordArt="0" anchor="t" anchorCtr="0" forceAA="0" compatLnSpc="1">
+            <a:spAutoFit/>
+          </a:bodyPr>
+          <a:lstStyle/>
+          <a:p>
+            <a:pPr algn="ctr"/>
+            <a:r>
+              <a:rPr lang="en-GB" sz="1600" dirty="0">
+                <a:solidFill>
+                  <a:schemeClr val="accent6">
+                    <a:lumMod val="75000"/>
+                  </a:schemeClr>
+                </a:solidFill>
+                <a:latin typeface="Inconsolata" pitchFamily="49" charset="77"/>
+                <a:ea typeface="Inconsolata" pitchFamily="49" charset="77"/>
+              </a:rPr>
+              <a:t>// Injector</a:t>
+            </a:r>
+            <a:endParaRPr lang="en-US" sz="1600" dirty="0">
+              <a:solidFill>
+                <a:schemeClr val="accent6">
+                  <a:lumMod val="75000"/>
+                </a:schemeClr>
+              </a:solidFill>
+              <a:latin typeface="Inconsolata" pitchFamily="49" charset="77"/>
+              <a:ea typeface="Inconsolata" pitchFamily="49" charset="77"/>
+            </a:endParaRPr>
+          </a:p>
+        </p:txBody>
+      </p:sp>
+      <p:cxnSp>
+        <p:nvCxnSpPr>
+          <p:cNvPr id="24" name="Straight Connector 23">
+            <a:extLst>
+              <a:ext uri="{FF2B5EF4-FFF2-40B4-BE49-F238E27FC236}">
+                <a16:creationId xmlns:a16="http://schemas.microsoft.com/office/drawing/2014/main" id="{4302065C-FED6-F445-9034-6258331F52EE}"/>
+              </a:ext>
+            </a:extLst>
+          </p:cNvPr>
+          <p:cNvCxnSpPr>
+            <a:cxnSpLocks/>
+          </p:cNvCxnSpPr>
+          <p:nvPr/>
+        </p:nvCxnSpPr>
+        <p:spPr>
+          <a:xfrm flipV="1">
+            <a:off x="1325880" y="3958284"/>
+            <a:ext cx="2475033" cy="7123"/>
+          </a:xfrm>
+          <a:prstGeom prst="line">
+            <a:avLst/>
+          </a:prstGeom>
+          <a:ln>
+            <a:solidFill>
+              <a:schemeClr val="accent6">
+                <a:lumMod val="75000"/>
+              </a:schemeClr>
+            </a:solidFill>
+            <a:prstDash val="sysDash"/>
+          </a:ln>
+        </p:spPr>
+        <p:style>
+          <a:lnRef idx="1">
+            <a:schemeClr val="accent1"/>
+          </a:lnRef>
+          <a:fillRef idx="0">
+            <a:schemeClr val="accent1"/>
+          </a:fillRef>
+          <a:effectRef idx="0">
+            <a:schemeClr val="accent1"/>
+          </a:effectRef>
+          <a:fontRef idx="minor">
+            <a:schemeClr val="tx1"/>
+          </a:fontRef>
+        </p:style>
+      </p:cxnSp>
+      <p:cxnSp>
+        <p:nvCxnSpPr>
+          <p:cNvPr id="25" name="Straight Connector 24">
+            <a:extLst>
+              <a:ext uri="{FF2B5EF4-FFF2-40B4-BE49-F238E27FC236}">
+                <a16:creationId xmlns:a16="http://schemas.microsoft.com/office/drawing/2014/main" id="{13C84A55-D31E-1043-83E7-680FC20B819B}"/>
+              </a:ext>
+            </a:extLst>
+          </p:cNvPr>
+          <p:cNvCxnSpPr>
+            <a:cxnSpLocks/>
+          </p:cNvCxnSpPr>
+          <p:nvPr/>
+        </p:nvCxnSpPr>
+        <p:spPr>
+          <a:xfrm>
+            <a:off x="7447278" y="3965407"/>
+            <a:ext cx="2604104" cy="0"/>
+          </a:xfrm>
+          <a:prstGeom prst="line">
+            <a:avLst/>
+          </a:prstGeom>
+          <a:ln>
+            <a:solidFill>
+              <a:schemeClr val="accent6">
+                <a:lumMod val="75000"/>
+              </a:schemeClr>
+            </a:solidFill>
+            <a:prstDash val="sysDash"/>
+          </a:ln>
+        </p:spPr>
+        <p:style>
+          <a:lnRef idx="1">
+            <a:schemeClr val="accent1"/>
+          </a:lnRef>
+          <a:fillRef idx="0">
+            <a:schemeClr val="accent1"/>
+          </a:fillRef>
+          <a:effectRef idx="0">
+            <a:schemeClr val="accent1"/>
+          </a:effectRef>
+          <a:fontRef idx="minor">
+            <a:schemeClr val="tx1"/>
+          </a:fontRef>
+        </p:style>
+      </p:cxnSp>
+    </p:spTree>
+    <p:extLst>
+      <p:ext uri="{BB962C8B-B14F-4D97-AF65-F5344CB8AC3E}">
+        <p14:creationId xmlns:p14="http://schemas.microsoft.com/office/powerpoint/2010/main" val="1070555860"/>
+      </p:ext>
+    </p:extLst>
+  </p:cSld>
+  <p:clrMapOvr>
+    <a:masterClrMapping/>
+  </p:clrMapOvr>
+</p:sld>
+</file>
+
+<file path=ppt/slides/slide34.xml><?xml version="1.0" encoding="utf-8"?>
+<p:sld xmlns:a="http://schemas.openxmlformats.org/drawingml/2006/main" xmlns:r="http://schemas.openxmlformats.org/officeDocument/2006/relationships" xmlns:p="http://schemas.openxmlformats.org/presentationml/2006/main">
+  <p:cSld>
+    <p:spTree>
+      <p:nvGrpSpPr>
+        <p:cNvPr id="1" name=""/>
+        <p:cNvGrpSpPr/>
+        <p:nvPr/>
+      </p:nvGrpSpPr>
+      <p:grpSpPr>
+        <a:xfrm>
+          <a:off x="0" y="0"/>
+          <a:ext cx="0" cy="0"/>
+          <a:chOff x="0" y="0"/>
+          <a:chExt cx="0" cy="0"/>
+        </a:xfrm>
+      </p:grpSpPr>
+      <p:sp>
+        <p:nvSpPr>
           <p:cNvPr id="2" name="Title 1"/>
           <p:cNvSpPr>
             <a:spLocks noGrp="1"/>
